--- a/BUS243_NLP/lecture_notes/Lecture2.pptx
+++ b/BUS243_NLP/lecture_notes/Lecture2.pptx
@@ -5,12 +5,21 @@
     <p:sldMasterId id="2147483775" r:id="rId1"/>
   </p:sldMasterIdLst>
   <p:notesMasterIdLst>
-    <p:notesMasterId r:id="rId5"/>
+    <p:notesMasterId r:id="rId14"/>
   </p:notesMasterIdLst>
   <p:sldIdLst>
     <p:sldId id="256" r:id="rId2"/>
     <p:sldId id="257" r:id="rId3"/>
-    <p:sldId id="258" r:id="rId4"/>
+    <p:sldId id="259" r:id="rId4"/>
+    <p:sldId id="258" r:id="rId5"/>
+    <p:sldId id="263" r:id="rId6"/>
+    <p:sldId id="260" r:id="rId7"/>
+    <p:sldId id="264" r:id="rId8"/>
+    <p:sldId id="265" r:id="rId9"/>
+    <p:sldId id="266" r:id="rId10"/>
+    <p:sldId id="267" r:id="rId11"/>
+    <p:sldId id="268" r:id="rId12"/>
+    <p:sldId id="269" r:id="rId13"/>
   </p:sldIdLst>
   <p:sldSz cx="12192000" cy="6858000"/>
   <p:notesSz cx="6858000" cy="9144000"/>
@@ -199,7 +208,7 @@
           <a:p>
             <a:fld id="{6C062D5C-E428-DA43-AA54-C279CF805B17}" type="datetimeFigureOut">
               <a:rPr lang="en-US" smtClean="0"/>
-              <a:t>3/4/23</a:t>
+              <a:t>3/6/23</a:t>
             </a:fld>
             <a:endParaRPr lang="en-US"/>
           </a:p>
@@ -615,7 +624,7 @@
             <a:fld id="{3F9AFA87-1417-4992-ABD9-27C3BC8CC883}" type="datetimeFigureOut">
               <a:rPr lang="en-US" smtClean="0"/>
               <a:pPr algn="r"/>
-              <a:t>3/4/23</a:t>
+              <a:t>3/6/23</a:t>
             </a:fld>
             <a:endParaRPr lang="en-US" dirty="0"/>
           </a:p>
@@ -814,7 +823,7 @@
           <a:p>
             <a:fld id="{3F9AFA87-1417-4992-ABD9-27C3BC8CC883}" type="datetimeFigureOut">
               <a:rPr lang="en-US" smtClean="0"/>
-              <a:t>3/4/23</a:t>
+              <a:t>3/6/23</a:t>
             </a:fld>
             <a:endParaRPr lang="en-US"/>
           </a:p>
@@ -1022,7 +1031,7 @@
           <a:p>
             <a:fld id="{3F9AFA87-1417-4992-ABD9-27C3BC8CC883}" type="datetimeFigureOut">
               <a:rPr lang="en-US" smtClean="0"/>
-              <a:t>3/4/23</a:t>
+              <a:t>3/6/23</a:t>
             </a:fld>
             <a:endParaRPr lang="en-US"/>
           </a:p>
@@ -1220,7 +1229,7 @@
           <a:p>
             <a:fld id="{3F9AFA87-1417-4992-ABD9-27C3BC8CC883}" type="datetimeFigureOut">
               <a:rPr lang="en-US" smtClean="0"/>
-              <a:t>3/4/23</a:t>
+              <a:t>3/6/23</a:t>
             </a:fld>
             <a:endParaRPr lang="en-US"/>
           </a:p>
@@ -1495,7 +1504,7 @@
           <a:p>
             <a:fld id="{3F9AFA87-1417-4992-ABD9-27C3BC8CC883}" type="datetimeFigureOut">
               <a:rPr lang="en-US" smtClean="0"/>
-              <a:t>3/4/23</a:t>
+              <a:t>3/6/23</a:t>
             </a:fld>
             <a:endParaRPr lang="en-US"/>
           </a:p>
@@ -1760,7 +1769,7 @@
           <a:p>
             <a:fld id="{3F9AFA87-1417-4992-ABD9-27C3BC8CC883}" type="datetimeFigureOut">
               <a:rPr lang="en-US" smtClean="0"/>
-              <a:t>3/4/23</a:t>
+              <a:t>3/6/23</a:t>
             </a:fld>
             <a:endParaRPr lang="en-US" dirty="0"/>
           </a:p>
@@ -2174,7 +2183,7 @@
             <a:fld id="{3F9AFA87-1417-4992-ABD9-27C3BC8CC883}" type="datetimeFigureOut">
               <a:rPr lang="en-US" smtClean="0"/>
               <a:pPr algn="r"/>
-              <a:t>3/4/23</a:t>
+              <a:t>3/6/23</a:t>
             </a:fld>
             <a:endParaRPr lang="en-US" dirty="0"/>
           </a:p>
@@ -2316,7 +2325,7 @@
           <a:p>
             <a:fld id="{3F9AFA87-1417-4992-ABD9-27C3BC8CC883}" type="datetimeFigureOut">
               <a:rPr lang="en-US" smtClean="0"/>
-              <a:t>3/4/23</a:t>
+              <a:t>3/6/23</a:t>
             </a:fld>
             <a:endParaRPr lang="en-US"/>
           </a:p>
@@ -2429,7 +2438,7 @@
           <a:p>
             <a:fld id="{3F9AFA87-1417-4992-ABD9-27C3BC8CC883}" type="datetimeFigureOut">
               <a:rPr lang="en-US" smtClean="0"/>
-              <a:t>3/4/23</a:t>
+              <a:t>3/6/23</a:t>
             </a:fld>
             <a:endParaRPr lang="en-US"/>
           </a:p>
@@ -2740,7 +2749,7 @@
           <a:p>
             <a:fld id="{3F9AFA87-1417-4992-ABD9-27C3BC8CC883}" type="datetimeFigureOut">
               <a:rPr lang="en-US" smtClean="0"/>
-              <a:t>3/4/23</a:t>
+              <a:t>3/6/23</a:t>
             </a:fld>
             <a:endParaRPr lang="en-US"/>
           </a:p>
@@ -3028,7 +3037,7 @@
           <a:p>
             <a:fld id="{3F9AFA87-1417-4992-ABD9-27C3BC8CC883}" type="datetimeFigureOut">
               <a:rPr lang="en-US" smtClean="0"/>
-              <a:t>3/4/23</a:t>
+              <a:t>3/6/23</a:t>
             </a:fld>
             <a:endParaRPr lang="en-US"/>
           </a:p>
@@ -3271,7 +3280,7 @@
             <a:fld id="{3F9AFA87-1417-4992-ABD9-27C3BC8CC883}" type="datetimeFigureOut">
               <a:rPr lang="en-US" smtClean="0"/>
               <a:pPr algn="r"/>
-              <a:t>3/4/23</a:t>
+              <a:t>3/6/23</a:t>
             </a:fld>
             <a:endParaRPr lang="en-US" dirty="0"/>
           </a:p>
@@ -3836,6 +3845,253 @@
 </p:sld>
 </file>
 
+<file path=ppt/slides/slide10.xml><?xml version="1.0" encoding="utf-8"?>
+<p:sld xmlns:a="http://schemas.openxmlformats.org/drawingml/2006/main" xmlns:r="http://schemas.openxmlformats.org/officeDocument/2006/relationships" xmlns:p="http://schemas.openxmlformats.org/presentationml/2006/main">
+  <p:cSld>
+    <p:spTree>
+      <p:nvGrpSpPr>
+        <p:cNvPr id="1" name=""/>
+        <p:cNvGrpSpPr/>
+        <p:nvPr/>
+      </p:nvGrpSpPr>
+      <p:grpSpPr>
+        <a:xfrm>
+          <a:off x="0" y="0"/>
+          <a:ext cx="0" cy="0"/>
+          <a:chOff x="0" y="0"/>
+          <a:chExt cx="0" cy="0"/>
+        </a:xfrm>
+      </p:grpSpPr>
+      <p:sp>
+        <p:nvSpPr>
+          <p:cNvPr id="2" name="Title 1">
+            <a:extLst>
+              <a:ext uri="{FF2B5EF4-FFF2-40B4-BE49-F238E27FC236}">
+                <a16:creationId xmlns:a16="http://schemas.microsoft.com/office/drawing/2014/main" id="{B39213E6-163B-0373-07C9-874A38FF9936}"/>
+              </a:ext>
+            </a:extLst>
+          </p:cNvPr>
+          <p:cNvSpPr>
+            <a:spLocks noGrp="1"/>
+          </p:cNvSpPr>
+          <p:nvPr>
+            <p:ph type="title"/>
+          </p:nvPr>
+        </p:nvSpPr>
+        <p:spPr/>
+        <p:txBody>
+          <a:bodyPr/>
+          <a:lstStyle/>
+          <a:p>
+            <a:endParaRPr lang="en-US"/>
+          </a:p>
+        </p:txBody>
+      </p:sp>
+      <p:sp>
+        <p:nvSpPr>
+          <p:cNvPr id="3" name="Content Placeholder 2">
+            <a:extLst>
+              <a:ext uri="{FF2B5EF4-FFF2-40B4-BE49-F238E27FC236}">
+                <a16:creationId xmlns:a16="http://schemas.microsoft.com/office/drawing/2014/main" id="{024DBFD2-1F3B-49D1-CFF9-F3AF413BD0F9}"/>
+              </a:ext>
+            </a:extLst>
+          </p:cNvPr>
+          <p:cNvSpPr>
+            <a:spLocks noGrp="1"/>
+          </p:cNvSpPr>
+          <p:nvPr>
+            <p:ph idx="1"/>
+          </p:nvPr>
+        </p:nvSpPr>
+        <p:spPr/>
+        <p:txBody>
+          <a:bodyPr/>
+          <a:lstStyle/>
+          <a:p>
+            <a:endParaRPr lang="en-US"/>
+          </a:p>
+        </p:txBody>
+      </p:sp>
+    </p:spTree>
+    <p:extLst>
+      <p:ext uri="{BB962C8B-B14F-4D97-AF65-F5344CB8AC3E}">
+        <p14:creationId xmlns:p14="http://schemas.microsoft.com/office/powerpoint/2010/main" val="1161657830"/>
+      </p:ext>
+    </p:extLst>
+  </p:cSld>
+  <p:clrMapOvr>
+    <a:masterClrMapping/>
+  </p:clrMapOvr>
+</p:sld>
+</file>
+
+<file path=ppt/slides/slide11.xml><?xml version="1.0" encoding="utf-8"?>
+<p:sld xmlns:a="http://schemas.openxmlformats.org/drawingml/2006/main" xmlns:r="http://schemas.openxmlformats.org/officeDocument/2006/relationships" xmlns:p="http://schemas.openxmlformats.org/presentationml/2006/main">
+  <p:cSld>
+    <p:spTree>
+      <p:nvGrpSpPr>
+        <p:cNvPr id="1" name=""/>
+        <p:cNvGrpSpPr/>
+        <p:nvPr/>
+      </p:nvGrpSpPr>
+      <p:grpSpPr>
+        <a:xfrm>
+          <a:off x="0" y="0"/>
+          <a:ext cx="0" cy="0"/>
+          <a:chOff x="0" y="0"/>
+          <a:chExt cx="0" cy="0"/>
+        </a:xfrm>
+      </p:grpSpPr>
+      <p:sp>
+        <p:nvSpPr>
+          <p:cNvPr id="2" name="Title 1">
+            <a:extLst>
+              <a:ext uri="{FF2B5EF4-FFF2-40B4-BE49-F238E27FC236}">
+                <a16:creationId xmlns:a16="http://schemas.microsoft.com/office/drawing/2014/main" id="{133FD773-0BF0-2CC7-6607-CC69DEC10A96}"/>
+              </a:ext>
+            </a:extLst>
+          </p:cNvPr>
+          <p:cNvSpPr>
+            <a:spLocks noGrp="1"/>
+          </p:cNvSpPr>
+          <p:nvPr>
+            <p:ph type="title"/>
+          </p:nvPr>
+        </p:nvSpPr>
+        <p:spPr/>
+        <p:txBody>
+          <a:bodyPr/>
+          <a:lstStyle/>
+          <a:p>
+            <a:endParaRPr lang="en-US"/>
+          </a:p>
+        </p:txBody>
+      </p:sp>
+      <p:sp>
+        <p:nvSpPr>
+          <p:cNvPr id="3" name="Content Placeholder 2">
+            <a:extLst>
+              <a:ext uri="{FF2B5EF4-FFF2-40B4-BE49-F238E27FC236}">
+                <a16:creationId xmlns:a16="http://schemas.microsoft.com/office/drawing/2014/main" id="{FED926DF-F71B-75DD-30CA-6EF2B2BB1B5A}"/>
+              </a:ext>
+            </a:extLst>
+          </p:cNvPr>
+          <p:cNvSpPr>
+            <a:spLocks noGrp="1"/>
+          </p:cNvSpPr>
+          <p:nvPr>
+            <p:ph idx="1"/>
+          </p:nvPr>
+        </p:nvSpPr>
+        <p:spPr/>
+        <p:txBody>
+          <a:bodyPr/>
+          <a:lstStyle/>
+          <a:p>
+            <a:endParaRPr lang="en-US"/>
+          </a:p>
+        </p:txBody>
+      </p:sp>
+    </p:spTree>
+    <p:extLst>
+      <p:ext uri="{BB962C8B-B14F-4D97-AF65-F5344CB8AC3E}">
+        <p14:creationId xmlns:p14="http://schemas.microsoft.com/office/powerpoint/2010/main" val="4177762778"/>
+      </p:ext>
+    </p:extLst>
+  </p:cSld>
+  <p:clrMapOvr>
+    <a:masterClrMapping/>
+  </p:clrMapOvr>
+</p:sld>
+</file>
+
+<file path=ppt/slides/slide12.xml><?xml version="1.0" encoding="utf-8"?>
+<p:sld xmlns:a="http://schemas.openxmlformats.org/drawingml/2006/main" xmlns:r="http://schemas.openxmlformats.org/officeDocument/2006/relationships" xmlns:p="http://schemas.openxmlformats.org/presentationml/2006/main">
+  <p:cSld>
+    <p:spTree>
+      <p:nvGrpSpPr>
+        <p:cNvPr id="1" name=""/>
+        <p:cNvGrpSpPr/>
+        <p:nvPr/>
+      </p:nvGrpSpPr>
+      <p:grpSpPr>
+        <a:xfrm>
+          <a:off x="0" y="0"/>
+          <a:ext cx="0" cy="0"/>
+          <a:chOff x="0" y="0"/>
+          <a:chExt cx="0" cy="0"/>
+        </a:xfrm>
+      </p:grpSpPr>
+      <p:sp>
+        <p:nvSpPr>
+          <p:cNvPr id="2" name="Title 1">
+            <a:extLst>
+              <a:ext uri="{FF2B5EF4-FFF2-40B4-BE49-F238E27FC236}">
+                <a16:creationId xmlns:a16="http://schemas.microsoft.com/office/drawing/2014/main" id="{3828B03F-971E-FF64-71EA-0F7028825BD7}"/>
+              </a:ext>
+            </a:extLst>
+          </p:cNvPr>
+          <p:cNvSpPr>
+            <a:spLocks noGrp="1"/>
+          </p:cNvSpPr>
+          <p:nvPr>
+            <p:ph type="title"/>
+          </p:nvPr>
+        </p:nvSpPr>
+        <p:spPr/>
+        <p:txBody>
+          <a:bodyPr/>
+          <a:lstStyle/>
+          <a:p>
+            <a:r>
+              <a:rPr lang="en-US" dirty="0"/>
+              <a:t>Presence vs. </a:t>
+            </a:r>
+            <a:r>
+              <a:rPr lang="en-US"/>
+              <a:t>count</a:t>
+            </a:r>
+          </a:p>
+        </p:txBody>
+      </p:sp>
+      <p:sp>
+        <p:nvSpPr>
+          <p:cNvPr id="3" name="Content Placeholder 2">
+            <a:extLst>
+              <a:ext uri="{FF2B5EF4-FFF2-40B4-BE49-F238E27FC236}">
+                <a16:creationId xmlns:a16="http://schemas.microsoft.com/office/drawing/2014/main" id="{DDBF1CB3-1470-228F-F3C4-530F2391EEF7}"/>
+              </a:ext>
+            </a:extLst>
+          </p:cNvPr>
+          <p:cNvSpPr>
+            <a:spLocks noGrp="1"/>
+          </p:cNvSpPr>
+          <p:nvPr>
+            <p:ph idx="1"/>
+          </p:nvPr>
+        </p:nvSpPr>
+        <p:spPr/>
+        <p:txBody>
+          <a:bodyPr/>
+          <a:lstStyle/>
+          <a:p>
+            <a:endParaRPr lang="en-US"/>
+          </a:p>
+        </p:txBody>
+      </p:sp>
+    </p:spTree>
+    <p:extLst>
+      <p:ext uri="{BB962C8B-B14F-4D97-AF65-F5344CB8AC3E}">
+        <p14:creationId xmlns:p14="http://schemas.microsoft.com/office/powerpoint/2010/main" val="4175339345"/>
+      </p:ext>
+    </p:extLst>
+  </p:cSld>
+  <p:clrMapOvr>
+    <a:masterClrMapping/>
+  </p:clrMapOvr>
+</p:sld>
+</file>
+
 <file path=ppt/slides/slide2.xml><?xml version="1.0" encoding="utf-8"?>
 <p:sld xmlns:a="http://schemas.openxmlformats.org/drawingml/2006/main" xmlns:r="http://schemas.openxmlformats.org/officeDocument/2006/relationships" xmlns:p="http://schemas.openxmlformats.org/presentationml/2006/main">
   <p:cSld>
@@ -3883,8 +4139,8 @@
           </a:p>
         </p:txBody>
       </p:sp>
-      <mc:AlternateContent xmlns:mc="http://schemas.openxmlformats.org/markup-compatibility/2006">
-        <mc:Choice xmlns:a14="http://schemas.microsoft.com/office/drawing/2010/main" Requires="a14">
+      <mc:AlternateContent xmlns:mc="http://schemas.openxmlformats.org/markup-compatibility/2006" xmlns:a14="http://schemas.microsoft.com/office/drawing/2010/main">
+        <mc:Choice Requires="a14">
           <p:sp>
             <p:nvSpPr>
               <p:cNvPr id="3" name="Content Placeholder 2">
@@ -4055,7 +4311,7 @@
             </p:txBody>
           </p:sp>
         </mc:Choice>
-        <mc:Fallback>
+        <mc:Fallback xmlns="">
           <p:sp>
             <p:nvSpPr>
               <p:cNvPr id="3" name="Content Placeholder 2">
@@ -4130,7 +4386,7 @@
           <p:cNvPr id="2" name="Title 1">
             <a:extLst>
               <a:ext uri="{FF2B5EF4-FFF2-40B4-BE49-F238E27FC236}">
-                <a16:creationId xmlns:a16="http://schemas.microsoft.com/office/drawing/2014/main" id="{E47C8D8C-F447-D114-78FA-982884A7A7F7}"/>
+                <a16:creationId xmlns:a16="http://schemas.microsoft.com/office/drawing/2014/main" id="{915224CA-BEB6-9E5A-11A6-8081C17F8543}"/>
               </a:ext>
             </a:extLst>
           </p:cNvPr>
@@ -4150,7 +4406,7 @@
           <a:p>
             <a:r>
               <a:rPr lang="en-US" sz="4000" b="1" dirty="0"/>
-              <a:t>What is a Word?</a:t>
+              <a:t>Goal of the lecture</a:t>
             </a:r>
           </a:p>
         </p:txBody>
@@ -4160,6 +4416,114 @@
           <p:cNvPr id="3" name="Content Placeholder 2">
             <a:extLst>
               <a:ext uri="{FF2B5EF4-FFF2-40B4-BE49-F238E27FC236}">
+                <a16:creationId xmlns:a16="http://schemas.microsoft.com/office/drawing/2014/main" id="{DA7B21D8-A8C4-EFA1-8AA0-E0100005FA01}"/>
+              </a:ext>
+            </a:extLst>
+          </p:cNvPr>
+          <p:cNvSpPr>
+            <a:spLocks noGrp="1"/>
+          </p:cNvSpPr>
+          <p:nvPr>
+            <p:ph idx="1"/>
+          </p:nvPr>
+        </p:nvSpPr>
+        <p:spPr/>
+        <p:txBody>
+          <a:bodyPr/>
+          <a:lstStyle/>
+          <a:p>
+            <a:r>
+              <a:rPr lang="en-US" dirty="0"/>
+              <a:t>Understand a numerical representation of text</a:t>
+            </a:r>
+          </a:p>
+          <a:p>
+            <a:pPr lvl="1"/>
+            <a:r>
+              <a:rPr lang="en-US" dirty="0"/>
+              <a:t>One-hot vectors</a:t>
+            </a:r>
+          </a:p>
+          <a:p>
+            <a:pPr lvl="1"/>
+            <a:r>
+              <a:rPr lang="en-US" dirty="0"/>
+              <a:t>Bag-of-words representation</a:t>
+            </a:r>
+          </a:p>
+          <a:p>
+            <a:pPr marL="0" indent="0">
+              <a:buNone/>
+            </a:pPr>
+            <a:endParaRPr lang="en-US" dirty="0"/>
+          </a:p>
+        </p:txBody>
+      </p:sp>
+    </p:spTree>
+    <p:extLst>
+      <p:ext uri="{BB962C8B-B14F-4D97-AF65-F5344CB8AC3E}">
+        <p14:creationId xmlns:p14="http://schemas.microsoft.com/office/powerpoint/2010/main" val="2552900327"/>
+      </p:ext>
+    </p:extLst>
+  </p:cSld>
+  <p:clrMapOvr>
+    <a:masterClrMapping/>
+  </p:clrMapOvr>
+</p:sld>
+</file>
+
+<file path=ppt/slides/slide4.xml><?xml version="1.0" encoding="utf-8"?>
+<p:sld xmlns:a="http://schemas.openxmlformats.org/drawingml/2006/main" xmlns:r="http://schemas.openxmlformats.org/officeDocument/2006/relationships" xmlns:p="http://schemas.openxmlformats.org/presentationml/2006/main">
+  <p:cSld>
+    <p:spTree>
+      <p:nvGrpSpPr>
+        <p:cNvPr id="1" name=""/>
+        <p:cNvGrpSpPr/>
+        <p:nvPr/>
+      </p:nvGrpSpPr>
+      <p:grpSpPr>
+        <a:xfrm>
+          <a:off x="0" y="0"/>
+          <a:ext cx="0" cy="0"/>
+          <a:chOff x="0" y="0"/>
+          <a:chExt cx="0" cy="0"/>
+        </a:xfrm>
+      </p:grpSpPr>
+      <p:sp>
+        <p:nvSpPr>
+          <p:cNvPr id="2" name="Title 1">
+            <a:extLst>
+              <a:ext uri="{FF2B5EF4-FFF2-40B4-BE49-F238E27FC236}">
+                <a16:creationId xmlns:a16="http://schemas.microsoft.com/office/drawing/2014/main" id="{E47C8D8C-F447-D114-78FA-982884A7A7F7}"/>
+              </a:ext>
+            </a:extLst>
+          </p:cNvPr>
+          <p:cNvSpPr>
+            <a:spLocks noGrp="1"/>
+          </p:cNvSpPr>
+          <p:nvPr>
+            <p:ph type="title"/>
+          </p:nvPr>
+        </p:nvSpPr>
+        <p:spPr/>
+        <p:txBody>
+          <a:bodyPr>
+            <a:normAutofit/>
+          </a:bodyPr>
+          <a:lstStyle/>
+          <a:p>
+            <a:r>
+              <a:rPr lang="en-US" sz="4000" b="1" dirty="0"/>
+              <a:t>Some keywords</a:t>
+            </a:r>
+          </a:p>
+        </p:txBody>
+      </p:sp>
+      <p:sp>
+        <p:nvSpPr>
+          <p:cNvPr id="3" name="Content Placeholder 2">
+            <a:extLst>
+              <a:ext uri="{FF2B5EF4-FFF2-40B4-BE49-F238E27FC236}">
                 <a16:creationId xmlns:a16="http://schemas.microsoft.com/office/drawing/2014/main" id="{6B342753-CC91-FE8F-2FE8-2D4FB031E3F9}"/>
               </a:ext>
             </a:extLst>
@@ -4175,6 +4539,58 @@
         <p:txBody>
           <a:bodyPr/>
           <a:lstStyle/>
+          <a:p>
+            <a:r>
+              <a:rPr lang="en-US" dirty="0"/>
+              <a:t>Tokenization is a particular kind of document segmentation</a:t>
+            </a:r>
+          </a:p>
+          <a:p>
+            <a:pPr lvl="1"/>
+            <a:r>
+              <a:rPr lang="en-US" dirty="0"/>
+              <a:t>Break up text into smaller chunks</a:t>
+            </a:r>
+          </a:p>
+          <a:p>
+            <a:pPr lvl="1"/>
+            <a:r>
+              <a:rPr lang="en-US" dirty="0"/>
+              <a:t>Document → paragraphs → sentences → phrases → tokens</a:t>
+            </a:r>
+          </a:p>
+          <a:p>
+            <a:r>
+              <a:rPr lang="en-US" dirty="0"/>
+              <a:t>Tokenization is the first step in an NLP pipeline</a:t>
+            </a:r>
+          </a:p>
+          <a:p>
+            <a:pPr lvl="1"/>
+            <a:r>
+              <a:rPr lang="en-US" dirty="0"/>
+              <a:t>turns an unstructured string (text document) into a numerical data structure suitable for machine learning</a:t>
+            </a:r>
+          </a:p>
+          <a:p>
+            <a:r>
+              <a:rPr lang="en-US" dirty="0"/>
+              <a:t>The distribution of tokens can be used directly </a:t>
+            </a:r>
+          </a:p>
+          <a:p>
+            <a:pPr lvl="1"/>
+            <a:r>
+              <a:rPr lang="en-US" dirty="0"/>
+              <a:t>Counts imply the meanings</a:t>
+            </a:r>
+          </a:p>
+          <a:p>
+            <a:r>
+              <a:rPr lang="en-US" dirty="0"/>
+              <a:t>They also used in a ml pipeline as features</a:t>
+            </a:r>
+          </a:p>
           <a:p>
             <a:endParaRPr lang="en-US" dirty="0"/>
           </a:p>
@@ -4184,6 +4600,876 @@
     <p:extLst>
       <p:ext uri="{BB962C8B-B14F-4D97-AF65-F5344CB8AC3E}">
         <p14:creationId xmlns:p14="http://schemas.microsoft.com/office/powerpoint/2010/main" val="3139355181"/>
+      </p:ext>
+    </p:extLst>
+  </p:cSld>
+  <p:clrMapOvr>
+    <a:masterClrMapping/>
+  </p:clrMapOvr>
+</p:sld>
+</file>
+
+<file path=ppt/slides/slide5.xml><?xml version="1.0" encoding="utf-8"?>
+<p:sld xmlns:a="http://schemas.openxmlformats.org/drawingml/2006/main" xmlns:r="http://schemas.openxmlformats.org/officeDocument/2006/relationships" xmlns:p="http://schemas.openxmlformats.org/presentationml/2006/main">
+  <p:cSld>
+    <p:spTree>
+      <p:nvGrpSpPr>
+        <p:cNvPr id="1" name=""/>
+        <p:cNvGrpSpPr/>
+        <p:nvPr/>
+      </p:nvGrpSpPr>
+      <p:grpSpPr>
+        <a:xfrm>
+          <a:off x="0" y="0"/>
+          <a:ext cx="0" cy="0"/>
+          <a:chOff x="0" y="0"/>
+          <a:chExt cx="0" cy="0"/>
+        </a:xfrm>
+      </p:grpSpPr>
+      <p:sp>
+        <p:nvSpPr>
+          <p:cNvPr id="2" name="Title 1">
+            <a:extLst>
+              <a:ext uri="{FF2B5EF4-FFF2-40B4-BE49-F238E27FC236}">
+                <a16:creationId xmlns:a16="http://schemas.microsoft.com/office/drawing/2014/main" id="{2160AF4E-B6C4-C4B4-711A-D4448DD5921B}"/>
+              </a:ext>
+            </a:extLst>
+          </p:cNvPr>
+          <p:cNvSpPr>
+            <a:spLocks noGrp="1"/>
+          </p:cNvSpPr>
+          <p:nvPr>
+            <p:ph type="title"/>
+          </p:nvPr>
+        </p:nvSpPr>
+        <p:spPr/>
+        <p:txBody>
+          <a:bodyPr>
+            <a:normAutofit/>
+          </a:bodyPr>
+          <a:lstStyle/>
+          <a:p>
+            <a:r>
+              <a:rPr lang="en-US" sz="4000" b="1" dirty="0"/>
+              <a:t>Terminology alert: one-hot vectors</a:t>
+            </a:r>
+          </a:p>
+        </p:txBody>
+      </p:sp>
+      <p:sp>
+        <p:nvSpPr>
+          <p:cNvPr id="3" name="Content Placeholder 2">
+            <a:extLst>
+              <a:ext uri="{FF2B5EF4-FFF2-40B4-BE49-F238E27FC236}">
+                <a16:creationId xmlns:a16="http://schemas.microsoft.com/office/drawing/2014/main" id="{6E1666EE-5918-0AFC-6464-10EB17806432}"/>
+              </a:ext>
+            </a:extLst>
+          </p:cNvPr>
+          <p:cNvSpPr>
+            <a:spLocks noGrp="1"/>
+          </p:cNvSpPr>
+          <p:nvPr>
+            <p:ph idx="1"/>
+          </p:nvPr>
+        </p:nvSpPr>
+        <p:spPr/>
+        <p:txBody>
+          <a:bodyPr>
+            <a:normAutofit fontScale="77500" lnSpcReduction="20000"/>
+          </a:bodyPr>
+          <a:lstStyle/>
+          <a:p>
+            <a:pPr>
+              <a:lnSpc>
+                <a:spcPct val="170000"/>
+              </a:lnSpc>
+            </a:pPr>
+            <a:r>
+              <a:rPr lang="en-US" sz="3600" dirty="0"/>
+              <a:t>One-hot vectors representation</a:t>
+            </a:r>
+          </a:p>
+          <a:p>
+            <a:pPr lvl="1">
+              <a:lnSpc>
+                <a:spcPct val="170000"/>
+              </a:lnSpc>
+            </a:pPr>
+            <a:r>
+              <a:rPr lang="en-US" sz="3200" dirty="0"/>
+              <a:t>Definition</a:t>
+            </a:r>
+          </a:p>
+          <a:p>
+            <a:pPr lvl="1">
+              <a:lnSpc>
+                <a:spcPct val="170000"/>
+              </a:lnSpc>
+            </a:pPr>
+            <a:r>
+              <a:rPr lang="en-US" sz="3200" dirty="0"/>
+              <a:t>Characteristics</a:t>
+            </a:r>
+          </a:p>
+          <a:p>
+            <a:pPr lvl="1">
+              <a:lnSpc>
+                <a:spcPct val="170000"/>
+              </a:lnSpc>
+            </a:pPr>
+            <a:r>
+              <a:rPr lang="en-US" sz="3200" dirty="0"/>
+              <a:t>What tokenizer used in the example?</a:t>
+            </a:r>
+          </a:p>
+          <a:p>
+            <a:pPr>
+              <a:lnSpc>
+                <a:spcPct val="170000"/>
+              </a:lnSpc>
+            </a:pPr>
+            <a:r>
+              <a:rPr lang="en-US" sz="3600" dirty="0"/>
+              <a:t>This representation of a sentence in one-hot word vectors retains all the detail, grammar, and order of the original sentence.</a:t>
+            </a:r>
+          </a:p>
+        </p:txBody>
+      </p:sp>
+    </p:spTree>
+    <p:extLst>
+      <p:ext uri="{BB962C8B-B14F-4D97-AF65-F5344CB8AC3E}">
+        <p14:creationId xmlns:p14="http://schemas.microsoft.com/office/powerpoint/2010/main" val="2084169604"/>
+      </p:ext>
+    </p:extLst>
+  </p:cSld>
+  <p:clrMapOvr>
+    <a:masterClrMapping/>
+  </p:clrMapOvr>
+</p:sld>
+</file>
+
+<file path=ppt/slides/slide6.xml><?xml version="1.0" encoding="utf-8"?>
+<p:sld xmlns:a="http://schemas.openxmlformats.org/drawingml/2006/main" xmlns:r="http://schemas.openxmlformats.org/officeDocument/2006/relationships" xmlns:p="http://schemas.openxmlformats.org/presentationml/2006/main">
+  <p:cSld>
+    <p:spTree>
+      <p:nvGrpSpPr>
+        <p:cNvPr id="1" name=""/>
+        <p:cNvGrpSpPr/>
+        <p:nvPr/>
+      </p:nvGrpSpPr>
+      <p:grpSpPr>
+        <a:xfrm>
+          <a:off x="0" y="0"/>
+          <a:ext cx="0" cy="0"/>
+          <a:chOff x="0" y="0"/>
+          <a:chExt cx="0" cy="0"/>
+        </a:xfrm>
+      </p:grpSpPr>
+      <p:sp>
+        <p:nvSpPr>
+          <p:cNvPr id="2" name="Title 1">
+            <a:extLst>
+              <a:ext uri="{FF2B5EF4-FFF2-40B4-BE49-F238E27FC236}">
+                <a16:creationId xmlns:a16="http://schemas.microsoft.com/office/drawing/2014/main" id="{33808042-8EE1-8DA4-ED68-F6C4DC3D2E7E}"/>
+              </a:ext>
+            </a:extLst>
+          </p:cNvPr>
+          <p:cNvSpPr>
+            <a:spLocks noGrp="1"/>
+          </p:cNvSpPr>
+          <p:nvPr>
+            <p:ph type="title"/>
+          </p:nvPr>
+        </p:nvSpPr>
+        <p:spPr/>
+        <p:txBody>
+          <a:bodyPr>
+            <a:normAutofit/>
+          </a:bodyPr>
+          <a:lstStyle/>
+          <a:p>
+            <a:r>
+              <a:rPr lang="en-US" sz="4000" b="1" dirty="0"/>
+              <a:t>Need another approach</a:t>
+            </a:r>
+          </a:p>
+        </p:txBody>
+      </p:sp>
+      <p:sp>
+        <p:nvSpPr>
+          <p:cNvPr id="3" name="Content Placeholder 2">
+            <a:extLst>
+              <a:ext uri="{FF2B5EF4-FFF2-40B4-BE49-F238E27FC236}">
+                <a16:creationId xmlns:a16="http://schemas.microsoft.com/office/drawing/2014/main" id="{AA16768D-88C2-4475-DAB4-877489437F29}"/>
+              </a:ext>
+            </a:extLst>
+          </p:cNvPr>
+          <p:cNvSpPr>
+            <a:spLocks noGrp="1"/>
+          </p:cNvSpPr>
+          <p:nvPr>
+            <p:ph idx="1"/>
+          </p:nvPr>
+        </p:nvSpPr>
+        <p:spPr/>
+        <p:txBody>
+          <a:bodyPr>
+            <a:normAutofit fontScale="92500" lnSpcReduction="20000"/>
+          </a:bodyPr>
+          <a:lstStyle/>
+          <a:p>
+            <a:pPr>
+              <a:lnSpc>
+                <a:spcPct val="150000"/>
+              </a:lnSpc>
+            </a:pPr>
+            <a:r>
+              <a:rPr lang="en-US" dirty="0"/>
+              <a:t>What’s the downside?</a:t>
+            </a:r>
+          </a:p>
+          <a:p>
+            <a:pPr lvl="1">
+              <a:lnSpc>
+                <a:spcPct val="150000"/>
+              </a:lnSpc>
+            </a:pPr>
+            <a:r>
+              <a:rPr lang="en-US" dirty="0"/>
+              <a:t>Storing all those zeros, and trying to remember the order of the words in all your documents, doesn’t make much sense</a:t>
+            </a:r>
+          </a:p>
+          <a:p>
+            <a:pPr>
+              <a:lnSpc>
+                <a:spcPct val="150000"/>
+              </a:lnSpc>
+            </a:pPr>
+            <a:r>
+              <a:rPr lang="en-US" b="0" i="0" dirty="0">
+                <a:solidFill>
+                  <a:srgbClr val="000000"/>
+                </a:solidFill>
+                <a:effectLst/>
+              </a:rPr>
+              <a:t>You’d like to compress your document down to a single vector rather than a big table</a:t>
+            </a:r>
+          </a:p>
+          <a:p>
+            <a:pPr lvl="1">
+              <a:lnSpc>
+                <a:spcPct val="150000"/>
+              </a:lnSpc>
+            </a:pPr>
+            <a:r>
+              <a:rPr lang="en-US" dirty="0">
+                <a:solidFill>
+                  <a:srgbClr val="000000"/>
+                </a:solidFill>
+              </a:rPr>
+              <a:t>Trade-off: need to give up something</a:t>
+            </a:r>
+          </a:p>
+          <a:p>
+            <a:pPr>
+              <a:lnSpc>
+                <a:spcPct val="150000"/>
+              </a:lnSpc>
+            </a:pPr>
+            <a:r>
+              <a:rPr lang="en-US" dirty="0">
+                <a:solidFill>
+                  <a:srgbClr val="000000"/>
+                </a:solidFill>
+              </a:rPr>
+              <a:t>We will revisit this representation later </a:t>
+            </a:r>
+          </a:p>
+          <a:p>
+            <a:pPr lvl="1">
+              <a:lnSpc>
+                <a:spcPct val="150000"/>
+              </a:lnSpc>
+            </a:pPr>
+            <a:r>
+              <a:rPr lang="en-US" dirty="0">
+                <a:solidFill>
+                  <a:srgbClr val="000000"/>
+                </a:solidFill>
+              </a:rPr>
+              <a:t>Essential input for CNN (Convolution Neural net)</a:t>
+            </a:r>
+          </a:p>
+          <a:p>
+            <a:pPr>
+              <a:lnSpc>
+                <a:spcPct val="150000"/>
+              </a:lnSpc>
+            </a:pPr>
+            <a:endParaRPr lang="en-US" dirty="0">
+              <a:solidFill>
+                <a:srgbClr val="000000"/>
+              </a:solidFill>
+            </a:endParaRPr>
+          </a:p>
+        </p:txBody>
+      </p:sp>
+    </p:spTree>
+    <p:extLst>
+      <p:ext uri="{BB962C8B-B14F-4D97-AF65-F5344CB8AC3E}">
+        <p14:creationId xmlns:p14="http://schemas.microsoft.com/office/powerpoint/2010/main" val="3984248609"/>
+      </p:ext>
+    </p:extLst>
+  </p:cSld>
+  <p:clrMapOvr>
+    <a:masterClrMapping/>
+  </p:clrMapOvr>
+</p:sld>
+</file>
+
+<file path=ppt/slides/slide7.xml><?xml version="1.0" encoding="utf-8"?>
+<p:sld xmlns:a="http://schemas.openxmlformats.org/drawingml/2006/main" xmlns:r="http://schemas.openxmlformats.org/officeDocument/2006/relationships" xmlns:p="http://schemas.openxmlformats.org/presentationml/2006/main">
+  <p:cSld>
+    <p:spTree>
+      <p:nvGrpSpPr>
+        <p:cNvPr id="1" name=""/>
+        <p:cNvGrpSpPr/>
+        <p:nvPr/>
+      </p:nvGrpSpPr>
+      <p:grpSpPr>
+        <a:xfrm>
+          <a:off x="0" y="0"/>
+          <a:ext cx="0" cy="0"/>
+          <a:chOff x="0" y="0"/>
+          <a:chExt cx="0" cy="0"/>
+        </a:xfrm>
+      </p:grpSpPr>
+      <p:sp>
+        <p:nvSpPr>
+          <p:cNvPr id="2" name="Title 1">
+            <a:extLst>
+              <a:ext uri="{FF2B5EF4-FFF2-40B4-BE49-F238E27FC236}">
+                <a16:creationId xmlns:a16="http://schemas.microsoft.com/office/drawing/2014/main" id="{5501A301-156D-01D1-D49C-6507CF630B4C}"/>
+              </a:ext>
+            </a:extLst>
+          </p:cNvPr>
+          <p:cNvSpPr>
+            <a:spLocks noGrp="1"/>
+          </p:cNvSpPr>
+          <p:nvPr>
+            <p:ph type="title"/>
+          </p:nvPr>
+        </p:nvSpPr>
+        <p:spPr/>
+        <p:txBody>
+          <a:bodyPr>
+            <a:normAutofit/>
+          </a:bodyPr>
+          <a:lstStyle/>
+          <a:p>
+            <a:r>
+              <a:rPr lang="en-US" sz="4000" b="1" dirty="0"/>
+              <a:t>Bag of words</a:t>
+            </a:r>
+          </a:p>
+        </p:txBody>
+      </p:sp>
+      <mc:AlternateContent xmlns:mc="http://schemas.openxmlformats.org/markup-compatibility/2006">
+        <mc:Choice xmlns:a14="http://schemas.microsoft.com/office/drawing/2010/main" Requires="a14">
+          <p:sp>
+            <p:nvSpPr>
+              <p:cNvPr id="3" name="Content Placeholder 2">
+                <a:extLst>
+                  <a:ext uri="{FF2B5EF4-FFF2-40B4-BE49-F238E27FC236}">
+                    <a16:creationId xmlns:a16="http://schemas.microsoft.com/office/drawing/2014/main" id="{CA627EF5-F256-A6E0-7D27-51A50275774E}"/>
+                  </a:ext>
+                </a:extLst>
+              </p:cNvPr>
+              <p:cNvSpPr>
+                <a:spLocks noGrp="1"/>
+              </p:cNvSpPr>
+              <p:nvPr>
+                <p:ph idx="1"/>
+              </p:nvPr>
+            </p:nvSpPr>
+            <p:spPr/>
+            <p:txBody>
+              <a:bodyPr>
+                <a:normAutofit lnSpcReduction="10000"/>
+              </a:bodyPr>
+              <a:lstStyle/>
+              <a:p>
+                <a:pPr>
+                  <a:lnSpc>
+                    <a:spcPct val="150000"/>
+                  </a:lnSpc>
+                </a:pPr>
+                <a:r>
+                  <a:rPr lang="en-US" dirty="0"/>
+                  <a:t>A common approach is to use a column vector of word counts</a:t>
+                </a:r>
+              </a:p>
+              <a:p>
+                <a:pPr lvl="1">
+                  <a:lnSpc>
+                    <a:spcPct val="150000"/>
+                  </a:lnSpc>
+                </a:pPr>
+                <a14:m>
+                  <m:oMath xmlns:m="http://schemas.openxmlformats.org/officeDocument/2006/math">
+                    <m:r>
+                      <a:rPr lang="en-US" b="1" i="1" smtClean="0">
+                        <a:latin typeface="Cambria Math" panose="02040503050406030204" pitchFamily="18" charset="0"/>
+                      </a:rPr>
+                      <m:t>𝒙</m:t>
+                    </m:r>
+                    <m:r>
+                      <a:rPr lang="en-US" b="0" i="1" smtClean="0">
+                        <a:latin typeface="Cambria Math" panose="02040503050406030204" pitchFamily="18" charset="0"/>
+                      </a:rPr>
+                      <m:t>=</m:t>
+                    </m:r>
+                    <m:sSup>
+                      <m:sSupPr>
+                        <m:ctrlPr>
+                          <a:rPr lang="en-US" b="0" i="1" smtClean="0">
+                            <a:latin typeface="Cambria Math" panose="02040503050406030204" pitchFamily="18" charset="0"/>
+                          </a:rPr>
+                        </m:ctrlPr>
+                      </m:sSupPr>
+                      <m:e>
+                        <m:d>
+                          <m:dPr>
+                            <m:begChr m:val="["/>
+                            <m:endChr m:val="]"/>
+                            <m:ctrlPr>
+                              <a:rPr lang="en-US" b="0" i="1" smtClean="0">
+                                <a:latin typeface="Cambria Math" panose="02040503050406030204" pitchFamily="18" charset="0"/>
+                              </a:rPr>
+                            </m:ctrlPr>
+                          </m:dPr>
+                          <m:e>
+                            <m:r>
+                              <a:rPr lang="en-US" b="0" i="1" smtClean="0">
+                                <a:latin typeface="Cambria Math" panose="02040503050406030204" pitchFamily="18" charset="0"/>
+                              </a:rPr>
+                              <m:t>0,1,1,0,13,…</m:t>
+                            </m:r>
+                          </m:e>
+                        </m:d>
+                      </m:e>
+                      <m:sup>
+                        <m:r>
+                          <a:rPr lang="en-US" b="0" i="1" smtClean="0">
+                            <a:latin typeface="Cambria Math" panose="02040503050406030204" pitchFamily="18" charset="0"/>
+                          </a:rPr>
+                          <m:t>𝑇</m:t>
+                        </m:r>
+                      </m:sup>
+                    </m:sSup>
+                  </m:oMath>
+                </a14:m>
+                <a:r>
+                  <a:rPr lang="en-US" dirty="0"/>
+                  <a:t>, where </a:t>
+                </a:r>
+                <a14:m>
+                  <m:oMath xmlns:m="http://schemas.openxmlformats.org/officeDocument/2006/math">
+                    <m:sSub>
+                      <m:sSubPr>
+                        <m:ctrlPr>
+                          <a:rPr lang="en-US" b="0" i="1" smtClean="0">
+                            <a:latin typeface="Cambria Math" panose="02040503050406030204" pitchFamily="18" charset="0"/>
+                          </a:rPr>
+                        </m:ctrlPr>
+                      </m:sSubPr>
+                      <m:e>
+                        <m:r>
+                          <a:rPr lang="en-US" b="0" i="1" smtClean="0">
+                            <a:latin typeface="Cambria Math" panose="02040503050406030204" pitchFamily="18" charset="0"/>
+                          </a:rPr>
+                          <m:t>𝑥</m:t>
+                        </m:r>
+                      </m:e>
+                      <m:sub>
+                        <m:r>
+                          <a:rPr lang="en-US" b="0" i="1" smtClean="0">
+                            <a:latin typeface="Cambria Math" panose="02040503050406030204" pitchFamily="18" charset="0"/>
+                          </a:rPr>
+                          <m:t>𝑗</m:t>
+                        </m:r>
+                      </m:sub>
+                    </m:sSub>
+                  </m:oMath>
+                </a14:m>
+                <a:r>
+                  <a:rPr lang="en-US" dirty="0"/>
+                  <a:t> is the count of word </a:t>
+                </a:r>
+                <a14:m>
+                  <m:oMath xmlns:m="http://schemas.openxmlformats.org/officeDocument/2006/math">
+                    <m:r>
+                      <a:rPr lang="en-US" b="0" i="1" smtClean="0">
+                        <a:latin typeface="Cambria Math" panose="02040503050406030204" pitchFamily="18" charset="0"/>
+                      </a:rPr>
+                      <m:t>𝑗</m:t>
+                    </m:r>
+                  </m:oMath>
+                </a14:m>
+                <a:endParaRPr lang="en-US" dirty="0"/>
+              </a:p>
+              <a:p>
+                <a:pPr lvl="1">
+                  <a:lnSpc>
+                    <a:spcPct val="150000"/>
+                  </a:lnSpc>
+                </a:pPr>
+                <a:r>
+                  <a:rPr lang="en-US" dirty="0"/>
+                  <a:t>The length of </a:t>
+                </a:r>
+                <a14:m>
+                  <m:oMath xmlns:m="http://schemas.openxmlformats.org/officeDocument/2006/math">
+                    <m:r>
+                      <a:rPr lang="en-US" b="1" i="1" smtClean="0">
+                        <a:latin typeface="Cambria Math" panose="02040503050406030204" pitchFamily="18" charset="0"/>
+                      </a:rPr>
+                      <m:t>𝒙</m:t>
+                    </m:r>
+                  </m:oMath>
+                </a14:m>
+                <a:r>
+                  <a:rPr lang="en-US" b="1" dirty="0"/>
+                  <a:t> </a:t>
+                </a:r>
+                <a:r>
+                  <a:rPr lang="en-US" dirty="0"/>
+                  <a:t>is the set of possible words in the vocabulary</a:t>
+                </a:r>
+              </a:p>
+              <a:p>
+                <a:pPr>
+                  <a:lnSpc>
+                    <a:spcPct val="150000"/>
+                  </a:lnSpc>
+                </a:pPr>
+                <a14:m>
+                  <m:oMath xmlns:m="http://schemas.openxmlformats.org/officeDocument/2006/math">
+                    <m:r>
+                      <a:rPr lang="en-US" b="1" i="1" smtClean="0">
+                        <a:latin typeface="Cambria Math" panose="02040503050406030204" pitchFamily="18" charset="0"/>
+                      </a:rPr>
+                      <m:t>𝒙</m:t>
+                    </m:r>
+                  </m:oMath>
+                </a14:m>
+                <a:r>
+                  <a:rPr lang="en-US" dirty="0"/>
+                  <a:t> is a vector, but it is often called a </a:t>
+                </a:r>
+                <a:r>
+                  <a:rPr lang="en-US" b="1" dirty="0"/>
+                  <a:t>bag of words</a:t>
+                </a:r>
+                <a:endParaRPr lang="en-US" dirty="0"/>
+              </a:p>
+              <a:p>
+                <a:pPr lvl="1">
+                  <a:lnSpc>
+                    <a:spcPct val="150000"/>
+                  </a:lnSpc>
+                </a:pPr>
+                <a:r>
+                  <a:rPr lang="en-US" dirty="0"/>
+                  <a:t>Includes only information about the count of each word</a:t>
+                </a:r>
+              </a:p>
+              <a:p>
+                <a:pPr lvl="1">
+                  <a:lnSpc>
+                    <a:spcPct val="150000"/>
+                  </a:lnSpc>
+                </a:pPr>
+                <a:r>
+                  <a:rPr lang="en-US" dirty="0"/>
+                  <a:t>NOT the order in which the words appear</a:t>
+                </a:r>
+              </a:p>
+              <a:p>
+                <a:pPr lvl="1">
+                  <a:lnSpc>
+                    <a:spcPct val="150000"/>
+                  </a:lnSpc>
+                </a:pPr>
+                <a:r>
+                  <a:rPr lang="en-US" dirty="0"/>
+                  <a:t>Ignore grammar, sentence boundaries, paragraphs</a:t>
+                </a:r>
+              </a:p>
+            </p:txBody>
+          </p:sp>
+        </mc:Choice>
+        <mc:Fallback>
+          <p:sp>
+            <p:nvSpPr>
+              <p:cNvPr id="3" name="Content Placeholder 2">
+                <a:extLst>
+                  <a:ext uri="{FF2B5EF4-FFF2-40B4-BE49-F238E27FC236}">
+                    <a16:creationId xmlns:a16="http://schemas.microsoft.com/office/drawing/2014/main" id="{CA627EF5-F256-A6E0-7D27-51A50275774E}"/>
+                  </a:ext>
+                </a:extLst>
+              </p:cNvPr>
+              <p:cNvSpPr>
+                <a:spLocks noGrp="1" noRot="1" noChangeAspect="1" noMove="1" noResize="1" noEditPoints="1" noAdjustHandles="1" noChangeArrowheads="1" noChangeShapeType="1" noTextEdit="1"/>
+              </p:cNvSpPr>
+              <p:nvPr>
+                <p:ph idx="1"/>
+              </p:nvPr>
+            </p:nvSpPr>
+            <p:spPr>
+              <a:blipFill>
+                <a:blip r:embed="rId2"/>
+                <a:stretch>
+                  <a:fillRect l="-1086" b="-1744"/>
+                </a:stretch>
+              </a:blipFill>
+            </p:spPr>
+            <p:txBody>
+              <a:bodyPr/>
+              <a:lstStyle/>
+              <a:p>
+                <a:r>
+                  <a:rPr lang="en-US">
+                    <a:noFill/>
+                  </a:rPr>
+                  <a:t> </a:t>
+                </a:r>
+              </a:p>
+            </p:txBody>
+          </p:sp>
+        </mc:Fallback>
+      </mc:AlternateContent>
+    </p:spTree>
+    <p:extLst>
+      <p:ext uri="{BB962C8B-B14F-4D97-AF65-F5344CB8AC3E}">
+        <p14:creationId xmlns:p14="http://schemas.microsoft.com/office/powerpoint/2010/main" val="3333754819"/>
+      </p:ext>
+    </p:extLst>
+  </p:cSld>
+  <p:clrMapOvr>
+    <a:masterClrMapping/>
+  </p:clrMapOvr>
+</p:sld>
+</file>
+
+<file path=ppt/slides/slide8.xml><?xml version="1.0" encoding="utf-8"?>
+<p:sld xmlns:a="http://schemas.openxmlformats.org/drawingml/2006/main" xmlns:r="http://schemas.openxmlformats.org/officeDocument/2006/relationships" xmlns:p="http://schemas.openxmlformats.org/presentationml/2006/main">
+  <p:cSld>
+    <p:spTree>
+      <p:nvGrpSpPr>
+        <p:cNvPr id="1" name=""/>
+        <p:cNvGrpSpPr/>
+        <p:nvPr/>
+      </p:nvGrpSpPr>
+      <p:grpSpPr>
+        <a:xfrm>
+          <a:off x="0" y="0"/>
+          <a:ext cx="0" cy="0"/>
+          <a:chOff x="0" y="0"/>
+          <a:chExt cx="0" cy="0"/>
+        </a:xfrm>
+      </p:grpSpPr>
+      <p:sp>
+        <p:nvSpPr>
+          <p:cNvPr id="2" name="Title 1">
+            <a:extLst>
+              <a:ext uri="{FF2B5EF4-FFF2-40B4-BE49-F238E27FC236}">
+                <a16:creationId xmlns:a16="http://schemas.microsoft.com/office/drawing/2014/main" id="{FD947A86-1EA9-0273-E66E-9BA1F4F25E37}"/>
+              </a:ext>
+            </a:extLst>
+          </p:cNvPr>
+          <p:cNvSpPr>
+            <a:spLocks noGrp="1"/>
+          </p:cNvSpPr>
+          <p:nvPr>
+            <p:ph type="title"/>
+          </p:nvPr>
+        </p:nvSpPr>
+        <p:spPr/>
+        <p:txBody>
+          <a:bodyPr>
+            <a:normAutofit/>
+          </a:bodyPr>
+          <a:lstStyle/>
+          <a:p>
+            <a:r>
+              <a:rPr lang="en-US" sz="4000" b="1" dirty="0"/>
+              <a:t>BOW: Everything but words</a:t>
+            </a:r>
+          </a:p>
+        </p:txBody>
+      </p:sp>
+      <p:sp>
+        <p:nvSpPr>
+          <p:cNvPr id="3" name="Content Placeholder 2">
+            <a:extLst>
+              <a:ext uri="{FF2B5EF4-FFF2-40B4-BE49-F238E27FC236}">
+                <a16:creationId xmlns:a16="http://schemas.microsoft.com/office/drawing/2014/main" id="{E4E428E7-2CDE-2E9D-40D4-4CB984C3C3D2}"/>
+              </a:ext>
+            </a:extLst>
+          </p:cNvPr>
+          <p:cNvSpPr>
+            <a:spLocks noGrp="1"/>
+          </p:cNvSpPr>
+          <p:nvPr>
+            <p:ph idx="1"/>
+          </p:nvPr>
+        </p:nvSpPr>
+        <p:spPr/>
+        <p:txBody>
+          <a:bodyPr/>
+          <a:lstStyle/>
+          <a:p>
+            <a:pPr>
+              <a:lnSpc>
+                <a:spcPct val="150000"/>
+              </a:lnSpc>
+            </a:pPr>
+            <a:r>
+              <a:rPr lang="en-US" dirty="0"/>
+              <a:t>The BOW model is surprisingly effective for text classification</a:t>
+            </a:r>
+          </a:p>
+          <a:p>
+            <a:pPr>
+              <a:lnSpc>
+                <a:spcPct val="150000"/>
+              </a:lnSpc>
+            </a:pPr>
+            <a:r>
+              <a:rPr lang="en-US" dirty="0"/>
+              <a:t>If you see the word </a:t>
+            </a:r>
+            <a:r>
+              <a:rPr lang="en-US" i="1" dirty="0"/>
+              <a:t>whale</a:t>
+            </a:r>
+            <a:r>
+              <a:rPr lang="en-US" dirty="0"/>
+              <a:t> in a document, is it fiction or nonfiction?</a:t>
+            </a:r>
+          </a:p>
+          <a:p>
+            <a:pPr>
+              <a:lnSpc>
+                <a:spcPct val="150000"/>
+              </a:lnSpc>
+            </a:pPr>
+            <a:r>
+              <a:rPr lang="en-US" dirty="0"/>
+              <a:t>For many labeling problems, individual words can be strong predictors</a:t>
+            </a:r>
+          </a:p>
+          <a:p>
+            <a:pPr>
+              <a:lnSpc>
+                <a:spcPct val="150000"/>
+              </a:lnSpc>
+            </a:pPr>
+            <a:r>
+              <a:rPr lang="en-US" dirty="0"/>
+              <a:t>Let’s see the code example </a:t>
+            </a:r>
+          </a:p>
+        </p:txBody>
+      </p:sp>
+    </p:spTree>
+    <p:extLst>
+      <p:ext uri="{BB962C8B-B14F-4D97-AF65-F5344CB8AC3E}">
+        <p14:creationId xmlns:p14="http://schemas.microsoft.com/office/powerpoint/2010/main" val="862243773"/>
+      </p:ext>
+    </p:extLst>
+  </p:cSld>
+  <p:clrMapOvr>
+    <a:masterClrMapping/>
+  </p:clrMapOvr>
+</p:sld>
+</file>
+
+<file path=ppt/slides/slide9.xml><?xml version="1.0" encoding="utf-8"?>
+<p:sld xmlns:a="http://schemas.openxmlformats.org/drawingml/2006/main" xmlns:r="http://schemas.openxmlformats.org/officeDocument/2006/relationships" xmlns:p="http://schemas.openxmlformats.org/presentationml/2006/main">
+  <p:cSld>
+    <p:spTree>
+      <p:nvGrpSpPr>
+        <p:cNvPr id="1" name=""/>
+        <p:cNvGrpSpPr/>
+        <p:nvPr/>
+      </p:nvGrpSpPr>
+      <p:grpSpPr>
+        <a:xfrm>
+          <a:off x="0" y="0"/>
+          <a:ext cx="0" cy="0"/>
+          <a:chOff x="0" y="0"/>
+          <a:chExt cx="0" cy="0"/>
+        </a:xfrm>
+      </p:grpSpPr>
+      <p:sp>
+        <p:nvSpPr>
+          <p:cNvPr id="2" name="Title 1">
+            <a:extLst>
+              <a:ext uri="{FF2B5EF4-FFF2-40B4-BE49-F238E27FC236}">
+                <a16:creationId xmlns:a16="http://schemas.microsoft.com/office/drawing/2014/main" id="{09769954-0430-4CB4-0EA0-E6E52F61BFF6}"/>
+              </a:ext>
+            </a:extLst>
+          </p:cNvPr>
+          <p:cNvSpPr>
+            <a:spLocks noGrp="1"/>
+          </p:cNvSpPr>
+          <p:nvPr>
+            <p:ph type="title"/>
+          </p:nvPr>
+        </p:nvSpPr>
+        <p:spPr/>
+        <p:txBody>
+          <a:bodyPr/>
+          <a:lstStyle/>
+          <a:p>
+            <a:r>
+              <a:rPr lang="en-US" dirty="0"/>
+              <a:t>What is a word? (Jacob, token improvement)</a:t>
+            </a:r>
+          </a:p>
+        </p:txBody>
+      </p:sp>
+      <p:sp>
+        <p:nvSpPr>
+          <p:cNvPr id="3" name="Content Placeholder 2">
+            <a:extLst>
+              <a:ext uri="{FF2B5EF4-FFF2-40B4-BE49-F238E27FC236}">
+                <a16:creationId xmlns:a16="http://schemas.microsoft.com/office/drawing/2014/main" id="{CEBF3168-40FB-E4F6-E97F-6CBD5E00F411}"/>
+              </a:ext>
+            </a:extLst>
+          </p:cNvPr>
+          <p:cNvSpPr>
+            <a:spLocks noGrp="1"/>
+          </p:cNvSpPr>
+          <p:nvPr>
+            <p:ph idx="1"/>
+          </p:nvPr>
+        </p:nvSpPr>
+        <p:spPr/>
+        <p:txBody>
+          <a:bodyPr/>
+          <a:lstStyle/>
+          <a:p>
+            <a:endParaRPr lang="en-US"/>
+          </a:p>
+        </p:txBody>
+      </p:sp>
+    </p:spTree>
+    <p:extLst>
+      <p:ext uri="{BB962C8B-B14F-4D97-AF65-F5344CB8AC3E}">
+        <p14:creationId xmlns:p14="http://schemas.microsoft.com/office/powerpoint/2010/main" val="487273582"/>
       </p:ext>
     </p:extLst>
   </p:cSld>

--- a/BUS243_NLP/lecture_notes/Lecture2.pptx
+++ b/BUS243_NLP/lecture_notes/Lecture2.pptx
@@ -4974,8 +4974,8 @@
           </a:p>
         </p:txBody>
       </p:sp>
-      <mc:AlternateContent xmlns:mc="http://schemas.openxmlformats.org/markup-compatibility/2006">
-        <mc:Choice xmlns:a14="http://schemas.microsoft.com/office/drawing/2010/main" Requires="a14">
+      <mc:AlternateContent xmlns:mc="http://schemas.openxmlformats.org/markup-compatibility/2006" xmlns:a14="http://schemas.microsoft.com/office/drawing/2010/main">
+        <mc:Choice Requires="a14">
           <p:sp>
             <p:nvSpPr>
               <p:cNvPr id="3" name="Content Placeholder 2">
@@ -5209,7 +5209,7 @@
             </p:txBody>
           </p:sp>
         </mc:Choice>
-        <mc:Fallback>
+        <mc:Fallback xmlns="">
           <p:sp>
             <p:nvSpPr>
               <p:cNvPr id="3" name="Content Placeholder 2">
@@ -5462,7 +5462,18 @@
           <a:bodyPr/>
           <a:lstStyle/>
           <a:p>
-            <a:endParaRPr lang="en-US"/>
+            <a:r>
+              <a:rPr lang="en-US" dirty="0" err="1"/>
+              <a:t>Jocob</a:t>
+            </a:r>
+            <a:r>
+              <a:rPr lang="en-US" dirty="0"/>
+              <a:t> chapter 16 on </a:t>
+            </a:r>
+            <a:r>
+              <a:rPr lang="en-US"/>
+              <a:t>cosine similarity</a:t>
+            </a:r>
           </a:p>
         </p:txBody>
       </p:sp>

--- a/BUS243_NLP/lecture_notes/Lecture2.pptx
+++ b/BUS243_NLP/lecture_notes/Lecture2.pptx
@@ -5,7 +5,7 @@
     <p:sldMasterId id="2147483775" r:id="rId1"/>
   </p:sldMasterIdLst>
   <p:notesMasterIdLst>
-    <p:notesMasterId r:id="rId14"/>
+    <p:notesMasterId r:id="rId17"/>
   </p:notesMasterIdLst>
   <p:sldIdLst>
     <p:sldId id="256" r:id="rId2"/>
@@ -18,8 +18,11 @@
     <p:sldId id="265" r:id="rId9"/>
     <p:sldId id="266" r:id="rId10"/>
     <p:sldId id="267" r:id="rId11"/>
-    <p:sldId id="268" r:id="rId12"/>
-    <p:sldId id="269" r:id="rId13"/>
+    <p:sldId id="270" r:id="rId12"/>
+    <p:sldId id="271" r:id="rId13"/>
+    <p:sldId id="272" r:id="rId14"/>
+    <p:sldId id="273" r:id="rId15"/>
+    <p:sldId id="269" r:id="rId16"/>
   </p:sldIdLst>
   <p:sldSz cx="12192000" cy="6858000"/>
   <p:notesSz cx="6858000" cy="9144000"/>
@@ -208,7 +211,7 @@
           <a:p>
             <a:fld id="{6C062D5C-E428-DA43-AA54-C279CF805B17}" type="datetimeFigureOut">
               <a:rPr lang="en-US" smtClean="0"/>
-              <a:t>3/6/23</a:t>
+              <a:t>3/7/23</a:t>
             </a:fld>
             <a:endParaRPr lang="en-US"/>
           </a:p>
@@ -624,7 +627,7 @@
             <a:fld id="{3F9AFA87-1417-4992-ABD9-27C3BC8CC883}" type="datetimeFigureOut">
               <a:rPr lang="en-US" smtClean="0"/>
               <a:pPr algn="r"/>
-              <a:t>3/6/23</a:t>
+              <a:t>3/7/23</a:t>
             </a:fld>
             <a:endParaRPr lang="en-US" dirty="0"/>
           </a:p>
@@ -823,7 +826,7 @@
           <a:p>
             <a:fld id="{3F9AFA87-1417-4992-ABD9-27C3BC8CC883}" type="datetimeFigureOut">
               <a:rPr lang="en-US" smtClean="0"/>
-              <a:t>3/6/23</a:t>
+              <a:t>3/7/23</a:t>
             </a:fld>
             <a:endParaRPr lang="en-US"/>
           </a:p>
@@ -1031,7 +1034,7 @@
           <a:p>
             <a:fld id="{3F9AFA87-1417-4992-ABD9-27C3BC8CC883}" type="datetimeFigureOut">
               <a:rPr lang="en-US" smtClean="0"/>
-              <a:t>3/6/23</a:t>
+              <a:t>3/7/23</a:t>
             </a:fld>
             <a:endParaRPr lang="en-US"/>
           </a:p>
@@ -1229,7 +1232,7 @@
           <a:p>
             <a:fld id="{3F9AFA87-1417-4992-ABD9-27C3BC8CC883}" type="datetimeFigureOut">
               <a:rPr lang="en-US" smtClean="0"/>
-              <a:t>3/6/23</a:t>
+              <a:t>3/7/23</a:t>
             </a:fld>
             <a:endParaRPr lang="en-US"/>
           </a:p>
@@ -1504,7 +1507,7 @@
           <a:p>
             <a:fld id="{3F9AFA87-1417-4992-ABD9-27C3BC8CC883}" type="datetimeFigureOut">
               <a:rPr lang="en-US" smtClean="0"/>
-              <a:t>3/6/23</a:t>
+              <a:t>3/7/23</a:t>
             </a:fld>
             <a:endParaRPr lang="en-US"/>
           </a:p>
@@ -1769,7 +1772,7 @@
           <a:p>
             <a:fld id="{3F9AFA87-1417-4992-ABD9-27C3BC8CC883}" type="datetimeFigureOut">
               <a:rPr lang="en-US" smtClean="0"/>
-              <a:t>3/6/23</a:t>
+              <a:t>3/7/23</a:t>
             </a:fld>
             <a:endParaRPr lang="en-US" dirty="0"/>
           </a:p>
@@ -2183,7 +2186,7 @@
             <a:fld id="{3F9AFA87-1417-4992-ABD9-27C3BC8CC883}" type="datetimeFigureOut">
               <a:rPr lang="en-US" smtClean="0"/>
               <a:pPr algn="r"/>
-              <a:t>3/6/23</a:t>
+              <a:t>3/7/23</a:t>
             </a:fld>
             <a:endParaRPr lang="en-US" dirty="0"/>
           </a:p>
@@ -2325,7 +2328,7 @@
           <a:p>
             <a:fld id="{3F9AFA87-1417-4992-ABD9-27C3BC8CC883}" type="datetimeFigureOut">
               <a:rPr lang="en-US" smtClean="0"/>
-              <a:t>3/6/23</a:t>
+              <a:t>3/7/23</a:t>
             </a:fld>
             <a:endParaRPr lang="en-US"/>
           </a:p>
@@ -2438,7 +2441,7 @@
           <a:p>
             <a:fld id="{3F9AFA87-1417-4992-ABD9-27C3BC8CC883}" type="datetimeFigureOut">
               <a:rPr lang="en-US" smtClean="0"/>
-              <a:t>3/6/23</a:t>
+              <a:t>3/7/23</a:t>
             </a:fld>
             <a:endParaRPr lang="en-US"/>
           </a:p>
@@ -2749,7 +2752,7 @@
           <a:p>
             <a:fld id="{3F9AFA87-1417-4992-ABD9-27C3BC8CC883}" type="datetimeFigureOut">
               <a:rPr lang="en-US" smtClean="0"/>
-              <a:t>3/6/23</a:t>
+              <a:t>3/7/23</a:t>
             </a:fld>
             <a:endParaRPr lang="en-US"/>
           </a:p>
@@ -3037,7 +3040,7 @@
           <a:p>
             <a:fld id="{3F9AFA87-1417-4992-ABD9-27C3BC8CC883}" type="datetimeFigureOut">
               <a:rPr lang="en-US" smtClean="0"/>
-              <a:t>3/6/23</a:t>
+              <a:t>3/7/23</a:t>
             </a:fld>
             <a:endParaRPr lang="en-US"/>
           </a:p>
@@ -3280,7 +3283,7 @@
             <a:fld id="{3F9AFA87-1417-4992-ABD9-27C3BC8CC883}" type="datetimeFigureOut">
               <a:rPr lang="en-US" smtClean="0"/>
               <a:pPr algn="r"/>
-              <a:t>3/6/23</a:t>
+              <a:t>3/7/23</a:t>
             </a:fld>
             <a:endParaRPr lang="en-US" dirty="0"/>
           </a:p>
@@ -3880,35 +3883,100 @@
         </p:nvSpPr>
         <p:spPr/>
         <p:txBody>
+          <a:bodyPr>
+            <a:normAutofit/>
+          </a:bodyPr>
+          <a:lstStyle/>
+          <a:p>
+            <a:r>
+              <a:rPr lang="en-US" sz="4000" b="1" dirty="0"/>
+              <a:t>Tokenization</a:t>
+            </a:r>
+          </a:p>
+        </p:txBody>
+      </p:sp>
+      <p:sp>
+        <p:nvSpPr>
+          <p:cNvPr id="3" name="Content Placeholder 2">
+            <a:extLst>
+              <a:ext uri="{FF2B5EF4-FFF2-40B4-BE49-F238E27FC236}">
+                <a16:creationId xmlns:a16="http://schemas.microsoft.com/office/drawing/2014/main" id="{024DBFD2-1F3B-49D1-CFF9-F3AF413BD0F9}"/>
+              </a:ext>
+            </a:extLst>
+          </p:cNvPr>
+          <p:cNvSpPr>
+            <a:spLocks noGrp="1"/>
+          </p:cNvSpPr>
+          <p:nvPr>
+            <p:ph idx="1"/>
+          </p:nvPr>
+        </p:nvSpPr>
+        <p:spPr/>
+        <p:txBody>
           <a:bodyPr/>
           <a:lstStyle/>
           <a:p>
-            <a:endParaRPr lang="en-US"/>
-          </a:p>
-        </p:txBody>
-      </p:sp>
-      <p:sp>
-        <p:nvSpPr>
-          <p:cNvPr id="3" name="Content Placeholder 2">
-            <a:extLst>
-              <a:ext uri="{FF2B5EF4-FFF2-40B4-BE49-F238E27FC236}">
-                <a16:creationId xmlns:a16="http://schemas.microsoft.com/office/drawing/2014/main" id="{024DBFD2-1F3B-49D1-CFF9-F3AF413BD0F9}"/>
-              </a:ext>
-            </a:extLst>
-          </p:cNvPr>
-          <p:cNvSpPr>
-            <a:spLocks noGrp="1"/>
-          </p:cNvSpPr>
-          <p:nvPr>
-            <p:ph idx="1"/>
-          </p:nvPr>
-        </p:nvSpPr>
-        <p:spPr/>
-        <p:txBody>
-          <a:bodyPr/>
-          <a:lstStyle/>
-          <a:p>
-            <a:endParaRPr lang="en-US"/>
+            <a:pPr>
+              <a:lnSpc>
+                <a:spcPct val="150000"/>
+              </a:lnSpc>
+            </a:pPr>
+            <a:r>
+              <a:rPr lang="en-US" dirty="0"/>
+              <a:t>The first subtask for constructing a BOW vector is </a:t>
+            </a:r>
+            <a:r>
+              <a:rPr lang="en-US" b="1" dirty="0"/>
+              <a:t>tokenization</a:t>
+            </a:r>
+          </a:p>
+          <a:p>
+            <a:pPr lvl="1">
+              <a:lnSpc>
+                <a:spcPct val="150000"/>
+              </a:lnSpc>
+            </a:pPr>
+            <a:r>
+              <a:rPr lang="en-US" dirty="0"/>
+              <a:t>A sequence of characters → a sequence of </a:t>
+            </a:r>
+            <a:r>
+              <a:rPr lang="en-US" b="1" dirty="0"/>
+              <a:t>word tokens</a:t>
+            </a:r>
+          </a:p>
+          <a:p>
+            <a:pPr>
+              <a:lnSpc>
+                <a:spcPct val="150000"/>
+              </a:lnSpc>
+            </a:pPr>
+            <a:r>
+              <a:rPr lang="en-US" dirty="0"/>
+              <a:t>Note whitespace-based tokenization is not ideal</a:t>
+            </a:r>
+          </a:p>
+          <a:p>
+            <a:pPr>
+              <a:lnSpc>
+                <a:spcPct val="150000"/>
+              </a:lnSpc>
+            </a:pPr>
+            <a:r>
+              <a:rPr lang="en-US" dirty="0"/>
+              <a:t>Tokenization is typically performed using regular expressions, with modules designed to handle each cases</a:t>
+            </a:r>
+          </a:p>
+          <a:p>
+            <a:pPr lvl="1">
+              <a:lnSpc>
+                <a:spcPct val="150000"/>
+              </a:lnSpc>
+            </a:pPr>
+            <a:r>
+              <a:rPr lang="en-US" dirty="0"/>
+              <a:t>Go back to the code example</a:t>
+            </a:r>
           </a:p>
         </p:txBody>
       </p:sp>
@@ -3947,7 +4015,7 @@
           <p:cNvPr id="2" name="Title 1">
             <a:extLst>
               <a:ext uri="{FF2B5EF4-FFF2-40B4-BE49-F238E27FC236}">
-                <a16:creationId xmlns:a16="http://schemas.microsoft.com/office/drawing/2014/main" id="{133FD773-0BF0-2CC7-6607-CC69DEC10A96}"/>
+                <a16:creationId xmlns:a16="http://schemas.microsoft.com/office/drawing/2014/main" id="{599A762D-A379-1B94-6C9D-4B60218018AF}"/>
               </a:ext>
             </a:extLst>
           </p:cNvPr>
@@ -3960,10 +4028,15 @@
         </p:nvSpPr>
         <p:spPr/>
         <p:txBody>
-          <a:bodyPr/>
-          <a:lstStyle/>
-          <a:p>
-            <a:endParaRPr lang="en-US"/>
+          <a:bodyPr>
+            <a:normAutofit/>
+          </a:bodyPr>
+          <a:lstStyle/>
+          <a:p>
+            <a:r>
+              <a:rPr lang="en-US" sz="4000" b="1" dirty="0"/>
+              <a:t>Token Improvement</a:t>
+            </a:r>
           </a:p>
         </p:txBody>
       </p:sp>
@@ -3972,7 +4045,7 @@
           <p:cNvPr id="3" name="Content Placeholder 2">
             <a:extLst>
               <a:ext uri="{FF2B5EF4-FFF2-40B4-BE49-F238E27FC236}">
-                <a16:creationId xmlns:a16="http://schemas.microsoft.com/office/drawing/2014/main" id="{FED926DF-F71B-75DD-30CA-6EF2B2BB1B5A}"/>
+                <a16:creationId xmlns:a16="http://schemas.microsoft.com/office/drawing/2014/main" id="{7EF5416F-5CCB-AD5E-93A1-D6304C3071B9}"/>
               </a:ext>
             </a:extLst>
           </p:cNvPr>
@@ -3985,17 +4058,76 @@
         </p:nvSpPr>
         <p:spPr/>
         <p:txBody>
-          <a:bodyPr/>
-          <a:lstStyle/>
-          <a:p>
-            <a:endParaRPr lang="en-US"/>
+          <a:bodyPr>
+            <a:normAutofit fontScale="92500" lnSpcReduction="20000"/>
+          </a:bodyPr>
+          <a:lstStyle/>
+          <a:p>
+            <a:pPr>
+              <a:lnSpc>
+                <a:spcPct val="150000"/>
+              </a:lnSpc>
+            </a:pPr>
+            <a:r>
+              <a:rPr lang="en-US" dirty="0"/>
+              <a:t>See the text for the regular expressions</a:t>
+            </a:r>
+          </a:p>
+          <a:p>
+            <a:pPr>
+              <a:lnSpc>
+                <a:spcPct val="150000"/>
+              </a:lnSpc>
+            </a:pPr>
+            <a:r>
+              <a:rPr lang="en-US" dirty="0"/>
+              <a:t>See a number of tokenizers in the code examples</a:t>
+            </a:r>
+          </a:p>
+          <a:p>
+            <a:pPr>
+              <a:lnSpc>
+                <a:spcPct val="150000"/>
+              </a:lnSpc>
+            </a:pPr>
+            <a:r>
+              <a:rPr lang="en-US" dirty="0"/>
+              <a:t>Social media researchers have found that emoticons and other forms of orthographic variation pose new challenges for tokenization, leading to the development of special purpose tokenizers to handle them</a:t>
+            </a:r>
+          </a:p>
+          <a:p>
+            <a:pPr lvl="1">
+              <a:lnSpc>
+                <a:spcPct val="150000"/>
+              </a:lnSpc>
+            </a:pPr>
+            <a:r>
+              <a:rPr lang="en-US" dirty="0"/>
+              <a:t>O’Connor, B., M. Krieger, and D. </a:t>
+            </a:r>
+            <a:r>
+              <a:rPr lang="en-US" dirty="0" err="1"/>
+              <a:t>Ahn</a:t>
+            </a:r>
+            <a:r>
+              <a:rPr lang="en-US" dirty="0"/>
+              <a:t> (2010). </a:t>
+            </a:r>
+            <a:r>
+              <a:rPr lang="en-US" dirty="0" err="1"/>
+              <a:t>Tweetmotif</a:t>
+            </a:r>
+            <a:r>
+              <a:rPr lang="en-US" dirty="0"/>
+              <a:t>: Exploratory search and topic summarization for twitter. In Proceedings of the International Conference on Web and Social Media (ICWSM), pp. 384–385.</a:t>
+            </a:r>
           </a:p>
         </p:txBody>
       </p:sp>
     </p:spTree>
     <p:extLst>
       <p:ext uri="{BB962C8B-B14F-4D97-AF65-F5344CB8AC3E}">
-        <p14:creationId xmlns:p14="http://schemas.microsoft.com/office/powerpoint/2010/main" val="4177762778"/>
+        <p14:creationId xmlns:p14="http://schemas.microsoft.com/office/powerpoint/2010/main" val="1226295685"/>
       </p:ext>
     </p:extLst>
   </p:cSld>
@@ -4006,6 +4138,340 @@
 </file>
 
 <file path=ppt/slides/slide12.xml><?xml version="1.0" encoding="utf-8"?>
+<p:sld xmlns:a="http://schemas.openxmlformats.org/drawingml/2006/main" xmlns:r="http://schemas.openxmlformats.org/officeDocument/2006/relationships" xmlns:p="http://schemas.openxmlformats.org/presentationml/2006/main">
+  <p:cSld>
+    <p:spTree>
+      <p:nvGrpSpPr>
+        <p:cNvPr id="1" name=""/>
+        <p:cNvGrpSpPr/>
+        <p:nvPr/>
+      </p:nvGrpSpPr>
+      <p:grpSpPr>
+        <a:xfrm>
+          <a:off x="0" y="0"/>
+          <a:ext cx="0" cy="0"/>
+          <a:chOff x="0" y="0"/>
+          <a:chExt cx="0" cy="0"/>
+        </a:xfrm>
+      </p:grpSpPr>
+      <p:sp>
+        <p:nvSpPr>
+          <p:cNvPr id="2" name="Title 1">
+            <a:extLst>
+              <a:ext uri="{FF2B5EF4-FFF2-40B4-BE49-F238E27FC236}">
+                <a16:creationId xmlns:a16="http://schemas.microsoft.com/office/drawing/2014/main" id="{B6D08299-5F48-F245-FAEB-07E2F6D77533}"/>
+              </a:ext>
+            </a:extLst>
+          </p:cNvPr>
+          <p:cNvSpPr>
+            <a:spLocks noGrp="1"/>
+          </p:cNvSpPr>
+          <p:nvPr>
+            <p:ph type="title"/>
+          </p:nvPr>
+        </p:nvSpPr>
+        <p:spPr/>
+        <p:txBody>
+          <a:bodyPr>
+            <a:normAutofit/>
+          </a:bodyPr>
+          <a:lstStyle/>
+          <a:p>
+            <a:r>
+              <a:rPr lang="en-US" sz="4000" b="1" dirty="0"/>
+              <a:t>Tokenization is hard?</a:t>
+            </a:r>
+          </a:p>
+        </p:txBody>
+      </p:sp>
+      <p:sp>
+        <p:nvSpPr>
+          <p:cNvPr id="3" name="Content Placeholder 2">
+            <a:extLst>
+              <a:ext uri="{FF2B5EF4-FFF2-40B4-BE49-F238E27FC236}">
+                <a16:creationId xmlns:a16="http://schemas.microsoft.com/office/drawing/2014/main" id="{D899AD51-227C-D095-C249-05A9BB1393AB}"/>
+              </a:ext>
+            </a:extLst>
+          </p:cNvPr>
+          <p:cNvSpPr>
+            <a:spLocks noGrp="1"/>
+          </p:cNvSpPr>
+          <p:nvPr>
+            <p:ph idx="1"/>
+          </p:nvPr>
+        </p:nvSpPr>
+        <p:spPr/>
+        <p:txBody>
+          <a:bodyPr>
+            <a:normAutofit fontScale="92500" lnSpcReduction="10000"/>
+          </a:bodyPr>
+          <a:lstStyle/>
+          <a:p>
+            <a:pPr>
+              <a:lnSpc>
+                <a:spcPct val="150000"/>
+              </a:lnSpc>
+            </a:pPr>
+            <a:r>
+              <a:rPr lang="en-US" dirty="0"/>
+              <a:t>Tokenization is a language-specific problem</a:t>
+            </a:r>
+          </a:p>
+          <a:p>
+            <a:pPr lvl="1">
+              <a:lnSpc>
+                <a:spcPct val="150000"/>
+              </a:lnSpc>
+            </a:pPr>
+            <a:r>
+              <a:rPr lang="en-US" dirty="0"/>
+              <a:t>Each language poses unique challenges</a:t>
+            </a:r>
+          </a:p>
+          <a:p>
+            <a:pPr lvl="2">
+              <a:lnSpc>
+                <a:spcPct val="150000"/>
+              </a:lnSpc>
+            </a:pPr>
+            <a:r>
+              <a:rPr lang="en-US" dirty="0"/>
+              <a:t>Chinese does not include spaces between words, nor any other consistent orthographic markers of word boundaries</a:t>
+            </a:r>
+          </a:p>
+          <a:p>
+            <a:pPr lvl="2">
+              <a:lnSpc>
+                <a:spcPct val="150000"/>
+              </a:lnSpc>
+            </a:pPr>
+            <a:r>
+              <a:rPr lang="en-US" dirty="0"/>
+              <a:t>German does not include whitespace in compound nouns</a:t>
+            </a:r>
+          </a:p>
+          <a:p>
+            <a:pPr>
+              <a:lnSpc>
+                <a:spcPct val="150000"/>
+              </a:lnSpc>
+            </a:pPr>
+            <a:r>
+              <a:rPr lang="en-US" dirty="0"/>
+              <a:t>Social media raises similar problems for English and other languages</a:t>
+            </a:r>
+          </a:p>
+          <a:p>
+            <a:pPr lvl="1">
+              <a:lnSpc>
+                <a:spcPct val="150000"/>
+              </a:lnSpc>
+            </a:pPr>
+            <a:r>
+              <a:rPr lang="en-US" dirty="0"/>
+              <a:t>#</a:t>
+            </a:r>
+            <a:r>
+              <a:rPr lang="en-US" dirty="0" err="1"/>
+              <a:t>TrueLoveInFourWords</a:t>
+            </a:r>
+            <a:endParaRPr lang="en-US" dirty="0"/>
+          </a:p>
+          <a:p>
+            <a:pPr lvl="1">
+              <a:lnSpc>
+                <a:spcPct val="150000"/>
+              </a:lnSpc>
+            </a:pPr>
+            <a:r>
+              <a:rPr lang="en-US" dirty="0"/>
+              <a:t>Decomposition analysis (Brun and Roux, 2014)</a:t>
+            </a:r>
+          </a:p>
+        </p:txBody>
+      </p:sp>
+    </p:spTree>
+    <p:extLst>
+      <p:ext uri="{BB962C8B-B14F-4D97-AF65-F5344CB8AC3E}">
+        <p14:creationId xmlns:p14="http://schemas.microsoft.com/office/powerpoint/2010/main" val="774278342"/>
+      </p:ext>
+    </p:extLst>
+  </p:cSld>
+  <p:clrMapOvr>
+    <a:masterClrMapping/>
+  </p:clrMapOvr>
+</p:sld>
+</file>
+
+<file path=ppt/slides/slide13.xml><?xml version="1.0" encoding="utf-8"?>
+<p:sld xmlns:a="http://schemas.openxmlformats.org/drawingml/2006/main" xmlns:r="http://schemas.openxmlformats.org/officeDocument/2006/relationships" xmlns:p="http://schemas.openxmlformats.org/presentationml/2006/main">
+  <p:cSld>
+    <p:spTree>
+      <p:nvGrpSpPr>
+        <p:cNvPr id="1" name=""/>
+        <p:cNvGrpSpPr/>
+        <p:nvPr/>
+      </p:nvGrpSpPr>
+      <p:grpSpPr>
+        <a:xfrm>
+          <a:off x="0" y="0"/>
+          <a:ext cx="0" cy="0"/>
+          <a:chOff x="0" y="0"/>
+          <a:chExt cx="0" cy="0"/>
+        </a:xfrm>
+      </p:grpSpPr>
+      <p:sp>
+        <p:nvSpPr>
+          <p:cNvPr id="2" name="Title 1">
+            <a:extLst>
+              <a:ext uri="{FF2B5EF4-FFF2-40B4-BE49-F238E27FC236}">
+                <a16:creationId xmlns:a16="http://schemas.microsoft.com/office/drawing/2014/main" id="{655F313B-2BC5-DEBD-6FD9-9AD2C55EC29C}"/>
+              </a:ext>
+            </a:extLst>
+          </p:cNvPr>
+          <p:cNvSpPr>
+            <a:spLocks noGrp="1"/>
+          </p:cNvSpPr>
+          <p:nvPr>
+            <p:ph type="title"/>
+          </p:nvPr>
+        </p:nvSpPr>
+        <p:spPr/>
+        <p:txBody>
+          <a:bodyPr>
+            <a:normAutofit/>
+          </a:bodyPr>
+          <a:lstStyle/>
+          <a:p>
+            <a:r>
+              <a:rPr lang="en-US" sz="4000" b="1" dirty="0"/>
+              <a:t>Extending your vocabulary with n-grams</a:t>
+            </a:r>
+          </a:p>
+        </p:txBody>
+      </p:sp>
+      <p:sp>
+        <p:nvSpPr>
+          <p:cNvPr id="3" name="Content Placeholder 2">
+            <a:extLst>
+              <a:ext uri="{FF2B5EF4-FFF2-40B4-BE49-F238E27FC236}">
+                <a16:creationId xmlns:a16="http://schemas.microsoft.com/office/drawing/2014/main" id="{910A253A-ADCB-6AD9-6DFC-7ADC2E2F7206}"/>
+              </a:ext>
+            </a:extLst>
+          </p:cNvPr>
+          <p:cNvSpPr>
+            <a:spLocks noGrp="1"/>
+          </p:cNvSpPr>
+          <p:nvPr>
+            <p:ph idx="1"/>
+          </p:nvPr>
+        </p:nvSpPr>
+        <p:spPr/>
+        <p:txBody>
+          <a:bodyPr/>
+          <a:lstStyle/>
+          <a:p>
+            <a:endParaRPr lang="en-US" dirty="0"/>
+          </a:p>
+        </p:txBody>
+      </p:sp>
+    </p:spTree>
+    <p:extLst>
+      <p:ext uri="{BB962C8B-B14F-4D97-AF65-F5344CB8AC3E}">
+        <p14:creationId xmlns:p14="http://schemas.microsoft.com/office/powerpoint/2010/main" val="4181030411"/>
+      </p:ext>
+    </p:extLst>
+  </p:cSld>
+  <p:clrMapOvr>
+    <a:masterClrMapping/>
+  </p:clrMapOvr>
+</p:sld>
+</file>
+
+<file path=ppt/slides/slide14.xml><?xml version="1.0" encoding="utf-8"?>
+<p:sld xmlns:a="http://schemas.openxmlformats.org/drawingml/2006/main" xmlns:r="http://schemas.openxmlformats.org/officeDocument/2006/relationships" xmlns:p="http://schemas.openxmlformats.org/presentationml/2006/main">
+  <p:cSld>
+    <p:spTree>
+      <p:nvGrpSpPr>
+        <p:cNvPr id="1" name=""/>
+        <p:cNvGrpSpPr/>
+        <p:nvPr/>
+      </p:nvGrpSpPr>
+      <p:grpSpPr>
+        <a:xfrm>
+          <a:off x="0" y="0"/>
+          <a:ext cx="0" cy="0"/>
+          <a:chOff x="0" y="0"/>
+          <a:chExt cx="0" cy="0"/>
+        </a:xfrm>
+      </p:grpSpPr>
+      <p:sp>
+        <p:nvSpPr>
+          <p:cNvPr id="2" name="Title 1">
+            <a:extLst>
+              <a:ext uri="{FF2B5EF4-FFF2-40B4-BE49-F238E27FC236}">
+                <a16:creationId xmlns:a16="http://schemas.microsoft.com/office/drawing/2014/main" id="{51B83D4F-0786-F9A1-AB46-C5DCE8B513AD}"/>
+              </a:ext>
+            </a:extLst>
+          </p:cNvPr>
+          <p:cNvSpPr>
+            <a:spLocks noGrp="1"/>
+          </p:cNvSpPr>
+          <p:nvPr>
+            <p:ph type="title"/>
+          </p:nvPr>
+        </p:nvSpPr>
+        <p:spPr/>
+        <p:txBody>
+          <a:bodyPr/>
+          <a:lstStyle/>
+          <a:p>
+            <a:r>
+              <a:rPr lang="en-US"/>
+              <a:t>Text normalization with Jacob</a:t>
+            </a:r>
+          </a:p>
+        </p:txBody>
+      </p:sp>
+      <p:sp>
+        <p:nvSpPr>
+          <p:cNvPr id="3" name="Content Placeholder 2">
+            <a:extLst>
+              <a:ext uri="{FF2B5EF4-FFF2-40B4-BE49-F238E27FC236}">
+                <a16:creationId xmlns:a16="http://schemas.microsoft.com/office/drawing/2014/main" id="{45285AA9-F432-8389-37B5-93F45E848C34}"/>
+              </a:ext>
+            </a:extLst>
+          </p:cNvPr>
+          <p:cNvSpPr>
+            <a:spLocks noGrp="1"/>
+          </p:cNvSpPr>
+          <p:nvPr>
+            <p:ph idx="1"/>
+          </p:nvPr>
+        </p:nvSpPr>
+        <p:spPr/>
+        <p:txBody>
+          <a:bodyPr/>
+          <a:lstStyle/>
+          <a:p>
+            <a:endParaRPr lang="en-US"/>
+          </a:p>
+        </p:txBody>
+      </p:sp>
+    </p:spTree>
+    <p:extLst>
+      <p:ext uri="{BB962C8B-B14F-4D97-AF65-F5344CB8AC3E}">
+        <p14:creationId xmlns:p14="http://schemas.microsoft.com/office/powerpoint/2010/main" val="3441461580"/>
+      </p:ext>
+    </p:extLst>
+  </p:cSld>
+  <p:clrMapOvr>
+    <a:masterClrMapping/>
+  </p:clrMapOvr>
+</p:sld>
+</file>
+
+<file path=ppt/slides/slide15.xml><?xml version="1.0" encoding="utf-8"?>
 <p:sld xmlns:a="http://schemas.openxmlformats.org/drawingml/2006/main" xmlns:r="http://schemas.openxmlformats.org/officeDocument/2006/relationships" xmlns:p="http://schemas.openxmlformats.org/presentationml/2006/main">
   <p:cSld>
     <p:spTree>
@@ -5431,48 +5897,58 @@
         </p:nvSpPr>
         <p:spPr/>
         <p:txBody>
+          <a:bodyPr>
+            <a:normAutofit/>
+          </a:bodyPr>
+          <a:lstStyle/>
+          <a:p>
+            <a:r>
+              <a:rPr lang="en-US" sz="4000" b="1" dirty="0"/>
+              <a:t>What is a word? </a:t>
+            </a:r>
+          </a:p>
+        </p:txBody>
+      </p:sp>
+      <p:sp>
+        <p:nvSpPr>
+          <p:cNvPr id="3" name="Content Placeholder 2">
+            <a:extLst>
+              <a:ext uri="{FF2B5EF4-FFF2-40B4-BE49-F238E27FC236}">
+                <a16:creationId xmlns:a16="http://schemas.microsoft.com/office/drawing/2014/main" id="{CEBF3168-40FB-E4F6-E97F-6CBD5E00F411}"/>
+              </a:ext>
+            </a:extLst>
+          </p:cNvPr>
+          <p:cNvSpPr>
+            <a:spLocks noGrp="1"/>
+          </p:cNvSpPr>
+          <p:nvPr>
+            <p:ph idx="1"/>
+          </p:nvPr>
+        </p:nvSpPr>
+        <p:spPr/>
+        <p:txBody>
           <a:bodyPr/>
           <a:lstStyle/>
           <a:p>
+            <a:pPr>
+              <a:lnSpc>
+                <a:spcPct val="150000"/>
+              </a:lnSpc>
+            </a:pPr>
             <a:r>
               <a:rPr lang="en-US" dirty="0"/>
-              <a:t>What is a word? (Jacob, token improvement)</a:t>
-            </a:r>
-          </a:p>
-        </p:txBody>
-      </p:sp>
-      <p:sp>
-        <p:nvSpPr>
-          <p:cNvPr id="3" name="Content Placeholder 2">
-            <a:extLst>
-              <a:ext uri="{FF2B5EF4-FFF2-40B4-BE49-F238E27FC236}">
-                <a16:creationId xmlns:a16="http://schemas.microsoft.com/office/drawing/2014/main" id="{CEBF3168-40FB-E4F6-E97F-6CBD5E00F411}"/>
-              </a:ext>
-            </a:extLst>
-          </p:cNvPr>
-          <p:cNvSpPr>
-            <a:spLocks noGrp="1"/>
-          </p:cNvSpPr>
-          <p:nvPr>
-            <p:ph idx="1"/>
-          </p:nvPr>
-        </p:nvSpPr>
-        <p:spPr/>
-        <p:txBody>
-          <a:bodyPr/>
-          <a:lstStyle/>
-          <a:p>
-            <a:r>
-              <a:rPr lang="en-US" dirty="0" err="1"/>
-              <a:t>Jocob</a:t>
-            </a:r>
+              <a:t>The BOW representation presupposes that extracting a vector of word counts from text is unambiguous</a:t>
+            </a:r>
+          </a:p>
+          <a:p>
+            <a:pPr>
+              <a:lnSpc>
+                <a:spcPct val="150000"/>
+              </a:lnSpc>
+            </a:pPr>
             <a:r>
               <a:rPr lang="en-US" dirty="0"/>
-              <a:t> chapter 16 on </a:t>
-            </a:r>
-            <a:r>
-              <a:rPr lang="en-US"/>
-              <a:t>cosine similarity</a:t>
+              <a:t>However, text documents are generally represented as a sequences of characters, and the conversion to bag of words presupposes a definition of the “words” that are to be counted </a:t>
             </a:r>
           </a:p>
         </p:txBody>

--- a/BUS243_NLP/lecture_notes/Lecture2.pptx
+++ b/BUS243_NLP/lecture_notes/Lecture2.pptx
@@ -4427,7 +4427,7 @@
           <a:lstStyle/>
           <a:p>
             <a:r>
-              <a:rPr lang="en-US"/>
+              <a:rPr lang="en-US" dirty="0"/>
               <a:t>Text normalization with Jacob</a:t>
             </a:r>
           </a:p>

--- a/BUS243_NLP/lecture_notes/Lecture2.pptx
+++ b/BUS243_NLP/lecture_notes/Lecture2.pptx
@@ -5,7 +5,7 @@
     <p:sldMasterId id="2147483775" r:id="rId1"/>
   </p:sldMasterIdLst>
   <p:notesMasterIdLst>
-    <p:notesMasterId r:id="rId17"/>
+    <p:notesMasterId r:id="rId18"/>
   </p:notesMasterIdLst>
   <p:sldIdLst>
     <p:sldId id="256" r:id="rId2"/>
@@ -21,8 +21,9 @@
     <p:sldId id="270" r:id="rId12"/>
     <p:sldId id="271" r:id="rId13"/>
     <p:sldId id="272" r:id="rId14"/>
-    <p:sldId id="273" r:id="rId15"/>
-    <p:sldId id="269" r:id="rId16"/>
+    <p:sldId id="274" r:id="rId15"/>
+    <p:sldId id="273" r:id="rId16"/>
+    <p:sldId id="269" r:id="rId17"/>
   </p:sldIdLst>
   <p:sldSz cx="12192000" cy="6858000"/>
   <p:notesSz cx="6858000" cy="9144000"/>
@@ -211,7 +212,7 @@
           <a:p>
             <a:fld id="{6C062D5C-E428-DA43-AA54-C279CF805B17}" type="datetimeFigureOut">
               <a:rPr lang="en-US" smtClean="0"/>
-              <a:t>3/7/23</a:t>
+              <a:t>3/8/23</a:t>
             </a:fld>
             <a:endParaRPr lang="en-US"/>
           </a:p>
@@ -627,7 +628,7 @@
             <a:fld id="{3F9AFA87-1417-4992-ABD9-27C3BC8CC883}" type="datetimeFigureOut">
               <a:rPr lang="en-US" smtClean="0"/>
               <a:pPr algn="r"/>
-              <a:t>3/7/23</a:t>
+              <a:t>3/8/23</a:t>
             </a:fld>
             <a:endParaRPr lang="en-US" dirty="0"/>
           </a:p>
@@ -826,7 +827,7 @@
           <a:p>
             <a:fld id="{3F9AFA87-1417-4992-ABD9-27C3BC8CC883}" type="datetimeFigureOut">
               <a:rPr lang="en-US" smtClean="0"/>
-              <a:t>3/7/23</a:t>
+              <a:t>3/8/23</a:t>
             </a:fld>
             <a:endParaRPr lang="en-US"/>
           </a:p>
@@ -1034,7 +1035,7 @@
           <a:p>
             <a:fld id="{3F9AFA87-1417-4992-ABD9-27C3BC8CC883}" type="datetimeFigureOut">
               <a:rPr lang="en-US" smtClean="0"/>
-              <a:t>3/7/23</a:t>
+              <a:t>3/8/23</a:t>
             </a:fld>
             <a:endParaRPr lang="en-US"/>
           </a:p>
@@ -1232,7 +1233,7 @@
           <a:p>
             <a:fld id="{3F9AFA87-1417-4992-ABD9-27C3BC8CC883}" type="datetimeFigureOut">
               <a:rPr lang="en-US" smtClean="0"/>
-              <a:t>3/7/23</a:t>
+              <a:t>3/8/23</a:t>
             </a:fld>
             <a:endParaRPr lang="en-US"/>
           </a:p>
@@ -1507,7 +1508,7 @@
           <a:p>
             <a:fld id="{3F9AFA87-1417-4992-ABD9-27C3BC8CC883}" type="datetimeFigureOut">
               <a:rPr lang="en-US" smtClean="0"/>
-              <a:t>3/7/23</a:t>
+              <a:t>3/8/23</a:t>
             </a:fld>
             <a:endParaRPr lang="en-US"/>
           </a:p>
@@ -1772,7 +1773,7 @@
           <a:p>
             <a:fld id="{3F9AFA87-1417-4992-ABD9-27C3BC8CC883}" type="datetimeFigureOut">
               <a:rPr lang="en-US" smtClean="0"/>
-              <a:t>3/7/23</a:t>
+              <a:t>3/8/23</a:t>
             </a:fld>
             <a:endParaRPr lang="en-US" dirty="0"/>
           </a:p>
@@ -2186,7 +2187,7 @@
             <a:fld id="{3F9AFA87-1417-4992-ABD9-27C3BC8CC883}" type="datetimeFigureOut">
               <a:rPr lang="en-US" smtClean="0"/>
               <a:pPr algn="r"/>
-              <a:t>3/7/23</a:t>
+              <a:t>3/8/23</a:t>
             </a:fld>
             <a:endParaRPr lang="en-US" dirty="0"/>
           </a:p>
@@ -2328,7 +2329,7 @@
           <a:p>
             <a:fld id="{3F9AFA87-1417-4992-ABD9-27C3BC8CC883}" type="datetimeFigureOut">
               <a:rPr lang="en-US" smtClean="0"/>
-              <a:t>3/7/23</a:t>
+              <a:t>3/8/23</a:t>
             </a:fld>
             <a:endParaRPr lang="en-US"/>
           </a:p>
@@ -2441,7 +2442,7 @@
           <a:p>
             <a:fld id="{3F9AFA87-1417-4992-ABD9-27C3BC8CC883}" type="datetimeFigureOut">
               <a:rPr lang="en-US" smtClean="0"/>
-              <a:t>3/7/23</a:t>
+              <a:t>3/8/23</a:t>
             </a:fld>
             <a:endParaRPr lang="en-US"/>
           </a:p>
@@ -2752,7 +2753,7 @@
           <a:p>
             <a:fld id="{3F9AFA87-1417-4992-ABD9-27C3BC8CC883}" type="datetimeFigureOut">
               <a:rPr lang="en-US" smtClean="0"/>
-              <a:t>3/7/23</a:t>
+              <a:t>3/8/23</a:t>
             </a:fld>
             <a:endParaRPr lang="en-US"/>
           </a:p>
@@ -3040,7 +3041,7 @@
           <a:p>
             <a:fld id="{3F9AFA87-1417-4992-ABD9-27C3BC8CC883}" type="datetimeFigureOut">
               <a:rPr lang="en-US" smtClean="0"/>
-              <a:t>3/7/23</a:t>
+              <a:t>3/8/23</a:t>
             </a:fld>
             <a:endParaRPr lang="en-US"/>
           </a:p>
@@ -3283,7 +3284,7 @@
             <a:fld id="{3F9AFA87-1417-4992-ABD9-27C3BC8CC883}" type="datetimeFigureOut">
               <a:rPr lang="en-US" smtClean="0"/>
               <a:pPr algn="r"/>
-              <a:t>3/7/23</a:t>
+              <a:t>3/8/23</a:t>
             </a:fld>
             <a:endParaRPr lang="en-US" dirty="0"/>
           </a:p>
@@ -4368,10 +4369,108 @@
         </p:nvSpPr>
         <p:spPr/>
         <p:txBody>
-          <a:bodyPr/>
-          <a:lstStyle/>
-          <a:p>
-            <a:endParaRPr lang="en-US" dirty="0"/>
+          <a:bodyPr>
+            <a:normAutofit fontScale="70000" lnSpcReduction="20000"/>
+          </a:bodyPr>
+          <a:lstStyle/>
+          <a:p>
+            <a:pPr>
+              <a:lnSpc>
+                <a:spcPct val="160000"/>
+              </a:lnSpc>
+            </a:pPr>
+            <a:r>
+              <a:rPr lang="en-US" dirty="0"/>
+              <a:t>Now we consider a sequence of words</a:t>
+            </a:r>
+          </a:p>
+          <a:p>
+            <a:pPr lvl="1">
+              <a:lnSpc>
+                <a:spcPct val="160000"/>
+              </a:lnSpc>
+            </a:pPr>
+            <a:r>
+              <a:rPr lang="en-US" dirty="0"/>
+              <a:t>Ice cream</a:t>
+            </a:r>
+          </a:p>
+          <a:p>
+            <a:pPr lvl="1">
+              <a:lnSpc>
+                <a:spcPct val="160000"/>
+              </a:lnSpc>
+            </a:pPr>
+            <a:r>
+              <a:rPr lang="en-US" dirty="0"/>
+              <a:t>Boston Red Sox</a:t>
+            </a:r>
+          </a:p>
+          <a:p>
+            <a:pPr>
+              <a:lnSpc>
+                <a:spcPct val="160000"/>
+              </a:lnSpc>
+            </a:pPr>
+            <a:r>
+              <a:rPr lang="en-US" dirty="0"/>
+              <a:t>N-gram is simply a sequence of n words</a:t>
+            </a:r>
+          </a:p>
+          <a:p>
+            <a:pPr lvl="1">
+              <a:lnSpc>
+                <a:spcPct val="160000"/>
+              </a:lnSpc>
+            </a:pPr>
+            <a:r>
+              <a:rPr lang="en-US" dirty="0"/>
+              <a:t>N-gram could denote characters, but focus on words now</a:t>
+            </a:r>
+          </a:p>
+          <a:p>
+            <a:pPr>
+              <a:lnSpc>
+                <a:spcPct val="160000"/>
+              </a:lnSpc>
+            </a:pPr>
+            <a:r>
+              <a:rPr lang="en-US" dirty="0"/>
+              <a:t>We have tokenized sentences using 1-gram only thus far</a:t>
+            </a:r>
+          </a:p>
+          <a:p>
+            <a:pPr>
+              <a:lnSpc>
+                <a:spcPct val="160000"/>
+              </a:lnSpc>
+            </a:pPr>
+            <a:r>
+              <a:rPr lang="en-US" dirty="0"/>
+              <a:t>Using 2-gram or 3-gram words means adding more tokens in the vocabulary</a:t>
+            </a:r>
+          </a:p>
+          <a:p>
+            <a:pPr lvl="1">
+              <a:lnSpc>
+                <a:spcPct val="160000"/>
+              </a:lnSpc>
+            </a:pPr>
+            <a:r>
+              <a:rPr lang="en-US" dirty="0"/>
+              <a:t>Not difficult to add (see the codes)</a:t>
+            </a:r>
+          </a:p>
+          <a:p>
+            <a:pPr lvl="1">
+              <a:lnSpc>
+                <a:spcPct val="160000"/>
+              </a:lnSpc>
+            </a:pPr>
+            <a:r>
+              <a:rPr lang="en-US" dirty="0"/>
+              <a:t>N-gram tokens are pretty rare → need some ways to handle them properly</a:t>
+            </a:r>
           </a:p>
         </p:txBody>
       </p:sp>
@@ -4410,6 +4509,189 @@
           <p:cNvPr id="2" name="Title 1">
             <a:extLst>
               <a:ext uri="{FF2B5EF4-FFF2-40B4-BE49-F238E27FC236}">
+                <a16:creationId xmlns:a16="http://schemas.microsoft.com/office/drawing/2014/main" id="{640D16D8-3DE8-FE19-BEE9-F6F4EEF6BD3B}"/>
+              </a:ext>
+            </a:extLst>
+          </p:cNvPr>
+          <p:cNvSpPr>
+            <a:spLocks noGrp="1"/>
+          </p:cNvSpPr>
+          <p:nvPr>
+            <p:ph type="title"/>
+          </p:nvPr>
+        </p:nvSpPr>
+        <p:spPr/>
+        <p:txBody>
+          <a:bodyPr>
+            <a:normAutofit/>
+          </a:bodyPr>
+          <a:lstStyle/>
+          <a:p>
+            <a:r>
+              <a:rPr lang="en-US" sz="4000" b="1" dirty="0"/>
+              <a:t>What if only use 1-gram tokens?</a:t>
+            </a:r>
+          </a:p>
+        </p:txBody>
+      </p:sp>
+      <p:sp>
+        <p:nvSpPr>
+          <p:cNvPr id="3" name="Content Placeholder 2">
+            <a:extLst>
+              <a:ext uri="{FF2B5EF4-FFF2-40B4-BE49-F238E27FC236}">
+                <a16:creationId xmlns:a16="http://schemas.microsoft.com/office/drawing/2014/main" id="{510F624B-5674-39E8-16A7-4007DA059C50}"/>
+              </a:ext>
+            </a:extLst>
+          </p:cNvPr>
+          <p:cNvSpPr>
+            <a:spLocks noGrp="1"/>
+          </p:cNvSpPr>
+          <p:nvPr>
+            <p:ph idx="1"/>
+          </p:nvPr>
+        </p:nvSpPr>
+        <p:spPr/>
+        <p:txBody>
+          <a:bodyPr>
+            <a:normAutofit fontScale="92500"/>
+          </a:bodyPr>
+          <a:lstStyle/>
+          <a:p>
+            <a:r>
+              <a:rPr lang="en-US" dirty="0"/>
+              <a:t>What is the problem of rare 2-grams when we add them in the vocab?</a:t>
+            </a:r>
+          </a:p>
+          <a:p>
+            <a:pPr lvl="1"/>
+            <a:r>
+              <a:rPr lang="en-US" dirty="0"/>
+              <a:t>Again, they are so rare. Why is this a problem?</a:t>
+            </a:r>
+          </a:p>
+          <a:p>
+            <a:r>
+              <a:rPr lang="en-US" dirty="0"/>
+              <a:t>If use 1-gram tokens only, the stop words are usually counted the most</a:t>
+            </a:r>
+          </a:p>
+          <a:p>
+            <a:pPr lvl="1"/>
+            <a:r>
+              <a:rPr lang="en-US" dirty="0"/>
+              <a:t>The, a, an, …</a:t>
+            </a:r>
+          </a:p>
+          <a:p>
+            <a:r>
+              <a:rPr lang="en-US" dirty="0"/>
+              <a:t>If they are removed:</a:t>
+            </a:r>
+          </a:p>
+          <a:p>
+            <a:pPr lvl="1"/>
+            <a:r>
+              <a:rPr lang="en-US" dirty="0"/>
+              <a:t>Mark </a:t>
+            </a:r>
+            <a:r>
+              <a:rPr lang="en-US" b="1" dirty="0"/>
+              <a:t>reported</a:t>
+            </a:r>
+            <a:r>
+              <a:rPr lang="en-US" dirty="0"/>
+              <a:t> to the </a:t>
+            </a:r>
+            <a:r>
+              <a:rPr lang="en-US" b="1" dirty="0"/>
+              <a:t>CEO</a:t>
+            </a:r>
+          </a:p>
+          <a:p>
+            <a:pPr lvl="1"/>
+            <a:r>
+              <a:rPr lang="en-US" dirty="0"/>
+              <a:t>Suzanne </a:t>
+            </a:r>
+            <a:r>
+              <a:rPr lang="en-US" b="1" dirty="0"/>
+              <a:t>reported</a:t>
+            </a:r>
+            <a:r>
+              <a:rPr lang="en-US" dirty="0"/>
+              <a:t> as the </a:t>
+            </a:r>
+            <a:r>
+              <a:rPr lang="en-US" b="1" dirty="0"/>
+              <a:t>CEO</a:t>
+            </a:r>
+            <a:r>
+              <a:rPr lang="en-US" dirty="0"/>
+              <a:t> to the board</a:t>
+            </a:r>
+          </a:p>
+          <a:p>
+            <a:pPr lvl="2"/>
+            <a:r>
+              <a:rPr lang="en-US" dirty="0"/>
+              <a:t>Lack of information about the professional hierarchy</a:t>
+            </a:r>
+          </a:p>
+          <a:p>
+            <a:r>
+              <a:rPr lang="en-US" dirty="0"/>
+              <a:t>If not, the length of vocabulary would be the problem</a:t>
+            </a:r>
+          </a:p>
+          <a:p>
+            <a:r>
+              <a:rPr lang="en-US" dirty="0"/>
+              <a:t>Let’s dig this issue a little bit deeper</a:t>
+            </a:r>
+          </a:p>
+          <a:p>
+            <a:pPr marL="914400" lvl="2" indent="0">
+              <a:buNone/>
+            </a:pPr>
+            <a:endParaRPr lang="en-US" dirty="0"/>
+          </a:p>
+        </p:txBody>
+      </p:sp>
+    </p:spTree>
+    <p:extLst>
+      <p:ext uri="{BB962C8B-B14F-4D97-AF65-F5344CB8AC3E}">
+        <p14:creationId xmlns:p14="http://schemas.microsoft.com/office/powerpoint/2010/main" val="1613144777"/>
+      </p:ext>
+    </p:extLst>
+  </p:cSld>
+  <p:clrMapOvr>
+    <a:masterClrMapping/>
+  </p:clrMapOvr>
+</p:sld>
+</file>
+
+<file path=ppt/slides/slide15.xml><?xml version="1.0" encoding="utf-8"?>
+<p:sld xmlns:a="http://schemas.openxmlformats.org/drawingml/2006/main" xmlns:r="http://schemas.openxmlformats.org/officeDocument/2006/relationships" xmlns:p="http://schemas.openxmlformats.org/presentationml/2006/main">
+  <p:cSld>
+    <p:spTree>
+      <p:nvGrpSpPr>
+        <p:cNvPr id="1" name=""/>
+        <p:cNvGrpSpPr/>
+        <p:nvPr/>
+      </p:nvGrpSpPr>
+      <p:grpSpPr>
+        <a:xfrm>
+          <a:off x="0" y="0"/>
+          <a:ext cx="0" cy="0"/>
+          <a:chOff x="0" y="0"/>
+          <a:chExt cx="0" cy="0"/>
+        </a:xfrm>
+      </p:grpSpPr>
+      <p:sp>
+        <p:nvSpPr>
+          <p:cNvPr id="2" name="Title 1">
+            <a:extLst>
+              <a:ext uri="{FF2B5EF4-FFF2-40B4-BE49-F238E27FC236}">
                 <a16:creationId xmlns:a16="http://schemas.microsoft.com/office/drawing/2014/main" id="{51B83D4F-0786-F9A1-AB46-C5DCE8B513AD}"/>
               </a:ext>
             </a:extLst>
@@ -4427,8 +4709,8 @@
           <a:lstStyle/>
           <a:p>
             <a:r>
-              <a:rPr lang="en-US" dirty="0"/>
-              <a:t>Text normalization with Jacob</a:t>
+              <a:rPr lang="en-US" b="1" dirty="0"/>
+              <a:t>Text normalization</a:t>
             </a:r>
           </a:p>
         </p:txBody>
@@ -4471,7 +4753,7 @@
 </p:sld>
 </file>
 
-<file path=ppt/slides/slide15.xml><?xml version="1.0" encoding="utf-8"?>
+<file path=ppt/slides/slide16.xml><?xml version="1.0" encoding="utf-8"?>
 <p:sld xmlns:a="http://schemas.openxmlformats.org/drawingml/2006/main" xmlns:r="http://schemas.openxmlformats.org/officeDocument/2006/relationships" xmlns:p="http://schemas.openxmlformats.org/presentationml/2006/main">
   <p:cSld>
     <p:spTree>

--- a/BUS243_NLP/lecture_notes/Lecture2.pptx
+++ b/BUS243_NLP/lecture_notes/Lecture2.pptx
@@ -5,7 +5,7 @@
     <p:sldMasterId id="2147483775" r:id="rId1"/>
   </p:sldMasterIdLst>
   <p:notesMasterIdLst>
-    <p:notesMasterId r:id="rId18"/>
+    <p:notesMasterId r:id="rId24"/>
   </p:notesMasterIdLst>
   <p:sldIdLst>
     <p:sldId id="256" r:id="rId2"/>
@@ -23,7 +23,13 @@
     <p:sldId id="272" r:id="rId14"/>
     <p:sldId id="274" r:id="rId15"/>
     <p:sldId id="273" r:id="rId16"/>
-    <p:sldId id="269" r:id="rId17"/>
+    <p:sldId id="275" r:id="rId17"/>
+    <p:sldId id="276" r:id="rId18"/>
+    <p:sldId id="277" r:id="rId19"/>
+    <p:sldId id="278" r:id="rId20"/>
+    <p:sldId id="280" r:id="rId21"/>
+    <p:sldId id="269" r:id="rId22"/>
+    <p:sldId id="279" r:id="rId23"/>
   </p:sldIdLst>
   <p:sldSz cx="12192000" cy="6858000"/>
   <p:notesSz cx="6858000" cy="9144000"/>
@@ -212,7 +218,7 @@
           <a:p>
             <a:fld id="{6C062D5C-E428-DA43-AA54-C279CF805B17}" type="datetimeFigureOut">
               <a:rPr lang="en-US" smtClean="0"/>
-              <a:t>3/8/23</a:t>
+              <a:t>3/9/23</a:t>
             </a:fld>
             <a:endParaRPr lang="en-US"/>
           </a:p>
@@ -628,7 +634,7 @@
             <a:fld id="{3F9AFA87-1417-4992-ABD9-27C3BC8CC883}" type="datetimeFigureOut">
               <a:rPr lang="en-US" smtClean="0"/>
               <a:pPr algn="r"/>
-              <a:t>3/8/23</a:t>
+              <a:t>3/9/23</a:t>
             </a:fld>
             <a:endParaRPr lang="en-US" dirty="0"/>
           </a:p>
@@ -827,7 +833,7 @@
           <a:p>
             <a:fld id="{3F9AFA87-1417-4992-ABD9-27C3BC8CC883}" type="datetimeFigureOut">
               <a:rPr lang="en-US" smtClean="0"/>
-              <a:t>3/8/23</a:t>
+              <a:t>3/9/23</a:t>
             </a:fld>
             <a:endParaRPr lang="en-US"/>
           </a:p>
@@ -1035,7 +1041,7 @@
           <a:p>
             <a:fld id="{3F9AFA87-1417-4992-ABD9-27C3BC8CC883}" type="datetimeFigureOut">
               <a:rPr lang="en-US" smtClean="0"/>
-              <a:t>3/8/23</a:t>
+              <a:t>3/9/23</a:t>
             </a:fld>
             <a:endParaRPr lang="en-US"/>
           </a:p>
@@ -1233,7 +1239,7 @@
           <a:p>
             <a:fld id="{3F9AFA87-1417-4992-ABD9-27C3BC8CC883}" type="datetimeFigureOut">
               <a:rPr lang="en-US" smtClean="0"/>
-              <a:t>3/8/23</a:t>
+              <a:t>3/9/23</a:t>
             </a:fld>
             <a:endParaRPr lang="en-US"/>
           </a:p>
@@ -1508,7 +1514,7 @@
           <a:p>
             <a:fld id="{3F9AFA87-1417-4992-ABD9-27C3BC8CC883}" type="datetimeFigureOut">
               <a:rPr lang="en-US" smtClean="0"/>
-              <a:t>3/8/23</a:t>
+              <a:t>3/9/23</a:t>
             </a:fld>
             <a:endParaRPr lang="en-US"/>
           </a:p>
@@ -1773,7 +1779,7 @@
           <a:p>
             <a:fld id="{3F9AFA87-1417-4992-ABD9-27C3BC8CC883}" type="datetimeFigureOut">
               <a:rPr lang="en-US" smtClean="0"/>
-              <a:t>3/8/23</a:t>
+              <a:t>3/9/23</a:t>
             </a:fld>
             <a:endParaRPr lang="en-US" dirty="0"/>
           </a:p>
@@ -2187,7 +2193,7 @@
             <a:fld id="{3F9AFA87-1417-4992-ABD9-27C3BC8CC883}" type="datetimeFigureOut">
               <a:rPr lang="en-US" smtClean="0"/>
               <a:pPr algn="r"/>
-              <a:t>3/8/23</a:t>
+              <a:t>3/9/23</a:t>
             </a:fld>
             <a:endParaRPr lang="en-US" dirty="0"/>
           </a:p>
@@ -2329,7 +2335,7 @@
           <a:p>
             <a:fld id="{3F9AFA87-1417-4992-ABD9-27C3BC8CC883}" type="datetimeFigureOut">
               <a:rPr lang="en-US" smtClean="0"/>
-              <a:t>3/8/23</a:t>
+              <a:t>3/9/23</a:t>
             </a:fld>
             <a:endParaRPr lang="en-US"/>
           </a:p>
@@ -2442,7 +2448,7 @@
           <a:p>
             <a:fld id="{3F9AFA87-1417-4992-ABD9-27C3BC8CC883}" type="datetimeFigureOut">
               <a:rPr lang="en-US" smtClean="0"/>
-              <a:t>3/8/23</a:t>
+              <a:t>3/9/23</a:t>
             </a:fld>
             <a:endParaRPr lang="en-US"/>
           </a:p>
@@ -2753,7 +2759,7 @@
           <a:p>
             <a:fld id="{3F9AFA87-1417-4992-ABD9-27C3BC8CC883}" type="datetimeFigureOut">
               <a:rPr lang="en-US" smtClean="0"/>
-              <a:t>3/8/23</a:t>
+              <a:t>3/9/23</a:t>
             </a:fld>
             <a:endParaRPr lang="en-US"/>
           </a:p>
@@ -3041,7 +3047,7 @@
           <a:p>
             <a:fld id="{3F9AFA87-1417-4992-ABD9-27C3BC8CC883}" type="datetimeFigureOut">
               <a:rPr lang="en-US" smtClean="0"/>
-              <a:t>3/8/23</a:t>
+              <a:t>3/9/23</a:t>
             </a:fld>
             <a:endParaRPr lang="en-US"/>
           </a:p>
@@ -3284,7 +3290,7 @@
             <a:fld id="{3F9AFA87-1417-4992-ABD9-27C3BC8CC883}" type="datetimeFigureOut">
               <a:rPr lang="en-US" smtClean="0"/>
               <a:pPr algn="r"/>
-              <a:t>3/8/23</a:t>
+              <a:t>3/9/23</a:t>
             </a:fld>
             <a:endParaRPr lang="en-US" dirty="0"/>
           </a:p>
@@ -4705,11 +4711,13 @@
         </p:nvSpPr>
         <p:spPr/>
         <p:txBody>
-          <a:bodyPr/>
-          <a:lstStyle/>
-          <a:p>
-            <a:r>
-              <a:rPr lang="en-US" b="1" dirty="0"/>
+          <a:bodyPr>
+            <a:normAutofit/>
+          </a:bodyPr>
+          <a:lstStyle/>
+          <a:p>
+            <a:r>
+              <a:rPr lang="en-US" sz="4000" b="1" dirty="0"/>
               <a:t>Text normalization</a:t>
             </a:r>
           </a:p>
@@ -4733,10 +4741,161 @@
         </p:nvSpPr>
         <p:spPr/>
         <p:txBody>
-          <a:bodyPr/>
-          <a:lstStyle/>
-          <a:p>
-            <a:endParaRPr lang="en-US"/>
+          <a:bodyPr>
+            <a:normAutofit fontScale="77500" lnSpcReduction="20000"/>
+          </a:bodyPr>
+          <a:lstStyle/>
+          <a:p>
+            <a:pPr>
+              <a:lnSpc>
+                <a:spcPct val="150000"/>
+              </a:lnSpc>
+            </a:pPr>
+            <a:r>
+              <a:rPr lang="en-US" dirty="0"/>
+              <a:t>After splitting the text into tokens, the next question:</a:t>
+            </a:r>
+          </a:p>
+          <a:p>
+            <a:pPr lvl="1">
+              <a:lnSpc>
+                <a:spcPct val="150000"/>
+              </a:lnSpc>
+            </a:pPr>
+            <a:r>
+              <a:rPr lang="en-US" dirty="0"/>
+              <a:t>Which tokens are really distinct</a:t>
+            </a:r>
+          </a:p>
+          <a:p>
+            <a:pPr>
+              <a:lnSpc>
+                <a:spcPct val="150000"/>
+              </a:lnSpc>
+            </a:pPr>
+            <a:r>
+              <a:rPr lang="en-US" dirty="0"/>
+              <a:t>Complete elimination of case distinction will result in a smaller vocab</a:t>
+            </a:r>
+          </a:p>
+          <a:p>
+            <a:pPr lvl="1">
+              <a:lnSpc>
+                <a:spcPct val="150000"/>
+              </a:lnSpc>
+            </a:pPr>
+            <a:r>
+              <a:rPr lang="en-US" dirty="0"/>
+              <a:t>Necessary to distinguish </a:t>
+            </a:r>
+            <a:r>
+              <a:rPr lang="en-US" i="1" dirty="0"/>
+              <a:t>great</a:t>
+            </a:r>
+            <a:r>
+              <a:rPr lang="en-US" dirty="0"/>
+              <a:t>, </a:t>
+            </a:r>
+            <a:r>
+              <a:rPr lang="en-US" i="1" dirty="0"/>
+              <a:t>Great</a:t>
+            </a:r>
+            <a:r>
+              <a:rPr lang="en-US" dirty="0"/>
+              <a:t> and </a:t>
+            </a:r>
+            <a:r>
+              <a:rPr lang="en-US" i="1" dirty="0"/>
+              <a:t>GREAT</a:t>
+            </a:r>
+            <a:r>
+              <a:rPr lang="en-US" dirty="0"/>
+              <a:t>?</a:t>
+            </a:r>
+          </a:p>
+          <a:p>
+            <a:pPr lvl="1">
+              <a:lnSpc>
+                <a:spcPct val="150000"/>
+              </a:lnSpc>
+            </a:pPr>
+            <a:r>
+              <a:rPr lang="en-US" dirty="0"/>
+              <a:t>How about </a:t>
+            </a:r>
+            <a:r>
+              <a:rPr lang="en-US" i="1" dirty="0"/>
+              <a:t>apple</a:t>
+            </a:r>
+            <a:r>
+              <a:rPr lang="en-US" dirty="0"/>
+              <a:t> and </a:t>
+            </a:r>
+            <a:r>
+              <a:rPr lang="en-US" i="1" dirty="0"/>
+              <a:t>Apple</a:t>
+            </a:r>
+            <a:r>
+              <a:rPr lang="en-US" dirty="0"/>
+              <a:t>?</a:t>
+            </a:r>
+          </a:p>
+          <a:p>
+            <a:pPr>
+              <a:lnSpc>
+                <a:spcPct val="150000"/>
+              </a:lnSpc>
+            </a:pPr>
+            <a:r>
+              <a:rPr lang="en-US" dirty="0"/>
+              <a:t>Text normalization refers to string transformation that remove distinctions that are irrelevant to downstream applications</a:t>
+            </a:r>
+          </a:p>
+          <a:p>
+            <a:pPr lvl="1">
+              <a:lnSpc>
+                <a:spcPct val="150000"/>
+              </a:lnSpc>
+            </a:pPr>
+            <a:r>
+              <a:rPr lang="en-US" dirty="0"/>
+              <a:t>Also include standardization of numbers (1,000 → 1000) or dates</a:t>
+            </a:r>
+          </a:p>
+          <a:p>
+            <a:pPr lvl="1">
+              <a:lnSpc>
+                <a:spcPct val="150000"/>
+              </a:lnSpc>
+            </a:pPr>
+            <a:r>
+              <a:rPr lang="en-US" dirty="0"/>
+              <a:t>Social media (e.g. </a:t>
+            </a:r>
+            <a:r>
+              <a:rPr lang="en-US" dirty="0" err="1"/>
+              <a:t>coooooooool</a:t>
+            </a:r>
+            <a:r>
+              <a:rPr lang="en-US" dirty="0"/>
+              <a:t>)</a:t>
+            </a:r>
+          </a:p>
+          <a:p>
+            <a:pPr>
+              <a:lnSpc>
+                <a:spcPct val="150000"/>
+              </a:lnSpc>
+            </a:pPr>
+            <a:endParaRPr lang="en-US" dirty="0"/>
+          </a:p>
+          <a:p>
+            <a:pPr lvl="1">
+              <a:lnSpc>
+                <a:spcPct val="150000"/>
+              </a:lnSpc>
+            </a:pPr>
+            <a:endParaRPr lang="en-US" dirty="0"/>
           </a:p>
         </p:txBody>
       </p:sp>
@@ -4775,7 +4934,7 @@
           <p:cNvPr id="2" name="Title 1">
             <a:extLst>
               <a:ext uri="{FF2B5EF4-FFF2-40B4-BE49-F238E27FC236}">
-                <a16:creationId xmlns:a16="http://schemas.microsoft.com/office/drawing/2014/main" id="{3828B03F-971E-FF64-71EA-0F7028825BD7}"/>
+                <a16:creationId xmlns:a16="http://schemas.microsoft.com/office/drawing/2014/main" id="{537EE6CF-2218-ED26-B4E2-2016C22ABE22}"/>
               </a:ext>
             </a:extLst>
           </p:cNvPr>
@@ -4788,49 +4947,1155 @@
         </p:nvSpPr>
         <p:spPr/>
         <p:txBody>
+          <a:bodyPr>
+            <a:normAutofit/>
+          </a:bodyPr>
+          <a:lstStyle/>
+          <a:p>
+            <a:r>
+              <a:rPr lang="en-US" sz="4000" b="1" dirty="0"/>
+              <a:t>Inflections matter?</a:t>
+            </a:r>
+          </a:p>
+        </p:txBody>
+      </p:sp>
+      <p:sp>
+        <p:nvSpPr>
+          <p:cNvPr id="3" name="Content Placeholder 2">
+            <a:extLst>
+              <a:ext uri="{FF2B5EF4-FFF2-40B4-BE49-F238E27FC236}">
+                <a16:creationId xmlns:a16="http://schemas.microsoft.com/office/drawing/2014/main" id="{138BAA8B-083A-25BF-12A4-451F1F91F7A7}"/>
+              </a:ext>
+            </a:extLst>
+          </p:cNvPr>
+          <p:cNvSpPr>
+            <a:spLocks noGrp="1"/>
+          </p:cNvSpPr>
+          <p:nvPr>
+            <p:ph idx="1"/>
+          </p:nvPr>
+        </p:nvSpPr>
+        <p:spPr/>
+        <p:txBody>
           <a:bodyPr/>
           <a:lstStyle/>
           <a:p>
             <a:r>
               <a:rPr lang="en-US" dirty="0"/>
-              <a:t>Presence vs. </a:t>
-            </a:r>
-            <a:r>
-              <a:rPr lang="en-US"/>
-              <a:t>count</a:t>
-            </a:r>
-          </a:p>
-        </p:txBody>
-      </p:sp>
-      <p:sp>
-        <p:nvSpPr>
-          <p:cNvPr id="3" name="Content Placeholder 2">
-            <a:extLst>
-              <a:ext uri="{FF2B5EF4-FFF2-40B4-BE49-F238E27FC236}">
-                <a16:creationId xmlns:a16="http://schemas.microsoft.com/office/drawing/2014/main" id="{DDBF1CB3-1470-228F-F3C4-530F2391EEF7}"/>
-              </a:ext>
-            </a:extLst>
-          </p:cNvPr>
-          <p:cNvSpPr>
-            <a:spLocks noGrp="1"/>
-          </p:cNvSpPr>
-          <p:nvPr>
-            <p:ph idx="1"/>
-          </p:nvPr>
-        </p:nvSpPr>
-        <p:spPr/>
-        <p:txBody>
-          <a:bodyPr/>
-          <a:lstStyle/>
-          <a:p>
-            <a:endParaRPr lang="en-US"/>
-          </a:p>
-        </p:txBody>
-      </p:sp>
+              <a:t>A more extreme form of normalization is to eliminate inflectional affixes (e.g. -ed and –s suffixes)</a:t>
+            </a:r>
+          </a:p>
+          <a:p>
+            <a:pPr lvl="1"/>
+            <a:r>
+              <a:rPr lang="en-US" dirty="0"/>
+              <a:t>Whale, whales, whaling all refer to the same underlying concept</a:t>
+            </a:r>
+          </a:p>
+          <a:p>
+            <a:r>
+              <a:rPr lang="en-US" dirty="0"/>
+              <a:t>A stemmer is a program for eliminating affixes</a:t>
+            </a:r>
+          </a:p>
+          <a:p>
+            <a:pPr lvl="1"/>
+            <a:r>
+              <a:rPr lang="en-US" dirty="0"/>
+              <a:t>Apply a series of regular expression substitutions</a:t>
+            </a:r>
+          </a:p>
+          <a:p>
+            <a:pPr lvl="1"/>
+            <a:r>
+              <a:rPr lang="en-US" dirty="0"/>
+              <a:t>Character-based stemming algorithms are necessarily approximate</a:t>
+            </a:r>
+          </a:p>
+        </p:txBody>
+      </p:sp>
+      <p:graphicFrame>
+        <p:nvGraphicFramePr>
+          <p:cNvPr id="4" name="Table 4">
+            <a:extLst>
+              <a:ext uri="{FF2B5EF4-FFF2-40B4-BE49-F238E27FC236}">
+                <a16:creationId xmlns:a16="http://schemas.microsoft.com/office/drawing/2014/main" id="{E2A5D321-D97D-E894-D60C-F2DBD90E2B48}"/>
+              </a:ext>
+            </a:extLst>
+          </p:cNvPr>
+          <p:cNvGraphicFramePr>
+            <a:graphicFrameLocks noGrp="1"/>
+          </p:cNvGraphicFramePr>
+          <p:nvPr>
+            <p:extLst>
+              <p:ext uri="{D42A27DB-BD31-4B8C-83A1-F6EECF244321}">
+                <p14:modId xmlns:p14="http://schemas.microsoft.com/office/powerpoint/2010/main" val="1601079398"/>
+              </p:ext>
+            </p:extLst>
+          </p:nvPr>
+        </p:nvGraphicFramePr>
+        <p:xfrm>
+          <a:off x="1422399" y="4475238"/>
+          <a:ext cx="8995230" cy="1483360"/>
+        </p:xfrm>
+        <a:graphic>
+          <a:graphicData uri="http://schemas.openxmlformats.org/drawingml/2006/table">
+            <a:tbl>
+              <a:tblPr firstRow="1" bandRow="1">
+                <a:tableStyleId>{0505E3EF-67EA-436B-97B2-0124C06EBD24}</a:tableStyleId>
+              </a:tblPr>
+              <a:tblGrid>
+                <a:gridCol w="2267858">
+                  <a:extLst>
+                    <a:ext uri="{9D8B030D-6E8A-4147-A177-3AD203B41FA5}">
+                      <a16:colId xmlns:a16="http://schemas.microsoft.com/office/drawing/2014/main" val="1726111976"/>
+                    </a:ext>
+                  </a:extLst>
+                </a:gridCol>
+                <a:gridCol w="598714">
+                  <a:extLst>
+                    <a:ext uri="{9D8B030D-6E8A-4147-A177-3AD203B41FA5}">
+                      <a16:colId xmlns:a16="http://schemas.microsoft.com/office/drawing/2014/main" val="2440425710"/>
+                    </a:ext>
+                  </a:extLst>
+                </a:gridCol>
+                <a:gridCol w="1012372">
+                  <a:extLst>
+                    <a:ext uri="{9D8B030D-6E8A-4147-A177-3AD203B41FA5}">
+                      <a16:colId xmlns:a16="http://schemas.microsoft.com/office/drawing/2014/main" val="1012270688"/>
+                    </a:ext>
+                  </a:extLst>
+                </a:gridCol>
+                <a:gridCol w="849086">
+                  <a:extLst>
+                    <a:ext uri="{9D8B030D-6E8A-4147-A177-3AD203B41FA5}">
+                      <a16:colId xmlns:a16="http://schemas.microsoft.com/office/drawing/2014/main" val="1481264614"/>
+                    </a:ext>
+                  </a:extLst>
+                </a:gridCol>
+                <a:gridCol w="587828">
+                  <a:extLst>
+                    <a:ext uri="{9D8B030D-6E8A-4147-A177-3AD203B41FA5}">
+                      <a16:colId xmlns:a16="http://schemas.microsoft.com/office/drawing/2014/main" val="1290366671"/>
+                    </a:ext>
+                  </a:extLst>
+                </a:gridCol>
+                <a:gridCol w="1034143">
+                  <a:extLst>
+                    <a:ext uri="{9D8B030D-6E8A-4147-A177-3AD203B41FA5}">
+                      <a16:colId xmlns:a16="http://schemas.microsoft.com/office/drawing/2014/main" val="4226845869"/>
+                    </a:ext>
+                  </a:extLst>
+                </a:gridCol>
+                <a:gridCol w="762000">
+                  <a:extLst>
+                    <a:ext uri="{9D8B030D-6E8A-4147-A177-3AD203B41FA5}">
+                      <a16:colId xmlns:a16="http://schemas.microsoft.com/office/drawing/2014/main" val="32493918"/>
+                    </a:ext>
+                  </a:extLst>
+                </a:gridCol>
+                <a:gridCol w="1001486">
+                  <a:extLst>
+                    <a:ext uri="{9D8B030D-6E8A-4147-A177-3AD203B41FA5}">
+                      <a16:colId xmlns:a16="http://schemas.microsoft.com/office/drawing/2014/main" val="811710600"/>
+                    </a:ext>
+                  </a:extLst>
+                </a:gridCol>
+                <a:gridCol w="881743">
+                  <a:extLst>
+                    <a:ext uri="{9D8B030D-6E8A-4147-A177-3AD203B41FA5}">
+                      <a16:colId xmlns:a16="http://schemas.microsoft.com/office/drawing/2014/main" val="1140357078"/>
+                    </a:ext>
+                  </a:extLst>
+                </a:gridCol>
+              </a:tblGrid>
+              <a:tr h="370840">
+                <a:tc>
+                  <a:txBody>
+                    <a:bodyPr/>
+                    <a:lstStyle/>
+                    <a:p>
+                      <a:r>
+                        <a:rPr lang="en-US" dirty="0"/>
+                        <a:t>Original</a:t>
+                      </a:r>
+                    </a:p>
+                  </a:txBody>
+                  <a:tcPr/>
+                </a:tc>
+                <a:tc>
+                  <a:txBody>
+                    <a:bodyPr/>
+                    <a:lstStyle/>
+                    <a:p>
+                      <a:r>
+                        <a:rPr lang="en-US" dirty="0"/>
+                        <a:t>The</a:t>
+                      </a:r>
+                    </a:p>
+                  </a:txBody>
+                  <a:tcPr/>
+                </a:tc>
+                <a:tc>
+                  <a:txBody>
+                    <a:bodyPr/>
+                    <a:lstStyle/>
+                    <a:p>
+                      <a:r>
+                        <a:rPr lang="en-US" dirty="0"/>
+                        <a:t>Williams</a:t>
+                      </a:r>
+                    </a:p>
+                  </a:txBody>
+                  <a:tcPr/>
+                </a:tc>
+                <a:tc>
+                  <a:txBody>
+                    <a:bodyPr/>
+                    <a:lstStyle/>
+                    <a:p>
+                      <a:r>
+                        <a:rPr lang="en-US" dirty="0"/>
+                        <a:t>sisters</a:t>
+                      </a:r>
+                    </a:p>
+                  </a:txBody>
+                  <a:tcPr/>
+                </a:tc>
+                <a:tc>
+                  <a:txBody>
+                    <a:bodyPr/>
+                    <a:lstStyle/>
+                    <a:p>
+                      <a:r>
+                        <a:rPr lang="en-US" dirty="0"/>
+                        <a:t>are</a:t>
+                      </a:r>
+                    </a:p>
+                  </a:txBody>
+                  <a:tcPr/>
+                </a:tc>
+                <a:tc>
+                  <a:txBody>
+                    <a:bodyPr/>
+                    <a:lstStyle/>
+                    <a:p>
+                      <a:r>
+                        <a:rPr lang="en-US" dirty="0"/>
+                        <a:t>Leaving</a:t>
+                      </a:r>
+                    </a:p>
+                  </a:txBody>
+                  <a:tcPr/>
+                </a:tc>
+                <a:tc>
+                  <a:txBody>
+                    <a:bodyPr/>
+                    <a:lstStyle/>
+                    <a:p>
+                      <a:r>
+                        <a:rPr lang="en-US" dirty="0"/>
+                        <a:t>This</a:t>
+                      </a:r>
+                    </a:p>
+                  </a:txBody>
+                  <a:tcPr/>
+                </a:tc>
+                <a:tc>
+                  <a:txBody>
+                    <a:bodyPr/>
+                    <a:lstStyle/>
+                    <a:p>
+                      <a:r>
+                        <a:rPr lang="en-US" dirty="0"/>
+                        <a:t>Tennis</a:t>
+                      </a:r>
+                    </a:p>
+                  </a:txBody>
+                  <a:tcPr/>
+                </a:tc>
+                <a:tc>
+                  <a:txBody>
+                    <a:bodyPr/>
+                    <a:lstStyle/>
+                    <a:p>
+                      <a:r>
+                        <a:rPr lang="en-US" dirty="0" err="1"/>
+                        <a:t>centre</a:t>
+                      </a:r>
+                      <a:endParaRPr lang="en-US" dirty="0"/>
+                    </a:p>
+                  </a:txBody>
+                  <a:tcPr/>
+                </a:tc>
+                <a:extLst>
+                  <a:ext uri="{0D108BD9-81ED-4DB2-BD59-A6C34878D82A}">
+                    <a16:rowId xmlns:a16="http://schemas.microsoft.com/office/drawing/2014/main" val="795169320"/>
+                  </a:ext>
+                </a:extLst>
+              </a:tr>
+              <a:tr h="370840">
+                <a:tc>
+                  <a:txBody>
+                    <a:bodyPr/>
+                    <a:lstStyle/>
+                    <a:p>
+                      <a:r>
+                        <a:rPr lang="en-US" dirty="0"/>
+                        <a:t>Porter stemmer</a:t>
+                      </a:r>
+                    </a:p>
+                  </a:txBody>
+                  <a:tcPr/>
+                </a:tc>
+                <a:tc>
+                  <a:txBody>
+                    <a:bodyPr/>
+                    <a:lstStyle/>
+                    <a:p>
+                      <a:r>
+                        <a:rPr lang="en-US" dirty="0"/>
+                        <a:t>the</a:t>
+                      </a:r>
+                    </a:p>
+                  </a:txBody>
+                  <a:tcPr/>
+                </a:tc>
+                <a:tc>
+                  <a:txBody>
+                    <a:bodyPr/>
+                    <a:lstStyle/>
+                    <a:p>
+                      <a:r>
+                        <a:rPr lang="en-US" dirty="0" err="1"/>
+                        <a:t>william</a:t>
+                      </a:r>
+                      <a:endParaRPr lang="en-US" dirty="0"/>
+                    </a:p>
+                  </a:txBody>
+                  <a:tcPr/>
+                </a:tc>
+                <a:tc>
+                  <a:txBody>
+                    <a:bodyPr/>
+                    <a:lstStyle/>
+                    <a:p>
+                      <a:r>
+                        <a:rPr lang="en-US" dirty="0"/>
+                        <a:t>sister</a:t>
+                      </a:r>
+                    </a:p>
+                  </a:txBody>
+                  <a:tcPr/>
+                </a:tc>
+                <a:tc>
+                  <a:txBody>
+                    <a:bodyPr/>
+                    <a:lstStyle/>
+                    <a:p>
+                      <a:r>
+                        <a:rPr lang="en-US" dirty="0"/>
+                        <a:t>are</a:t>
+                      </a:r>
+                    </a:p>
+                  </a:txBody>
+                  <a:tcPr/>
+                </a:tc>
+                <a:tc>
+                  <a:txBody>
+                    <a:bodyPr/>
+                    <a:lstStyle/>
+                    <a:p>
+                      <a:r>
+                        <a:rPr lang="en-US" dirty="0" err="1"/>
+                        <a:t>leav</a:t>
+                      </a:r>
+                      <a:endParaRPr lang="en-US" dirty="0"/>
+                    </a:p>
+                  </a:txBody>
+                  <a:tcPr/>
+                </a:tc>
+                <a:tc>
+                  <a:txBody>
+                    <a:bodyPr/>
+                    <a:lstStyle/>
+                    <a:p>
+                      <a:r>
+                        <a:rPr lang="en-US" dirty="0" err="1"/>
+                        <a:t>thi</a:t>
+                      </a:r>
+                      <a:endParaRPr lang="en-US" dirty="0"/>
+                    </a:p>
+                  </a:txBody>
+                  <a:tcPr/>
+                </a:tc>
+                <a:tc>
+                  <a:txBody>
+                    <a:bodyPr/>
+                    <a:lstStyle/>
+                    <a:p>
+                      <a:r>
+                        <a:rPr lang="en-US" dirty="0" err="1"/>
+                        <a:t>tenni</a:t>
+                      </a:r>
+                      <a:endParaRPr lang="en-US" dirty="0"/>
+                    </a:p>
+                  </a:txBody>
+                  <a:tcPr/>
+                </a:tc>
+                <a:tc>
+                  <a:txBody>
+                    <a:bodyPr/>
+                    <a:lstStyle/>
+                    <a:p>
+                      <a:r>
+                        <a:rPr lang="en-US" dirty="0" err="1"/>
+                        <a:t>centr</a:t>
+                      </a:r>
+                      <a:endParaRPr lang="en-US" dirty="0"/>
+                    </a:p>
+                  </a:txBody>
+                  <a:tcPr/>
+                </a:tc>
+                <a:extLst>
+                  <a:ext uri="{0D108BD9-81ED-4DB2-BD59-A6C34878D82A}">
+                    <a16:rowId xmlns:a16="http://schemas.microsoft.com/office/drawing/2014/main" val="1844436846"/>
+                  </a:ext>
+                </a:extLst>
+              </a:tr>
+              <a:tr h="370840">
+                <a:tc>
+                  <a:txBody>
+                    <a:bodyPr/>
+                    <a:lstStyle/>
+                    <a:p>
+                      <a:r>
+                        <a:rPr lang="en-US" dirty="0"/>
+                        <a:t>Lancaster stemmer</a:t>
+                      </a:r>
+                    </a:p>
+                  </a:txBody>
+                  <a:tcPr/>
+                </a:tc>
+                <a:tc>
+                  <a:txBody>
+                    <a:bodyPr/>
+                    <a:lstStyle/>
+                    <a:p>
+                      <a:r>
+                        <a:rPr lang="en-US" dirty="0"/>
+                        <a:t>the</a:t>
+                      </a:r>
+                    </a:p>
+                  </a:txBody>
+                  <a:tcPr/>
+                </a:tc>
+                <a:tc>
+                  <a:txBody>
+                    <a:bodyPr/>
+                    <a:lstStyle/>
+                    <a:p>
+                      <a:r>
+                        <a:rPr lang="en-US" dirty="0" err="1"/>
+                        <a:t>william</a:t>
+                      </a:r>
+                      <a:endParaRPr lang="en-US" dirty="0"/>
+                    </a:p>
+                  </a:txBody>
+                  <a:tcPr/>
+                </a:tc>
+                <a:tc>
+                  <a:txBody>
+                    <a:bodyPr/>
+                    <a:lstStyle/>
+                    <a:p>
+                      <a:r>
+                        <a:rPr lang="en-US" dirty="0"/>
+                        <a:t>sist</a:t>
+                      </a:r>
+                    </a:p>
+                  </a:txBody>
+                  <a:tcPr/>
+                </a:tc>
+                <a:tc>
+                  <a:txBody>
+                    <a:bodyPr/>
+                    <a:lstStyle/>
+                    <a:p>
+                      <a:r>
+                        <a:rPr lang="en-US" dirty="0" err="1"/>
+                        <a:t>ar</a:t>
+                      </a:r>
+                      <a:endParaRPr lang="en-US" dirty="0"/>
+                    </a:p>
+                  </a:txBody>
+                  <a:tcPr/>
+                </a:tc>
+                <a:tc>
+                  <a:txBody>
+                    <a:bodyPr/>
+                    <a:lstStyle/>
+                    <a:p>
+                      <a:r>
+                        <a:rPr lang="en-US" dirty="0" err="1"/>
+                        <a:t>leav</a:t>
+                      </a:r>
+                      <a:endParaRPr lang="en-US" dirty="0"/>
+                    </a:p>
+                  </a:txBody>
+                  <a:tcPr/>
+                </a:tc>
+                <a:tc>
+                  <a:txBody>
+                    <a:bodyPr/>
+                    <a:lstStyle/>
+                    <a:p>
+                      <a:r>
+                        <a:rPr lang="en-US" dirty="0" err="1"/>
+                        <a:t>thi</a:t>
+                      </a:r>
+                      <a:endParaRPr lang="en-US" dirty="0"/>
+                    </a:p>
+                  </a:txBody>
+                  <a:tcPr/>
+                </a:tc>
+                <a:tc>
+                  <a:txBody>
+                    <a:bodyPr/>
+                    <a:lstStyle/>
+                    <a:p>
+                      <a:r>
+                        <a:rPr lang="en-US" dirty="0"/>
+                        <a:t>ten</a:t>
+                      </a:r>
+                    </a:p>
+                  </a:txBody>
+                  <a:tcPr/>
+                </a:tc>
+                <a:tc>
+                  <a:txBody>
+                    <a:bodyPr/>
+                    <a:lstStyle/>
+                    <a:p>
+                      <a:r>
+                        <a:rPr lang="en-US" dirty="0"/>
+                        <a:t>cent</a:t>
+                      </a:r>
+                    </a:p>
+                  </a:txBody>
+                  <a:tcPr/>
+                </a:tc>
+                <a:extLst>
+                  <a:ext uri="{0D108BD9-81ED-4DB2-BD59-A6C34878D82A}">
+                    <a16:rowId xmlns:a16="http://schemas.microsoft.com/office/drawing/2014/main" val="221520674"/>
+                  </a:ext>
+                </a:extLst>
+              </a:tr>
+              <a:tr h="370840">
+                <a:tc>
+                  <a:txBody>
+                    <a:bodyPr/>
+                    <a:lstStyle/>
+                    <a:p>
+                      <a:r>
+                        <a:rPr lang="en-US" dirty="0"/>
+                        <a:t>WordNet </a:t>
+                      </a:r>
+                      <a:r>
+                        <a:rPr lang="en-US" dirty="0" err="1"/>
+                        <a:t>lemmatizer</a:t>
+                      </a:r>
+                      <a:endParaRPr lang="en-US" dirty="0"/>
+                    </a:p>
+                  </a:txBody>
+                  <a:tcPr/>
+                </a:tc>
+                <a:tc>
+                  <a:txBody>
+                    <a:bodyPr/>
+                    <a:lstStyle/>
+                    <a:p>
+                      <a:r>
+                        <a:rPr lang="en-US" dirty="0"/>
+                        <a:t>The</a:t>
+                      </a:r>
+                    </a:p>
+                  </a:txBody>
+                  <a:tcPr/>
+                </a:tc>
+                <a:tc>
+                  <a:txBody>
+                    <a:bodyPr/>
+                    <a:lstStyle/>
+                    <a:p>
+                      <a:r>
+                        <a:rPr lang="en-US" dirty="0"/>
+                        <a:t>Williams</a:t>
+                      </a:r>
+                    </a:p>
+                  </a:txBody>
+                  <a:tcPr/>
+                </a:tc>
+                <a:tc>
+                  <a:txBody>
+                    <a:bodyPr/>
+                    <a:lstStyle/>
+                    <a:p>
+                      <a:r>
+                        <a:rPr lang="en-US" dirty="0"/>
+                        <a:t>sister</a:t>
+                      </a:r>
+                    </a:p>
+                  </a:txBody>
+                  <a:tcPr/>
+                </a:tc>
+                <a:tc>
+                  <a:txBody>
+                    <a:bodyPr/>
+                    <a:lstStyle/>
+                    <a:p>
+                      <a:r>
+                        <a:rPr lang="en-US" dirty="0"/>
+                        <a:t>are</a:t>
+                      </a:r>
+                    </a:p>
+                  </a:txBody>
+                  <a:tcPr/>
+                </a:tc>
+                <a:tc>
+                  <a:txBody>
+                    <a:bodyPr/>
+                    <a:lstStyle/>
+                    <a:p>
+                      <a:r>
+                        <a:rPr lang="en-US" dirty="0"/>
+                        <a:t>leaving</a:t>
+                      </a:r>
+                    </a:p>
+                  </a:txBody>
+                  <a:tcPr/>
+                </a:tc>
+                <a:tc>
+                  <a:txBody>
+                    <a:bodyPr/>
+                    <a:lstStyle/>
+                    <a:p>
+                      <a:r>
+                        <a:rPr lang="en-US" dirty="0"/>
+                        <a:t>this</a:t>
+                      </a:r>
+                    </a:p>
+                  </a:txBody>
+                  <a:tcPr/>
+                </a:tc>
+                <a:tc>
+                  <a:txBody>
+                    <a:bodyPr/>
+                    <a:lstStyle/>
+                    <a:p>
+                      <a:r>
+                        <a:rPr lang="en-US" dirty="0"/>
+                        <a:t>tennis</a:t>
+                      </a:r>
+                    </a:p>
+                  </a:txBody>
+                  <a:tcPr/>
+                </a:tc>
+                <a:tc>
+                  <a:txBody>
+                    <a:bodyPr/>
+                    <a:lstStyle/>
+                    <a:p>
+                      <a:r>
+                        <a:rPr lang="en-US" dirty="0" err="1"/>
+                        <a:t>centre</a:t>
+                      </a:r>
+                      <a:endParaRPr lang="en-US" dirty="0"/>
+                    </a:p>
+                  </a:txBody>
+                  <a:tcPr/>
+                </a:tc>
+                <a:extLst>
+                  <a:ext uri="{0D108BD9-81ED-4DB2-BD59-A6C34878D82A}">
+                    <a16:rowId xmlns:a16="http://schemas.microsoft.com/office/drawing/2014/main" val="2508136177"/>
+                  </a:ext>
+                </a:extLst>
+              </a:tr>
+            </a:tbl>
+          </a:graphicData>
+        </a:graphic>
+      </p:graphicFrame>
     </p:spTree>
     <p:extLst>
       <p:ext uri="{BB962C8B-B14F-4D97-AF65-F5344CB8AC3E}">
-        <p14:creationId xmlns:p14="http://schemas.microsoft.com/office/powerpoint/2010/main" val="4175339345"/>
+        <p14:creationId xmlns:p14="http://schemas.microsoft.com/office/powerpoint/2010/main" val="167471851"/>
+      </p:ext>
+    </p:extLst>
+  </p:cSld>
+  <p:clrMapOvr>
+    <a:masterClrMapping/>
+  </p:clrMapOvr>
+</p:sld>
+</file>
+
+<file path=ppt/slides/slide17.xml><?xml version="1.0" encoding="utf-8"?>
+<p:sld xmlns:a="http://schemas.openxmlformats.org/drawingml/2006/main" xmlns:r="http://schemas.openxmlformats.org/officeDocument/2006/relationships" xmlns:p="http://schemas.openxmlformats.org/presentationml/2006/main">
+  <p:cSld>
+    <p:spTree>
+      <p:nvGrpSpPr>
+        <p:cNvPr id="1" name=""/>
+        <p:cNvGrpSpPr/>
+        <p:nvPr/>
+      </p:nvGrpSpPr>
+      <p:grpSpPr>
+        <a:xfrm>
+          <a:off x="0" y="0"/>
+          <a:ext cx="0" cy="0"/>
+          <a:chOff x="0" y="0"/>
+          <a:chExt cx="0" cy="0"/>
+        </a:xfrm>
+      </p:grpSpPr>
+      <p:sp>
+        <p:nvSpPr>
+          <p:cNvPr id="2" name="Title 1">
+            <a:extLst>
+              <a:ext uri="{FF2B5EF4-FFF2-40B4-BE49-F238E27FC236}">
+                <a16:creationId xmlns:a16="http://schemas.microsoft.com/office/drawing/2014/main" id="{F0864926-2350-7E44-7905-3BE7FA93DECD}"/>
+              </a:ext>
+            </a:extLst>
+          </p:cNvPr>
+          <p:cNvSpPr>
+            <a:spLocks noGrp="1"/>
+          </p:cNvSpPr>
+          <p:nvPr>
+            <p:ph type="title"/>
+          </p:nvPr>
+        </p:nvSpPr>
+        <p:spPr/>
+        <p:txBody>
+          <a:bodyPr/>
+          <a:lstStyle/>
+          <a:p>
+            <a:r>
+              <a:rPr lang="en-US" sz="4400" b="1" dirty="0"/>
+              <a:t>Inflections matter?</a:t>
+            </a:r>
+            <a:endParaRPr lang="en-US" dirty="0"/>
+          </a:p>
+        </p:txBody>
+      </p:sp>
+      <p:sp>
+        <p:nvSpPr>
+          <p:cNvPr id="3" name="Content Placeholder 2">
+            <a:extLst>
+              <a:ext uri="{FF2B5EF4-FFF2-40B4-BE49-F238E27FC236}">
+                <a16:creationId xmlns:a16="http://schemas.microsoft.com/office/drawing/2014/main" id="{ACEE40A6-FDD2-40DB-DEC0-2BD98DE0E408}"/>
+              </a:ext>
+            </a:extLst>
+          </p:cNvPr>
+          <p:cNvSpPr>
+            <a:spLocks noGrp="1"/>
+          </p:cNvSpPr>
+          <p:nvPr>
+            <p:ph idx="1"/>
+          </p:nvPr>
+        </p:nvSpPr>
+        <p:spPr/>
+        <p:txBody>
+          <a:bodyPr>
+            <a:normAutofit fontScale="85000" lnSpcReduction="10000"/>
+          </a:bodyPr>
+          <a:lstStyle/>
+          <a:p>
+            <a:pPr>
+              <a:lnSpc>
+                <a:spcPct val="150000"/>
+              </a:lnSpc>
+            </a:pPr>
+            <a:r>
+              <a:rPr lang="en-US" b="1" dirty="0" err="1"/>
+              <a:t>Lemmatizers</a:t>
+            </a:r>
+            <a:r>
+              <a:rPr lang="en-US" dirty="0"/>
+              <a:t> are systems that identify the underlying lemma of a given wordform</a:t>
+            </a:r>
+          </a:p>
+          <a:p>
+            <a:pPr lvl="1">
+              <a:lnSpc>
+                <a:spcPct val="150000"/>
+              </a:lnSpc>
+            </a:pPr>
+            <a:r>
+              <a:rPr lang="en-US" dirty="0"/>
+              <a:t>Geese → Goose</a:t>
+            </a:r>
+          </a:p>
+          <a:p>
+            <a:pPr>
+              <a:lnSpc>
+                <a:spcPct val="150000"/>
+              </a:lnSpc>
+            </a:pPr>
+            <a:r>
+              <a:rPr lang="en-US" dirty="0"/>
+              <a:t>Generalization would matter</a:t>
+            </a:r>
+          </a:p>
+          <a:p>
+            <a:pPr lvl="1">
+              <a:lnSpc>
+                <a:spcPct val="150000"/>
+              </a:lnSpc>
+            </a:pPr>
+            <a:r>
+              <a:rPr lang="en-US" dirty="0"/>
+              <a:t>Even inaccurate stemming can improve bag-of-words classification</a:t>
+            </a:r>
+          </a:p>
+          <a:p>
+            <a:pPr lvl="2">
+              <a:lnSpc>
+                <a:spcPct val="150000"/>
+              </a:lnSpc>
+            </a:pPr>
+            <a:r>
+              <a:rPr lang="en-US" dirty="0"/>
+              <a:t>merging related strings and thereby reducing the vocabulary size </a:t>
+            </a:r>
+          </a:p>
+          <a:p>
+            <a:pPr lvl="1">
+              <a:lnSpc>
+                <a:spcPct val="150000"/>
+              </a:lnSpc>
+            </a:pPr>
+            <a:r>
+              <a:rPr lang="en-US" dirty="0"/>
+              <a:t>However, need to avoid the over-generalization errors</a:t>
+            </a:r>
+          </a:p>
+          <a:p>
+            <a:pPr>
+              <a:lnSpc>
+                <a:spcPct val="150000"/>
+              </a:lnSpc>
+            </a:pPr>
+            <a:r>
+              <a:rPr lang="en-US" dirty="0"/>
+              <a:t>Both stemming and lemmatization are language-specific</a:t>
+            </a:r>
+          </a:p>
+          <a:p>
+            <a:pPr lvl="1">
+              <a:lnSpc>
+                <a:spcPct val="150000"/>
+              </a:lnSpc>
+            </a:pPr>
+            <a:r>
+              <a:rPr lang="en-US" dirty="0"/>
+              <a:t>English stemmer or </a:t>
+            </a:r>
+            <a:r>
+              <a:rPr lang="en-US" dirty="0" err="1"/>
+              <a:t>lemmatizer</a:t>
+            </a:r>
+            <a:r>
+              <a:rPr lang="en-US" dirty="0"/>
+              <a:t> is of little use on a text in another language </a:t>
+            </a:r>
+          </a:p>
+          <a:p>
+            <a:pPr lvl="1">
+              <a:lnSpc>
+                <a:spcPct val="150000"/>
+              </a:lnSpc>
+            </a:pPr>
+            <a:endParaRPr lang="en-US" dirty="0"/>
+          </a:p>
+          <a:p>
+            <a:pPr>
+              <a:lnSpc>
+                <a:spcPct val="150000"/>
+              </a:lnSpc>
+            </a:pPr>
+            <a:endParaRPr lang="en-US" dirty="0"/>
+          </a:p>
+        </p:txBody>
+      </p:sp>
+    </p:spTree>
+    <p:extLst>
+      <p:ext uri="{BB962C8B-B14F-4D97-AF65-F5344CB8AC3E}">
+        <p14:creationId xmlns:p14="http://schemas.microsoft.com/office/powerpoint/2010/main" val="308518455"/>
+      </p:ext>
+    </p:extLst>
+  </p:cSld>
+  <p:clrMapOvr>
+    <a:masterClrMapping/>
+  </p:clrMapOvr>
+</p:sld>
+</file>
+
+<file path=ppt/slides/slide18.xml><?xml version="1.0" encoding="utf-8"?>
+<p:sld xmlns:a="http://schemas.openxmlformats.org/drawingml/2006/main" xmlns:r="http://schemas.openxmlformats.org/officeDocument/2006/relationships" xmlns:p="http://schemas.openxmlformats.org/presentationml/2006/main">
+  <p:cSld>
+    <p:spTree>
+      <p:nvGrpSpPr>
+        <p:cNvPr id="1" name=""/>
+        <p:cNvGrpSpPr/>
+        <p:nvPr/>
+      </p:nvGrpSpPr>
+      <p:grpSpPr>
+        <a:xfrm>
+          <a:off x="0" y="0"/>
+          <a:ext cx="0" cy="0"/>
+          <a:chOff x="0" y="0"/>
+          <a:chExt cx="0" cy="0"/>
+        </a:xfrm>
+      </p:grpSpPr>
+      <p:sp>
+        <p:nvSpPr>
+          <p:cNvPr id="2" name="Title 1">
+            <a:extLst>
+              <a:ext uri="{FF2B5EF4-FFF2-40B4-BE49-F238E27FC236}">
+                <a16:creationId xmlns:a16="http://schemas.microsoft.com/office/drawing/2014/main" id="{431583CE-2244-3427-CE2D-3043FC51BF69}"/>
+              </a:ext>
+            </a:extLst>
+          </p:cNvPr>
+          <p:cNvSpPr>
+            <a:spLocks noGrp="1"/>
+          </p:cNvSpPr>
+          <p:nvPr>
+            <p:ph type="title"/>
+          </p:nvPr>
+        </p:nvSpPr>
+        <p:spPr/>
+        <p:txBody>
+          <a:bodyPr>
+            <a:normAutofit/>
+          </a:bodyPr>
+          <a:lstStyle/>
+          <a:p>
+            <a:r>
+              <a:rPr lang="en-US" sz="4000" b="1" dirty="0"/>
+              <a:t>Normalization is kind of smoothing </a:t>
+            </a:r>
+          </a:p>
+        </p:txBody>
+      </p:sp>
+      <p:sp>
+        <p:nvSpPr>
+          <p:cNvPr id="3" name="Content Placeholder 2">
+            <a:extLst>
+              <a:ext uri="{FF2B5EF4-FFF2-40B4-BE49-F238E27FC236}">
+                <a16:creationId xmlns:a16="http://schemas.microsoft.com/office/drawing/2014/main" id="{73367B42-549B-382F-0781-6DED21991593}"/>
+              </a:ext>
+            </a:extLst>
+          </p:cNvPr>
+          <p:cNvSpPr>
+            <a:spLocks noGrp="1"/>
+          </p:cNvSpPr>
+          <p:nvPr>
+            <p:ph idx="1"/>
+          </p:nvPr>
+        </p:nvSpPr>
+        <p:spPr/>
+        <p:txBody>
+          <a:bodyPr/>
+          <a:lstStyle/>
+          <a:p>
+            <a:r>
+              <a:rPr lang="en-US" dirty="0"/>
+              <a:t>The value of normalization depends on the data and the task</a:t>
+            </a:r>
+          </a:p>
+          <a:p>
+            <a:pPr lvl="1"/>
+            <a:r>
+              <a:rPr lang="en-US" dirty="0"/>
+              <a:t>Normalization reduces the size of the feature space</a:t>
+            </a:r>
+          </a:p>
+          <a:p>
+            <a:pPr lvl="1"/>
+            <a:r>
+              <a:rPr lang="en-US" dirty="0"/>
+              <a:t>Can help in generalization</a:t>
+            </a:r>
+          </a:p>
+          <a:p>
+            <a:r>
+              <a:rPr lang="en-US" dirty="0"/>
+              <a:t>There is always the risk of merging away meaningful distinctions</a:t>
+            </a:r>
+          </a:p>
+          <a:p>
+            <a:r>
+              <a:rPr lang="en-US" dirty="0"/>
+              <a:t>In supervised machine learning, regularization and smoothing can play a similar role to normalization</a:t>
+            </a:r>
+          </a:p>
+          <a:p>
+            <a:pPr lvl="1"/>
+            <a:r>
+              <a:rPr lang="en-US" dirty="0"/>
+              <a:t>Mitigate overfitting to rare (language-specific) features</a:t>
+            </a:r>
+          </a:p>
+          <a:p>
+            <a:r>
+              <a:rPr lang="en-US" dirty="0"/>
+              <a:t>In unsupervised learning, such as topic modeling, normalization is even more critical</a:t>
+            </a:r>
+          </a:p>
+          <a:p>
+            <a:pPr marL="457200" lvl="1" indent="0">
+              <a:buNone/>
+            </a:pPr>
+            <a:endParaRPr lang="en-US" dirty="0"/>
+          </a:p>
+        </p:txBody>
+      </p:sp>
+    </p:spTree>
+    <p:extLst>
+      <p:ext uri="{BB962C8B-B14F-4D97-AF65-F5344CB8AC3E}">
+        <p14:creationId xmlns:p14="http://schemas.microsoft.com/office/powerpoint/2010/main" val="960984645"/>
+      </p:ext>
+    </p:extLst>
+  </p:cSld>
+  <p:clrMapOvr>
+    <a:masterClrMapping/>
+  </p:clrMapOvr>
+</p:sld>
+</file>
+
+<file path=ppt/slides/slide19.xml><?xml version="1.0" encoding="utf-8"?>
+<p:sld xmlns:a="http://schemas.openxmlformats.org/drawingml/2006/main" xmlns:r="http://schemas.openxmlformats.org/officeDocument/2006/relationships" xmlns:p="http://schemas.openxmlformats.org/presentationml/2006/main">
+  <p:cSld>
+    <p:spTree>
+      <p:nvGrpSpPr>
+        <p:cNvPr id="1" name=""/>
+        <p:cNvGrpSpPr/>
+        <p:nvPr/>
+      </p:nvGrpSpPr>
+      <p:grpSpPr>
+        <a:xfrm>
+          <a:off x="0" y="0"/>
+          <a:ext cx="0" cy="0"/>
+          <a:chOff x="0" y="0"/>
+          <a:chExt cx="0" cy="0"/>
+        </a:xfrm>
+      </p:grpSpPr>
+      <p:sp>
+        <p:nvSpPr>
+          <p:cNvPr id="2" name="Title 1">
+            <a:extLst>
+              <a:ext uri="{FF2B5EF4-FFF2-40B4-BE49-F238E27FC236}">
+                <a16:creationId xmlns:a16="http://schemas.microsoft.com/office/drawing/2014/main" id="{72C226BB-651F-05E5-73B9-0385E0F0987A}"/>
+              </a:ext>
+            </a:extLst>
+          </p:cNvPr>
+          <p:cNvSpPr>
+            <a:spLocks noGrp="1"/>
+          </p:cNvSpPr>
+          <p:nvPr>
+            <p:ph type="title"/>
+          </p:nvPr>
+        </p:nvSpPr>
+        <p:spPr/>
+        <p:txBody>
+          <a:bodyPr>
+            <a:normAutofit/>
+          </a:bodyPr>
+          <a:lstStyle/>
+          <a:p>
+            <a:r>
+              <a:rPr lang="en-US" sz="4000" b="1" dirty="0"/>
+              <a:t>How many words?</a:t>
+            </a:r>
+          </a:p>
+        </p:txBody>
+      </p:sp>
+      <p:sp>
+        <p:nvSpPr>
+          <p:cNvPr id="3" name="Content Placeholder 2">
+            <a:extLst>
+              <a:ext uri="{FF2B5EF4-FFF2-40B4-BE49-F238E27FC236}">
+                <a16:creationId xmlns:a16="http://schemas.microsoft.com/office/drawing/2014/main" id="{A5F27AB1-81AB-EFF6-22EE-21E931D47360}"/>
+              </a:ext>
+            </a:extLst>
+          </p:cNvPr>
+          <p:cNvSpPr>
+            <a:spLocks noGrp="1"/>
+          </p:cNvSpPr>
+          <p:nvPr>
+            <p:ph idx="1"/>
+          </p:nvPr>
+        </p:nvSpPr>
+        <p:spPr/>
+        <p:txBody>
+          <a:bodyPr/>
+          <a:lstStyle/>
+          <a:p>
+            <a:r>
+              <a:rPr lang="en-US" dirty="0"/>
+              <a:t>Limiting the size of the feature vector reduces the memory and increases the speed of prediction</a:t>
+            </a:r>
+          </a:p>
+          <a:p>
+            <a:r>
+              <a:rPr lang="en-US" dirty="0"/>
+              <a:t>Normalization can help to play this role, but a more direct approach is simply to limit the vocabulary to the </a:t>
+            </a:r>
+            <a:r>
+              <a:rPr lang="en-US" b="1" i="1" dirty="0"/>
+              <a:t>N</a:t>
+            </a:r>
+            <a:r>
+              <a:rPr lang="en-US" dirty="0"/>
+              <a:t> most frequent words in the dataset</a:t>
+            </a:r>
+          </a:p>
+          <a:p>
+            <a:endParaRPr lang="en-US" dirty="0"/>
+          </a:p>
+        </p:txBody>
+      </p:sp>
+      <p:pic>
+        <p:nvPicPr>
+          <p:cNvPr id="5" name="Picture 4" descr="Chart&#10;&#10;Description automatically generated">
+            <a:extLst>
+              <a:ext uri="{FF2B5EF4-FFF2-40B4-BE49-F238E27FC236}">
+                <a16:creationId xmlns:a16="http://schemas.microsoft.com/office/drawing/2014/main" id="{FE18B823-46D5-8FC4-CE5B-A968DC2934F6}"/>
+              </a:ext>
+            </a:extLst>
+          </p:cNvPr>
+          <p:cNvPicPr>
+            <a:picLocks noChangeAspect="1"/>
+          </p:cNvPicPr>
+          <p:nvPr/>
+        </p:nvPicPr>
+        <p:blipFill>
+          <a:blip r:embed="rId2"/>
+          <a:stretch>
+            <a:fillRect/>
+          </a:stretch>
+        </p:blipFill>
+        <p:spPr>
+          <a:xfrm>
+            <a:off x="2588342" y="3920178"/>
+            <a:ext cx="6248400" cy="2844800"/>
+          </a:xfrm>
+          <a:prstGeom prst="rect">
+            <a:avLst/>
+          </a:prstGeom>
+        </p:spPr>
+      </p:pic>
+    </p:spTree>
+    <p:extLst>
+      <p:ext uri="{BB962C8B-B14F-4D97-AF65-F5344CB8AC3E}">
+        <p14:creationId xmlns:p14="http://schemas.microsoft.com/office/powerpoint/2010/main" val="519108646"/>
       </p:ext>
     </p:extLst>
   </p:cSld>
@@ -5103,6 +6368,263 @@
     <p:extLst>
       <p:ext uri="{BB962C8B-B14F-4D97-AF65-F5344CB8AC3E}">
         <p14:creationId xmlns:p14="http://schemas.microsoft.com/office/powerpoint/2010/main" val="2656601842"/>
+      </p:ext>
+    </p:extLst>
+  </p:cSld>
+  <p:clrMapOvr>
+    <a:masterClrMapping/>
+  </p:clrMapOvr>
+</p:sld>
+</file>
+
+<file path=ppt/slides/slide20.xml><?xml version="1.0" encoding="utf-8"?>
+<p:sld xmlns:a="http://schemas.openxmlformats.org/drawingml/2006/main" xmlns:r="http://schemas.openxmlformats.org/officeDocument/2006/relationships" xmlns:p="http://schemas.openxmlformats.org/presentationml/2006/main">
+  <p:cSld>
+    <p:spTree>
+      <p:nvGrpSpPr>
+        <p:cNvPr id="1" name=""/>
+        <p:cNvGrpSpPr/>
+        <p:nvPr/>
+      </p:nvGrpSpPr>
+      <p:grpSpPr>
+        <a:xfrm>
+          <a:off x="0" y="0"/>
+          <a:ext cx="0" cy="0"/>
+          <a:chOff x="0" y="0"/>
+          <a:chExt cx="0" cy="0"/>
+        </a:xfrm>
+      </p:grpSpPr>
+      <p:sp>
+        <p:nvSpPr>
+          <p:cNvPr id="2" name="Title 1">
+            <a:extLst>
+              <a:ext uri="{FF2B5EF4-FFF2-40B4-BE49-F238E27FC236}">
+                <a16:creationId xmlns:a16="http://schemas.microsoft.com/office/drawing/2014/main" id="{9FFBA685-8998-CA96-5013-A82A612CBB73}"/>
+              </a:ext>
+            </a:extLst>
+          </p:cNvPr>
+          <p:cNvSpPr>
+            <a:spLocks noGrp="1"/>
+          </p:cNvSpPr>
+          <p:nvPr>
+            <p:ph type="title"/>
+          </p:nvPr>
+        </p:nvSpPr>
+        <p:spPr/>
+        <p:txBody>
+          <a:bodyPr/>
+          <a:lstStyle/>
+          <a:p>
+            <a:endParaRPr lang="en-US"/>
+          </a:p>
+        </p:txBody>
+      </p:sp>
+      <p:sp>
+        <p:nvSpPr>
+          <p:cNvPr id="3" name="Content Placeholder 2">
+            <a:extLst>
+              <a:ext uri="{FF2B5EF4-FFF2-40B4-BE49-F238E27FC236}">
+                <a16:creationId xmlns:a16="http://schemas.microsoft.com/office/drawing/2014/main" id="{51705654-0712-B1B8-F042-57E8A96BB9C9}"/>
+              </a:ext>
+            </a:extLst>
+          </p:cNvPr>
+          <p:cNvSpPr>
+            <a:spLocks noGrp="1"/>
+          </p:cNvSpPr>
+          <p:nvPr>
+            <p:ph idx="1"/>
+          </p:nvPr>
+        </p:nvSpPr>
+        <p:spPr/>
+        <p:txBody>
+          <a:bodyPr/>
+          <a:lstStyle/>
+          <a:p>
+            <a:r>
+              <a:rPr lang="en-US" dirty="0"/>
+              <a:t>Eliminating rare words is </a:t>
+            </a:r>
+            <a:r>
+              <a:rPr lang="en-US"/>
+              <a:t>not always ad</a:t>
+            </a:r>
+          </a:p>
+        </p:txBody>
+      </p:sp>
+    </p:spTree>
+    <p:extLst>
+      <p:ext uri="{BB962C8B-B14F-4D97-AF65-F5344CB8AC3E}">
+        <p14:creationId xmlns:p14="http://schemas.microsoft.com/office/powerpoint/2010/main" val="2753110972"/>
+      </p:ext>
+    </p:extLst>
+  </p:cSld>
+  <p:clrMapOvr>
+    <a:masterClrMapping/>
+  </p:clrMapOvr>
+</p:sld>
+</file>
+
+<file path=ppt/slides/slide21.xml><?xml version="1.0" encoding="utf-8"?>
+<p:sld xmlns:a="http://schemas.openxmlformats.org/drawingml/2006/main" xmlns:r="http://schemas.openxmlformats.org/officeDocument/2006/relationships" xmlns:p="http://schemas.openxmlformats.org/presentationml/2006/main">
+  <p:cSld>
+    <p:spTree>
+      <p:nvGrpSpPr>
+        <p:cNvPr id="1" name=""/>
+        <p:cNvGrpSpPr/>
+        <p:nvPr/>
+      </p:nvGrpSpPr>
+      <p:grpSpPr>
+        <a:xfrm>
+          <a:off x="0" y="0"/>
+          <a:ext cx="0" cy="0"/>
+          <a:chOff x="0" y="0"/>
+          <a:chExt cx="0" cy="0"/>
+        </a:xfrm>
+      </p:grpSpPr>
+      <p:sp>
+        <p:nvSpPr>
+          <p:cNvPr id="2" name="Title 1">
+            <a:extLst>
+              <a:ext uri="{FF2B5EF4-FFF2-40B4-BE49-F238E27FC236}">
+                <a16:creationId xmlns:a16="http://schemas.microsoft.com/office/drawing/2014/main" id="{3828B03F-971E-FF64-71EA-0F7028825BD7}"/>
+              </a:ext>
+            </a:extLst>
+          </p:cNvPr>
+          <p:cNvSpPr>
+            <a:spLocks noGrp="1"/>
+          </p:cNvSpPr>
+          <p:nvPr>
+            <p:ph type="title"/>
+          </p:nvPr>
+        </p:nvSpPr>
+        <p:spPr/>
+        <p:txBody>
+          <a:bodyPr/>
+          <a:lstStyle/>
+          <a:p>
+            <a:r>
+              <a:rPr lang="en-US" dirty="0"/>
+              <a:t>Presence vs. </a:t>
+            </a:r>
+            <a:r>
+              <a:rPr lang="en-US"/>
+              <a:t>count</a:t>
+            </a:r>
+          </a:p>
+        </p:txBody>
+      </p:sp>
+      <p:sp>
+        <p:nvSpPr>
+          <p:cNvPr id="3" name="Content Placeholder 2">
+            <a:extLst>
+              <a:ext uri="{FF2B5EF4-FFF2-40B4-BE49-F238E27FC236}">
+                <a16:creationId xmlns:a16="http://schemas.microsoft.com/office/drawing/2014/main" id="{DDBF1CB3-1470-228F-F3C4-530F2391EEF7}"/>
+              </a:ext>
+            </a:extLst>
+          </p:cNvPr>
+          <p:cNvSpPr>
+            <a:spLocks noGrp="1"/>
+          </p:cNvSpPr>
+          <p:nvPr>
+            <p:ph idx="1"/>
+          </p:nvPr>
+        </p:nvSpPr>
+        <p:spPr/>
+        <p:txBody>
+          <a:bodyPr/>
+          <a:lstStyle/>
+          <a:p>
+            <a:endParaRPr lang="en-US"/>
+          </a:p>
+        </p:txBody>
+      </p:sp>
+    </p:spTree>
+    <p:extLst>
+      <p:ext uri="{BB962C8B-B14F-4D97-AF65-F5344CB8AC3E}">
+        <p14:creationId xmlns:p14="http://schemas.microsoft.com/office/powerpoint/2010/main" val="4175339345"/>
+      </p:ext>
+    </p:extLst>
+  </p:cSld>
+  <p:clrMapOvr>
+    <a:masterClrMapping/>
+  </p:clrMapOvr>
+</p:sld>
+</file>
+
+<file path=ppt/slides/slide22.xml><?xml version="1.0" encoding="utf-8"?>
+<p:sld xmlns:a="http://schemas.openxmlformats.org/drawingml/2006/main" xmlns:r="http://schemas.openxmlformats.org/officeDocument/2006/relationships" xmlns:p="http://schemas.openxmlformats.org/presentationml/2006/main">
+  <p:cSld>
+    <p:spTree>
+      <p:nvGrpSpPr>
+        <p:cNvPr id="1" name=""/>
+        <p:cNvGrpSpPr/>
+        <p:nvPr/>
+      </p:nvGrpSpPr>
+      <p:grpSpPr>
+        <a:xfrm>
+          <a:off x="0" y="0"/>
+          <a:ext cx="0" cy="0"/>
+          <a:chOff x="0" y="0"/>
+          <a:chExt cx="0" cy="0"/>
+        </a:xfrm>
+      </p:grpSpPr>
+      <p:sp>
+        <p:nvSpPr>
+          <p:cNvPr id="2" name="Title 1">
+            <a:extLst>
+              <a:ext uri="{FF2B5EF4-FFF2-40B4-BE49-F238E27FC236}">
+                <a16:creationId xmlns:a16="http://schemas.microsoft.com/office/drawing/2014/main" id="{84996B6A-B8F5-0C25-57BB-8D90D33EBC23}"/>
+              </a:ext>
+            </a:extLst>
+          </p:cNvPr>
+          <p:cNvSpPr>
+            <a:spLocks noGrp="1"/>
+          </p:cNvSpPr>
+          <p:nvPr>
+            <p:ph type="title"/>
+          </p:nvPr>
+        </p:nvSpPr>
+        <p:spPr/>
+        <p:txBody>
+          <a:bodyPr/>
+          <a:lstStyle/>
+          <a:p>
+            <a:r>
+              <a:rPr lang="en-US" dirty="0"/>
+              <a:t>Precision, recall, and F (Jacob)</a:t>
+            </a:r>
+          </a:p>
+        </p:txBody>
+      </p:sp>
+      <p:sp>
+        <p:nvSpPr>
+          <p:cNvPr id="3" name="Content Placeholder 2">
+            <a:extLst>
+              <a:ext uri="{FF2B5EF4-FFF2-40B4-BE49-F238E27FC236}">
+                <a16:creationId xmlns:a16="http://schemas.microsoft.com/office/drawing/2014/main" id="{0322DB20-DB71-18F7-B7BD-330A6922DDDA}"/>
+              </a:ext>
+            </a:extLst>
+          </p:cNvPr>
+          <p:cNvSpPr>
+            <a:spLocks noGrp="1"/>
+          </p:cNvSpPr>
+          <p:nvPr>
+            <p:ph idx="1"/>
+          </p:nvPr>
+        </p:nvSpPr>
+        <p:spPr/>
+        <p:txBody>
+          <a:bodyPr/>
+          <a:lstStyle/>
+          <a:p>
+            <a:endParaRPr lang="en-US"/>
+          </a:p>
+        </p:txBody>
+      </p:sp>
+    </p:spTree>
+    <p:extLst>
+      <p:ext uri="{BB962C8B-B14F-4D97-AF65-F5344CB8AC3E}">
+        <p14:creationId xmlns:p14="http://schemas.microsoft.com/office/powerpoint/2010/main" val="997512166"/>
       </p:ext>
     </p:extLst>
   </p:cSld>

--- a/BUS243_NLP/lecture_notes/Lecture2.pptx
+++ b/BUS243_NLP/lecture_notes/Lecture2.pptx
@@ -5,7 +5,7 @@
     <p:sldMasterId id="2147483775" r:id="rId1"/>
   </p:sldMasterIdLst>
   <p:notesMasterIdLst>
-    <p:notesMasterId r:id="rId24"/>
+    <p:notesMasterId r:id="rId33"/>
   </p:notesMasterIdLst>
   <p:sldIdLst>
     <p:sldId id="256" r:id="rId2"/>
@@ -29,7 +29,16 @@
     <p:sldId id="278" r:id="rId20"/>
     <p:sldId id="280" r:id="rId21"/>
     <p:sldId id="269" r:id="rId22"/>
-    <p:sldId id="279" r:id="rId23"/>
+    <p:sldId id="283" r:id="rId23"/>
+    <p:sldId id="284" r:id="rId24"/>
+    <p:sldId id="285" r:id="rId25"/>
+    <p:sldId id="286" r:id="rId26"/>
+    <p:sldId id="281" r:id="rId27"/>
+    <p:sldId id="282" r:id="rId28"/>
+    <p:sldId id="287" r:id="rId29"/>
+    <p:sldId id="279" r:id="rId30"/>
+    <p:sldId id="288" r:id="rId31"/>
+    <p:sldId id="289" r:id="rId32"/>
   </p:sldIdLst>
   <p:sldSz cx="12192000" cy="6858000"/>
   <p:notesSz cx="6858000" cy="9144000"/>
@@ -218,7 +227,7 @@
           <a:p>
             <a:fld id="{6C062D5C-E428-DA43-AA54-C279CF805B17}" type="datetimeFigureOut">
               <a:rPr lang="en-US" smtClean="0"/>
-              <a:t>3/9/23</a:t>
+              <a:t>3/10/23</a:t>
             </a:fld>
             <a:endParaRPr lang="en-US"/>
           </a:p>
@@ -634,7 +643,7 @@
             <a:fld id="{3F9AFA87-1417-4992-ABD9-27C3BC8CC883}" type="datetimeFigureOut">
               <a:rPr lang="en-US" smtClean="0"/>
               <a:pPr algn="r"/>
-              <a:t>3/9/23</a:t>
+              <a:t>3/10/23</a:t>
             </a:fld>
             <a:endParaRPr lang="en-US" dirty="0"/>
           </a:p>
@@ -833,7 +842,7 @@
           <a:p>
             <a:fld id="{3F9AFA87-1417-4992-ABD9-27C3BC8CC883}" type="datetimeFigureOut">
               <a:rPr lang="en-US" smtClean="0"/>
-              <a:t>3/9/23</a:t>
+              <a:t>3/10/23</a:t>
             </a:fld>
             <a:endParaRPr lang="en-US"/>
           </a:p>
@@ -1041,7 +1050,7 @@
           <a:p>
             <a:fld id="{3F9AFA87-1417-4992-ABD9-27C3BC8CC883}" type="datetimeFigureOut">
               <a:rPr lang="en-US" smtClean="0"/>
-              <a:t>3/9/23</a:t>
+              <a:t>3/10/23</a:t>
             </a:fld>
             <a:endParaRPr lang="en-US"/>
           </a:p>
@@ -1239,7 +1248,7 @@
           <a:p>
             <a:fld id="{3F9AFA87-1417-4992-ABD9-27C3BC8CC883}" type="datetimeFigureOut">
               <a:rPr lang="en-US" smtClean="0"/>
-              <a:t>3/9/23</a:t>
+              <a:t>3/10/23</a:t>
             </a:fld>
             <a:endParaRPr lang="en-US"/>
           </a:p>
@@ -1514,7 +1523,7 @@
           <a:p>
             <a:fld id="{3F9AFA87-1417-4992-ABD9-27C3BC8CC883}" type="datetimeFigureOut">
               <a:rPr lang="en-US" smtClean="0"/>
-              <a:t>3/9/23</a:t>
+              <a:t>3/10/23</a:t>
             </a:fld>
             <a:endParaRPr lang="en-US"/>
           </a:p>
@@ -1779,7 +1788,7 @@
           <a:p>
             <a:fld id="{3F9AFA87-1417-4992-ABD9-27C3BC8CC883}" type="datetimeFigureOut">
               <a:rPr lang="en-US" smtClean="0"/>
-              <a:t>3/9/23</a:t>
+              <a:t>3/10/23</a:t>
             </a:fld>
             <a:endParaRPr lang="en-US" dirty="0"/>
           </a:p>
@@ -2193,7 +2202,7 @@
             <a:fld id="{3F9AFA87-1417-4992-ABD9-27C3BC8CC883}" type="datetimeFigureOut">
               <a:rPr lang="en-US" smtClean="0"/>
               <a:pPr algn="r"/>
-              <a:t>3/9/23</a:t>
+              <a:t>3/10/23</a:t>
             </a:fld>
             <a:endParaRPr lang="en-US" dirty="0"/>
           </a:p>
@@ -2335,7 +2344,7 @@
           <a:p>
             <a:fld id="{3F9AFA87-1417-4992-ABD9-27C3BC8CC883}" type="datetimeFigureOut">
               <a:rPr lang="en-US" smtClean="0"/>
-              <a:t>3/9/23</a:t>
+              <a:t>3/10/23</a:t>
             </a:fld>
             <a:endParaRPr lang="en-US"/>
           </a:p>
@@ -2448,7 +2457,7 @@
           <a:p>
             <a:fld id="{3F9AFA87-1417-4992-ABD9-27C3BC8CC883}" type="datetimeFigureOut">
               <a:rPr lang="en-US" smtClean="0"/>
-              <a:t>3/9/23</a:t>
+              <a:t>3/10/23</a:t>
             </a:fld>
             <a:endParaRPr lang="en-US"/>
           </a:p>
@@ -2759,7 +2768,7 @@
           <a:p>
             <a:fld id="{3F9AFA87-1417-4992-ABD9-27C3BC8CC883}" type="datetimeFigureOut">
               <a:rPr lang="en-US" smtClean="0"/>
-              <a:t>3/9/23</a:t>
+              <a:t>3/10/23</a:t>
             </a:fld>
             <a:endParaRPr lang="en-US"/>
           </a:p>
@@ -3047,7 +3056,7 @@
           <a:p>
             <a:fld id="{3F9AFA87-1417-4992-ABD9-27C3BC8CC883}" type="datetimeFigureOut">
               <a:rPr lang="en-US" smtClean="0"/>
-              <a:t>3/9/23</a:t>
+              <a:t>3/10/23</a:t>
             </a:fld>
             <a:endParaRPr lang="en-US"/>
           </a:p>
@@ -3290,7 +3299,7 @@
             <a:fld id="{3F9AFA87-1417-4992-ABD9-27C3BC8CC883}" type="datetimeFigureOut">
               <a:rPr lang="en-US" smtClean="0"/>
               <a:pPr algn="r"/>
-              <a:t>3/9/23</a:t>
+              <a:t>3/10/23</a:t>
             </a:fld>
             <a:endParaRPr lang="en-US" dirty="0"/>
           </a:p>
@@ -5673,14 +5682,16 @@
         </p:nvSpPr>
         <p:spPr/>
         <p:txBody>
-          <a:bodyPr/>
+          <a:bodyPr>
+            <a:normAutofit/>
+          </a:bodyPr>
           <a:lstStyle/>
           <a:p>
             <a:r>
-              <a:rPr lang="en-US" sz="4400" b="1" dirty="0"/>
+              <a:rPr lang="en-US" sz="4000" b="1" dirty="0"/>
               <a:t>Inflections matter?</a:t>
             </a:r>
-            <a:endParaRPr lang="en-US" dirty="0"/>
+            <a:endParaRPr lang="en-US" sz="4000" dirty="0"/>
           </a:p>
         </p:txBody>
       </p:sp>
@@ -6412,42 +6423,120 @@
         </p:nvSpPr>
         <p:spPr/>
         <p:txBody>
+          <a:bodyPr>
+            <a:normAutofit/>
+          </a:bodyPr>
+          <a:lstStyle/>
+          <a:p>
+            <a:r>
+              <a:rPr lang="en-US" sz="4000" b="1" dirty="0" err="1"/>
+              <a:t>Stopwords</a:t>
+            </a:r>
+            <a:endParaRPr lang="en-US" sz="4000" b="1" dirty="0"/>
+          </a:p>
+        </p:txBody>
+      </p:sp>
+      <p:sp>
+        <p:nvSpPr>
+          <p:cNvPr id="3" name="Content Placeholder 2">
+            <a:extLst>
+              <a:ext uri="{FF2B5EF4-FFF2-40B4-BE49-F238E27FC236}">
+                <a16:creationId xmlns:a16="http://schemas.microsoft.com/office/drawing/2014/main" id="{51705654-0712-B1B8-F042-57E8A96BB9C9}"/>
+              </a:ext>
+            </a:extLst>
+          </p:cNvPr>
+          <p:cNvSpPr>
+            <a:spLocks noGrp="1"/>
+          </p:cNvSpPr>
+          <p:nvPr>
+            <p:ph idx="1"/>
+          </p:nvPr>
+        </p:nvSpPr>
+        <p:spPr/>
+        <p:txBody>
           <a:bodyPr/>
           <a:lstStyle/>
           <a:p>
-            <a:endParaRPr lang="en-US"/>
-          </a:p>
-        </p:txBody>
-      </p:sp>
-      <p:sp>
-        <p:nvSpPr>
-          <p:cNvPr id="3" name="Content Placeholder 2">
-            <a:extLst>
-              <a:ext uri="{FF2B5EF4-FFF2-40B4-BE49-F238E27FC236}">
-                <a16:creationId xmlns:a16="http://schemas.microsoft.com/office/drawing/2014/main" id="{51705654-0712-B1B8-F042-57E8A96BB9C9}"/>
-              </a:ext>
-            </a:extLst>
-          </p:cNvPr>
-          <p:cNvSpPr>
-            <a:spLocks noGrp="1"/>
-          </p:cNvSpPr>
-          <p:nvPr>
-            <p:ph idx="1"/>
-          </p:nvPr>
-        </p:nvSpPr>
-        <p:spPr/>
-        <p:txBody>
-          <a:bodyPr/>
-          <a:lstStyle/>
-          <a:p>
-            <a:r>
-              <a:rPr lang="en-US" dirty="0"/>
-              <a:t>Eliminating rare words is </a:t>
-            </a:r>
-            <a:r>
-              <a:rPr lang="en-US"/>
-              <a:t>not always ad</a:t>
-            </a:r>
+            <a:r>
+              <a:rPr lang="en-US" dirty="0"/>
+              <a:t>Another way to reduce the size is to eliminate </a:t>
+            </a:r>
+            <a:r>
+              <a:rPr lang="en-US" dirty="0" err="1"/>
+              <a:t>stopwords</a:t>
+            </a:r>
+            <a:r>
+              <a:rPr lang="en-US" dirty="0"/>
+              <a:t> (the, to,…)</a:t>
+            </a:r>
+          </a:p>
+          <a:p>
+            <a:pPr lvl="1"/>
+            <a:r>
+              <a:rPr lang="en-US" dirty="0"/>
+              <a:t>Typically done by creating a </a:t>
+            </a:r>
+            <a:r>
+              <a:rPr lang="en-US" dirty="0" err="1"/>
+              <a:t>stoplist</a:t>
+            </a:r>
+            <a:r>
+              <a:rPr lang="en-US" dirty="0"/>
+              <a:t> (</a:t>
+            </a:r>
+            <a:r>
+              <a:rPr lang="en-US" dirty="0" err="1"/>
+              <a:t>nltk</a:t>
+            </a:r>
+            <a:r>
+              <a:rPr lang="en-US" dirty="0"/>
+              <a:t> </a:t>
+            </a:r>
+            <a:r>
+              <a:rPr lang="en-US" dirty="0" err="1"/>
+              <a:t>stopwords</a:t>
+            </a:r>
+            <a:r>
+              <a:rPr lang="en-US" dirty="0"/>
+              <a:t>) and ignoring all terms that match the list</a:t>
+            </a:r>
+          </a:p>
+          <a:p>
+            <a:r>
+              <a:rPr lang="en-US" dirty="0"/>
+              <a:t>However, seemingly inconsequential words can offer surprising insights about the author or nature of the text (</a:t>
+            </a:r>
+            <a:r>
+              <a:rPr lang="en-US" dirty="0" err="1"/>
+              <a:t>Biber</a:t>
+            </a:r>
+            <a:r>
+              <a:rPr lang="en-US" dirty="0"/>
+              <a:t> 1991)</a:t>
+            </a:r>
+          </a:p>
+          <a:p>
+            <a:r>
+              <a:rPr lang="en-US" dirty="0"/>
+              <a:t>High-frequency words are unlikely to cause overfitting in discriminative classifiers</a:t>
+            </a:r>
+          </a:p>
+          <a:p>
+            <a:r>
+              <a:rPr lang="en-US" dirty="0"/>
+              <a:t>As with normalization, </a:t>
+            </a:r>
+            <a:r>
+              <a:rPr lang="en-US" dirty="0" err="1"/>
+              <a:t>stopword</a:t>
+            </a:r>
+            <a:r>
+              <a:rPr lang="en-US" dirty="0"/>
+              <a:t> filtering is more important for unsupervised problems, such as term-based document retrieval</a:t>
+            </a:r>
+          </a:p>
+          <a:p>
+            <a:endParaRPr lang="en-US" dirty="0"/>
           </a:p>
         </p:txBody>
       </p:sp>
@@ -6499,42 +6588,114 @@
         </p:nvSpPr>
         <p:spPr/>
         <p:txBody>
-          <a:bodyPr/>
+          <a:bodyPr>
+            <a:normAutofit/>
+          </a:bodyPr>
           <a:lstStyle/>
           <a:p>
             <a:r>
-              <a:rPr lang="en-US" dirty="0"/>
-              <a:t>Presence vs. </a:t>
-            </a:r>
-            <a:r>
-              <a:rPr lang="en-US"/>
+              <a:rPr lang="en-US" sz="4000" b="1" dirty="0"/>
+              <a:t>Count or binary?</a:t>
+            </a:r>
+          </a:p>
+        </p:txBody>
+      </p:sp>
+      <p:sp>
+        <p:nvSpPr>
+          <p:cNvPr id="3" name="Content Placeholder 2">
+            <a:extLst>
+              <a:ext uri="{FF2B5EF4-FFF2-40B4-BE49-F238E27FC236}">
+                <a16:creationId xmlns:a16="http://schemas.microsoft.com/office/drawing/2014/main" id="{DDBF1CB3-1470-228F-F3C4-530F2391EEF7}"/>
+              </a:ext>
+            </a:extLst>
+          </p:cNvPr>
+          <p:cNvSpPr>
+            <a:spLocks noGrp="1"/>
+          </p:cNvSpPr>
+          <p:nvPr>
+            <p:ph idx="1"/>
+          </p:nvPr>
+        </p:nvSpPr>
+        <p:spPr/>
+        <p:txBody>
+          <a:bodyPr>
+            <a:normAutofit fontScale="92500"/>
+          </a:bodyPr>
+          <a:lstStyle/>
+          <a:p>
+            <a:pPr>
+              <a:lnSpc>
+                <a:spcPct val="150000"/>
+              </a:lnSpc>
+            </a:pPr>
+            <a:r>
+              <a:rPr lang="en-US" dirty="0"/>
+              <a:t>Consider whether we want to our vector to include the </a:t>
+            </a:r>
+            <a:r>
+              <a:rPr lang="en-US" b="1" dirty="0"/>
               <a:t>count</a:t>
             </a:r>
-          </a:p>
-        </p:txBody>
-      </p:sp>
-      <p:sp>
-        <p:nvSpPr>
-          <p:cNvPr id="3" name="Content Placeholder 2">
-            <a:extLst>
-              <a:ext uri="{FF2B5EF4-FFF2-40B4-BE49-F238E27FC236}">
-                <a16:creationId xmlns:a16="http://schemas.microsoft.com/office/drawing/2014/main" id="{DDBF1CB3-1470-228F-F3C4-530F2391EEF7}"/>
-              </a:ext>
-            </a:extLst>
-          </p:cNvPr>
-          <p:cNvSpPr>
-            <a:spLocks noGrp="1"/>
-          </p:cNvSpPr>
-          <p:nvPr>
-            <p:ph idx="1"/>
-          </p:nvPr>
-        </p:nvSpPr>
-        <p:spPr/>
-        <p:txBody>
-          <a:bodyPr/>
-          <a:lstStyle/>
-          <a:p>
-            <a:endParaRPr lang="en-US"/>
+            <a:r>
+              <a:rPr lang="en-US" dirty="0"/>
+              <a:t> of each word or its </a:t>
+            </a:r>
+            <a:r>
+              <a:rPr lang="en-US" b="1" dirty="0"/>
+              <a:t>presence</a:t>
+            </a:r>
+          </a:p>
+          <a:p>
+            <a:pPr>
+              <a:lnSpc>
+                <a:spcPct val="150000"/>
+              </a:lnSpc>
+            </a:pPr>
+            <a:r>
+              <a:rPr lang="en-US" dirty="0"/>
+              <a:t>Pang et al. (2002) shows binary indicators performs better in some case</a:t>
+            </a:r>
+          </a:p>
+          <a:p>
+            <a:pPr lvl="1">
+              <a:lnSpc>
+                <a:spcPct val="150000"/>
+              </a:lnSpc>
+            </a:pPr>
+            <a:r>
+              <a:rPr lang="en-US" dirty="0"/>
+              <a:t>Words tend to appear in clumps: if a word has appeared once in a document, it is likely to appear again</a:t>
+            </a:r>
+          </a:p>
+          <a:p>
+            <a:pPr lvl="1">
+              <a:lnSpc>
+                <a:spcPct val="150000"/>
+              </a:lnSpc>
+            </a:pPr>
+            <a:r>
+              <a:rPr lang="en-US" dirty="0"/>
+              <a:t>These subsequent appearances can be attributed to this tendency towards repetition </a:t>
+            </a:r>
+          </a:p>
+          <a:p>
+            <a:pPr lvl="1">
+              <a:lnSpc>
+                <a:spcPct val="150000"/>
+              </a:lnSpc>
+            </a:pPr>
+            <a:r>
+              <a:rPr lang="en-US" dirty="0"/>
+              <a:t>Counts provide little additional information about the class label document </a:t>
+            </a:r>
+          </a:p>
+          <a:p>
+            <a:pPr lvl="1">
+              <a:lnSpc>
+                <a:spcPct val="150000"/>
+              </a:lnSpc>
+            </a:pPr>
+            <a:endParaRPr lang="en-US" dirty="0"/>
           </a:p>
         </p:txBody>
       </p:sp>
@@ -6573,7 +6734,7 @@
           <p:cNvPr id="2" name="Title 1">
             <a:extLst>
               <a:ext uri="{FF2B5EF4-FFF2-40B4-BE49-F238E27FC236}">
-                <a16:creationId xmlns:a16="http://schemas.microsoft.com/office/drawing/2014/main" id="{84996B6A-B8F5-0C25-57BB-8D90D33EBC23}"/>
+                <a16:creationId xmlns:a16="http://schemas.microsoft.com/office/drawing/2014/main" id="{7D6D7171-B256-CC26-E5D2-CEF04951559D}"/>
               </a:ext>
             </a:extLst>
           </p:cNvPr>
@@ -6582,6 +6743,325 @@
           </p:cNvSpPr>
           <p:nvPr>
             <p:ph type="title"/>
+          </p:nvPr>
+        </p:nvSpPr>
+        <p:spPr/>
+        <p:txBody>
+          <a:bodyPr>
+            <a:normAutofit/>
+          </a:bodyPr>
+          <a:lstStyle/>
+          <a:p>
+            <a:r>
+              <a:rPr lang="en-US" sz="4000" b="1" dirty="0"/>
+              <a:t>Sentiment (opinion) analysis</a:t>
+            </a:r>
+          </a:p>
+        </p:txBody>
+      </p:sp>
+      <p:sp>
+        <p:nvSpPr>
+          <p:cNvPr id="3" name="Content Placeholder 2">
+            <a:extLst>
+              <a:ext uri="{FF2B5EF4-FFF2-40B4-BE49-F238E27FC236}">
+                <a16:creationId xmlns:a16="http://schemas.microsoft.com/office/drawing/2014/main" id="{8730D766-15B4-7A6C-38CF-3F40977EB34F}"/>
+              </a:ext>
+            </a:extLst>
+          </p:cNvPr>
+          <p:cNvSpPr>
+            <a:spLocks noGrp="1"/>
+          </p:cNvSpPr>
+          <p:nvPr>
+            <p:ph idx="1"/>
+          </p:nvPr>
+        </p:nvSpPr>
+        <p:spPr/>
+        <p:txBody>
+          <a:bodyPr>
+            <a:normAutofit/>
+          </a:bodyPr>
+          <a:lstStyle/>
+          <a:p>
+            <a:r>
+              <a:rPr lang="en-US" sz="2600" dirty="0"/>
+              <a:t>A popular application of text classification is to automatically determine the </a:t>
+            </a:r>
+            <a:r>
+              <a:rPr lang="en-US" sz="2600" b="1" dirty="0"/>
+              <a:t>sentiment</a:t>
+            </a:r>
+            <a:r>
+              <a:rPr lang="en-US" sz="2600" dirty="0"/>
+              <a:t> or </a:t>
+            </a:r>
+            <a:r>
+              <a:rPr lang="en-US" sz="2600" b="1" dirty="0"/>
+              <a:t>opinion polarity </a:t>
+            </a:r>
+            <a:r>
+              <a:rPr lang="en-US" sz="2600" dirty="0"/>
+              <a:t>of documents </a:t>
+            </a:r>
+          </a:p>
+          <a:p>
+            <a:pPr lvl="1"/>
+            <a:r>
+              <a:rPr lang="en-US" sz="2200" dirty="0"/>
+              <a:t>product reviews and social media posts</a:t>
+            </a:r>
+          </a:p>
+          <a:p>
+            <a:r>
+              <a:rPr lang="en-US" sz="2600" dirty="0"/>
+              <a:t>Numerous application both in academia and practice</a:t>
+            </a:r>
+          </a:p>
+          <a:p>
+            <a:pPr lvl="1"/>
+            <a:r>
+              <a:rPr lang="en-US" sz="2200" dirty="0"/>
+              <a:t>Macro-finance indicators from news or policy statements</a:t>
+            </a:r>
+          </a:p>
+          <a:p>
+            <a:pPr lvl="1"/>
+            <a:r>
+              <a:rPr lang="en-US" sz="2200" dirty="0"/>
+              <a:t>Mood change by the weather reports</a:t>
+            </a:r>
+          </a:p>
+          <a:p>
+            <a:r>
+              <a:rPr lang="en-US" sz="2600" dirty="0"/>
+              <a:t>Assume reliable labels can be obtained</a:t>
+            </a:r>
+          </a:p>
+          <a:p>
+            <a:r>
+              <a:rPr lang="en-US" sz="2600" dirty="0"/>
+              <a:t>In simple case, it is a two or three-class problem</a:t>
+            </a:r>
+          </a:p>
+          <a:p>
+            <a:pPr lvl="1"/>
+            <a:r>
+              <a:rPr lang="en-US" sz="2200" dirty="0"/>
+              <a:t>Positive, negative, or neutral</a:t>
+            </a:r>
+          </a:p>
+          <a:p>
+            <a:pPr marL="457200" lvl="1" indent="0">
+              <a:buNone/>
+            </a:pPr>
+            <a:r>
+              <a:rPr lang="en-US" sz="2200" dirty="0"/>
+              <a:t>	</a:t>
+            </a:r>
+          </a:p>
+          <a:p>
+            <a:endParaRPr lang="en-US" dirty="0"/>
+          </a:p>
+        </p:txBody>
+      </p:sp>
+    </p:spTree>
+    <p:extLst>
+      <p:ext uri="{BB962C8B-B14F-4D97-AF65-F5344CB8AC3E}">
+        <p14:creationId xmlns:p14="http://schemas.microsoft.com/office/powerpoint/2010/main" val="624454380"/>
+      </p:ext>
+    </p:extLst>
+  </p:cSld>
+  <p:clrMapOvr>
+    <a:masterClrMapping/>
+  </p:clrMapOvr>
+</p:sld>
+</file>
+
+<file path=ppt/slides/slide23.xml><?xml version="1.0" encoding="utf-8"?>
+<p:sld xmlns:a="http://schemas.openxmlformats.org/drawingml/2006/main" xmlns:r="http://schemas.openxmlformats.org/officeDocument/2006/relationships" xmlns:p="http://schemas.openxmlformats.org/presentationml/2006/main">
+  <p:cSld>
+    <p:spTree>
+      <p:nvGrpSpPr>
+        <p:cNvPr id="1" name=""/>
+        <p:cNvGrpSpPr/>
+        <p:nvPr/>
+      </p:nvGrpSpPr>
+      <p:grpSpPr>
+        <a:xfrm>
+          <a:off x="0" y="0"/>
+          <a:ext cx="0" cy="0"/>
+          <a:chOff x="0" y="0"/>
+          <a:chExt cx="0" cy="0"/>
+        </a:xfrm>
+      </p:grpSpPr>
+      <p:sp>
+        <p:nvSpPr>
+          <p:cNvPr id="2" name="Title 1">
+            <a:extLst>
+              <a:ext uri="{FF2B5EF4-FFF2-40B4-BE49-F238E27FC236}">
+                <a16:creationId xmlns:a16="http://schemas.microsoft.com/office/drawing/2014/main" id="{9A7E889A-6A57-6049-533B-3D8A8581DA21}"/>
+              </a:ext>
+            </a:extLst>
+          </p:cNvPr>
+          <p:cNvSpPr>
+            <a:spLocks noGrp="1"/>
+          </p:cNvSpPr>
+          <p:nvPr>
+            <p:ph type="title"/>
+          </p:nvPr>
+        </p:nvSpPr>
+        <p:spPr/>
+        <p:txBody>
+          <a:bodyPr>
+            <a:normAutofit/>
+          </a:bodyPr>
+          <a:lstStyle/>
+          <a:p>
+            <a:r>
+              <a:rPr lang="en-US" sz="4000" b="1" dirty="0"/>
+              <a:t>Popular annotations</a:t>
+            </a:r>
+          </a:p>
+        </p:txBody>
+      </p:sp>
+      <p:sp>
+        <p:nvSpPr>
+          <p:cNvPr id="3" name="Content Placeholder 2">
+            <a:extLst>
+              <a:ext uri="{FF2B5EF4-FFF2-40B4-BE49-F238E27FC236}">
+                <a16:creationId xmlns:a16="http://schemas.microsoft.com/office/drawing/2014/main" id="{0FE3E4CD-E8BA-D9D9-736A-C2EA0BCDBFA2}"/>
+              </a:ext>
+            </a:extLst>
+          </p:cNvPr>
+          <p:cNvSpPr>
+            <a:spLocks noGrp="1"/>
+          </p:cNvSpPr>
+          <p:nvPr>
+            <p:ph idx="1"/>
+          </p:nvPr>
+        </p:nvSpPr>
+        <p:spPr/>
+        <p:txBody>
+          <a:bodyPr>
+            <a:normAutofit fontScale="92500" lnSpcReduction="10000"/>
+          </a:bodyPr>
+          <a:lstStyle/>
+          <a:p>
+            <a:pPr>
+              <a:lnSpc>
+                <a:spcPct val="150000"/>
+              </a:lnSpc>
+            </a:pPr>
+            <a:r>
+              <a:rPr lang="en-US" dirty="0"/>
+              <a:t>Tweets containing happy emoticons can be marked as positive, sad emoticons as negative (Read, 2005; Pak and </a:t>
+            </a:r>
+            <a:r>
+              <a:rPr lang="en-US" dirty="0" err="1"/>
+              <a:t>Paroubek</a:t>
+            </a:r>
+            <a:r>
+              <a:rPr lang="en-US" dirty="0"/>
+              <a:t>, 2010). </a:t>
+            </a:r>
+          </a:p>
+          <a:p>
+            <a:pPr>
+              <a:lnSpc>
+                <a:spcPct val="150000"/>
+              </a:lnSpc>
+            </a:pPr>
+            <a:r>
+              <a:rPr lang="en-US" dirty="0"/>
+              <a:t>Reviews with four or more stars can be marked as positive, three or fewer stars as negative (Pang et al., 2002). </a:t>
+            </a:r>
+          </a:p>
+          <a:p>
+            <a:pPr>
+              <a:lnSpc>
+                <a:spcPct val="150000"/>
+              </a:lnSpc>
+            </a:pPr>
+            <a:r>
+              <a:rPr lang="en-US" dirty="0"/>
+              <a:t>Statements from politicians who are voting for a given bill are marked as positive (towards that bill); statements from politicians voting against the bill are marked as negative (Thomas et al., 2006)</a:t>
+            </a:r>
+          </a:p>
+        </p:txBody>
+      </p:sp>
+    </p:spTree>
+    <p:extLst>
+      <p:ext uri="{BB962C8B-B14F-4D97-AF65-F5344CB8AC3E}">
+        <p14:creationId xmlns:p14="http://schemas.microsoft.com/office/powerpoint/2010/main" val="4278347953"/>
+      </p:ext>
+    </p:extLst>
+  </p:cSld>
+  <p:clrMapOvr>
+    <a:masterClrMapping/>
+  </p:clrMapOvr>
+</p:sld>
+</file>
+
+<file path=ppt/slides/slide24.xml><?xml version="1.0" encoding="utf-8"?>
+<p:sld xmlns:a="http://schemas.openxmlformats.org/drawingml/2006/main" xmlns:r="http://schemas.openxmlformats.org/officeDocument/2006/relationships" xmlns:p="http://schemas.openxmlformats.org/presentationml/2006/main">
+  <p:cSld>
+    <p:spTree>
+      <p:nvGrpSpPr>
+        <p:cNvPr id="1" name=""/>
+        <p:cNvGrpSpPr/>
+        <p:nvPr/>
+      </p:nvGrpSpPr>
+      <p:grpSpPr>
+        <a:xfrm>
+          <a:off x="0" y="0"/>
+          <a:ext cx="0" cy="0"/>
+          <a:chOff x="0" y="0"/>
+          <a:chExt cx="0" cy="0"/>
+        </a:xfrm>
+      </p:grpSpPr>
+      <p:sp>
+        <p:nvSpPr>
+          <p:cNvPr id="2" name="Title 1">
+            <a:extLst>
+              <a:ext uri="{FF2B5EF4-FFF2-40B4-BE49-F238E27FC236}">
+                <a16:creationId xmlns:a16="http://schemas.microsoft.com/office/drawing/2014/main" id="{016636F3-B8F6-5BE4-9F39-E394B0452971}"/>
+              </a:ext>
+            </a:extLst>
+          </p:cNvPr>
+          <p:cNvSpPr>
+            <a:spLocks noGrp="1"/>
+          </p:cNvSpPr>
+          <p:nvPr>
+            <p:ph type="title"/>
+          </p:nvPr>
+        </p:nvSpPr>
+        <p:spPr/>
+        <p:txBody>
+          <a:bodyPr>
+            <a:normAutofit/>
+          </a:bodyPr>
+          <a:lstStyle/>
+          <a:p>
+            <a:r>
+              <a:rPr lang="en-US" sz="4000" b="1" dirty="0"/>
+              <a:t>VADER</a:t>
+            </a:r>
+          </a:p>
+        </p:txBody>
+      </p:sp>
+      <p:sp>
+        <p:nvSpPr>
+          <p:cNvPr id="3" name="Content Placeholder 2">
+            <a:extLst>
+              <a:ext uri="{FF2B5EF4-FFF2-40B4-BE49-F238E27FC236}">
+                <a16:creationId xmlns:a16="http://schemas.microsoft.com/office/drawing/2014/main" id="{20EE42E7-F1DA-1D3C-6BD7-7AECE28D9F41}"/>
+              </a:ext>
+            </a:extLst>
+          </p:cNvPr>
+          <p:cNvSpPr>
+            <a:spLocks noGrp="1"/>
+          </p:cNvSpPr>
+          <p:nvPr>
+            <p:ph idx="1"/>
           </p:nvPr>
         </p:nvSpPr>
         <p:spPr/>
@@ -6589,9 +7069,137 @@
           <a:bodyPr/>
           <a:lstStyle/>
           <a:p>
-            <a:r>
-              <a:rPr lang="en-US" dirty="0"/>
-              <a:t>Precision, recall, and F (Jacob)</a:t>
+            <a:pPr>
+              <a:lnSpc>
+                <a:spcPct val="150000"/>
+              </a:lnSpc>
+            </a:pPr>
+            <a:r>
+              <a:rPr lang="en-US" dirty="0"/>
+              <a:t>VADER, Valence Aware Dictionary for </a:t>
+            </a:r>
+            <a:r>
+              <a:rPr lang="en-US" dirty="0" err="1"/>
+              <a:t>sEntiment</a:t>
+            </a:r>
+            <a:r>
+              <a:rPr lang="en-US" dirty="0"/>
+              <a:t> Reasoning</a:t>
+            </a:r>
+          </a:p>
+          <a:p>
+            <a:pPr lvl="1">
+              <a:lnSpc>
+                <a:spcPct val="150000"/>
+              </a:lnSpc>
+            </a:pPr>
+            <a:r>
+              <a:rPr lang="en-US" dirty="0"/>
+              <a:t>Never has beat Darth Vader</a:t>
+            </a:r>
+          </a:p>
+          <a:p>
+            <a:pPr lvl="1">
+              <a:lnSpc>
+                <a:spcPct val="150000"/>
+              </a:lnSpc>
+            </a:pPr>
+            <a:r>
+              <a:rPr lang="en-US" dirty="0"/>
+              <a:t>Easy to use</a:t>
+            </a:r>
+          </a:p>
+          <a:p>
+            <a:pPr lvl="1">
+              <a:lnSpc>
+                <a:spcPct val="150000"/>
+              </a:lnSpc>
+            </a:pPr>
+            <a:r>
+              <a:rPr lang="en-US" dirty="0"/>
+              <a:t>Limitations are so obvious</a:t>
+            </a:r>
+          </a:p>
+          <a:p>
+            <a:pPr lvl="1">
+              <a:lnSpc>
+                <a:spcPct val="150000"/>
+              </a:lnSpc>
+            </a:pPr>
+            <a:r>
+              <a:rPr lang="en-US" dirty="0"/>
+              <a:t>Its intuition would help for understanding distributed semantics (lecture 6)</a:t>
+            </a:r>
+          </a:p>
+          <a:p>
+            <a:pPr>
+              <a:lnSpc>
+                <a:spcPct val="150000"/>
+              </a:lnSpc>
+            </a:pPr>
+            <a:r>
+              <a:rPr lang="en-US" dirty="0"/>
+              <a:t>Let’s review the code</a:t>
+            </a:r>
+          </a:p>
+        </p:txBody>
+      </p:sp>
+    </p:spTree>
+    <p:extLst>
+      <p:ext uri="{BB962C8B-B14F-4D97-AF65-F5344CB8AC3E}">
+        <p14:creationId xmlns:p14="http://schemas.microsoft.com/office/powerpoint/2010/main" val="3624700656"/>
+      </p:ext>
+    </p:extLst>
+  </p:cSld>
+  <p:clrMapOvr>
+    <a:masterClrMapping/>
+  </p:clrMapOvr>
+</p:sld>
+</file>
+
+<file path=ppt/slides/slide25.xml><?xml version="1.0" encoding="utf-8"?>
+<p:sld xmlns:a="http://schemas.openxmlformats.org/drawingml/2006/main" xmlns:r="http://schemas.openxmlformats.org/officeDocument/2006/relationships" xmlns:p="http://schemas.openxmlformats.org/presentationml/2006/main">
+  <p:cSld>
+    <p:spTree>
+      <p:nvGrpSpPr>
+        <p:cNvPr id="1" name=""/>
+        <p:cNvGrpSpPr/>
+        <p:nvPr/>
+      </p:nvGrpSpPr>
+      <p:grpSpPr>
+        <a:xfrm>
+          <a:off x="0" y="0"/>
+          <a:ext cx="0" cy="0"/>
+          <a:chOff x="0" y="0"/>
+          <a:chExt cx="0" cy="0"/>
+        </a:xfrm>
+      </p:grpSpPr>
+      <p:sp>
+        <p:nvSpPr>
+          <p:cNvPr id="2" name="Title 1">
+            <a:extLst>
+              <a:ext uri="{FF2B5EF4-FFF2-40B4-BE49-F238E27FC236}">
+                <a16:creationId xmlns:a16="http://schemas.microsoft.com/office/drawing/2014/main" id="{A541F6EC-0627-1167-D601-610130282AB0}"/>
+              </a:ext>
+            </a:extLst>
+          </p:cNvPr>
+          <p:cNvSpPr>
+            <a:spLocks noGrp="1"/>
+          </p:cNvSpPr>
+          <p:nvPr>
+            <p:ph type="title"/>
+          </p:nvPr>
+        </p:nvSpPr>
+        <p:spPr/>
+        <p:txBody>
+          <a:bodyPr>
+            <a:normAutofit/>
+          </a:bodyPr>
+          <a:lstStyle/>
+          <a:p>
+            <a:r>
+              <a:rPr lang="en-US" sz="4000" b="1" dirty="0"/>
+              <a:t>Sentiment analysis with the bag-of-words</a:t>
             </a:r>
           </a:p>
         </p:txBody>
@@ -6601,7 +7209,7 @@
           <p:cNvPr id="3" name="Content Placeholder 2">
             <a:extLst>
               <a:ext uri="{FF2B5EF4-FFF2-40B4-BE49-F238E27FC236}">
-                <a16:creationId xmlns:a16="http://schemas.microsoft.com/office/drawing/2014/main" id="{0322DB20-DB71-18F7-B7BD-330A6922DDDA}"/>
+                <a16:creationId xmlns:a16="http://schemas.microsoft.com/office/drawing/2014/main" id="{FD66C661-C03F-9A95-D596-AB42DF34A7E5}"/>
               </a:ext>
             </a:extLst>
           </p:cNvPr>
@@ -6617,7 +7225,1393 @@
           <a:bodyPr/>
           <a:lstStyle/>
           <a:p>
-            <a:endParaRPr lang="en-US"/>
+            <a:pPr>
+              <a:lnSpc>
+                <a:spcPct val="150000"/>
+              </a:lnSpc>
+            </a:pPr>
+            <a:r>
+              <a:rPr lang="en-US" dirty="0"/>
+              <a:t>A Naive Bayes model tries to find keywords in a set of documents that are predictive of your target (output) variable</a:t>
+            </a:r>
+          </a:p>
+          <a:p>
+            <a:pPr>
+              <a:lnSpc>
+                <a:spcPct val="150000"/>
+              </a:lnSpc>
+            </a:pPr>
+            <a:r>
+              <a:rPr lang="en-US" dirty="0"/>
+              <a:t>When your target variable is the sentiment you are trying to predict, the model will find words that predict that sentiment</a:t>
+            </a:r>
+          </a:p>
+          <a:p>
+            <a:pPr>
+              <a:lnSpc>
+                <a:spcPct val="150000"/>
+              </a:lnSpc>
+            </a:pPr>
+            <a:r>
+              <a:rPr lang="en-US" dirty="0"/>
+              <a:t>The nice thing about a Naive Bayes model is that the internal coefficients will map words or tokens to scores just like VADER does</a:t>
+            </a:r>
+          </a:p>
+        </p:txBody>
+      </p:sp>
+    </p:spTree>
+    <p:extLst>
+      <p:ext uri="{BB962C8B-B14F-4D97-AF65-F5344CB8AC3E}">
+        <p14:creationId xmlns:p14="http://schemas.microsoft.com/office/powerpoint/2010/main" val="2679706870"/>
+      </p:ext>
+    </p:extLst>
+  </p:cSld>
+  <p:clrMapOvr>
+    <a:masterClrMapping/>
+  </p:clrMapOvr>
+</p:sld>
+</file>
+
+<file path=ppt/slides/slide26.xml><?xml version="1.0" encoding="utf-8"?>
+<p:sld xmlns:a="http://schemas.openxmlformats.org/drawingml/2006/main" xmlns:r="http://schemas.openxmlformats.org/officeDocument/2006/relationships" xmlns:p="http://schemas.openxmlformats.org/presentationml/2006/main">
+  <p:cSld>
+    <p:spTree>
+      <p:nvGrpSpPr>
+        <p:cNvPr id="1" name=""/>
+        <p:cNvGrpSpPr/>
+        <p:nvPr/>
+      </p:nvGrpSpPr>
+      <p:grpSpPr>
+        <a:xfrm>
+          <a:off x="0" y="0"/>
+          <a:ext cx="0" cy="0"/>
+          <a:chOff x="0" y="0"/>
+          <a:chExt cx="0" cy="0"/>
+        </a:xfrm>
+      </p:grpSpPr>
+      <p:sp>
+        <p:nvSpPr>
+          <p:cNvPr id="2" name="Title 1">
+            <a:extLst>
+              <a:ext uri="{FF2B5EF4-FFF2-40B4-BE49-F238E27FC236}">
+                <a16:creationId xmlns:a16="http://schemas.microsoft.com/office/drawing/2014/main" id="{E7519A5D-AF90-B40E-50DE-9387ECBC0049}"/>
+              </a:ext>
+            </a:extLst>
+          </p:cNvPr>
+          <p:cNvSpPr>
+            <a:spLocks noGrp="1"/>
+          </p:cNvSpPr>
+          <p:nvPr>
+            <p:ph type="title"/>
+          </p:nvPr>
+        </p:nvSpPr>
+        <p:spPr/>
+        <p:txBody>
+          <a:bodyPr>
+            <a:normAutofit/>
+          </a:bodyPr>
+          <a:lstStyle/>
+          <a:p>
+            <a:r>
+              <a:rPr lang="en-US" sz="4000" b="1" dirty="0"/>
+              <a:t>The bag-of-words for text classification task</a:t>
+            </a:r>
+          </a:p>
+        </p:txBody>
+      </p:sp>
+      <p:pic>
+        <p:nvPicPr>
+          <p:cNvPr id="5" name="Content Placeholder 4" descr="Chart, diagram&#10;&#10;Description automatically generated">
+            <a:extLst>
+              <a:ext uri="{FF2B5EF4-FFF2-40B4-BE49-F238E27FC236}">
+                <a16:creationId xmlns:a16="http://schemas.microsoft.com/office/drawing/2014/main" id="{6430306F-3A03-1CE6-D2F6-770852CADB6D}"/>
+              </a:ext>
+            </a:extLst>
+          </p:cNvPr>
+          <p:cNvPicPr>
+            <a:picLocks noGrp="1" noChangeAspect="1"/>
+          </p:cNvPicPr>
+          <p:nvPr>
+            <p:ph idx="1"/>
+          </p:nvPr>
+        </p:nvPicPr>
+        <p:blipFill>
+          <a:blip r:embed="rId2"/>
+          <a:stretch>
+            <a:fillRect/>
+          </a:stretch>
+        </p:blipFill>
+        <p:spPr>
+          <a:xfrm>
+            <a:off x="3038687" y="1825625"/>
+            <a:ext cx="6114625" cy="4351338"/>
+          </a:xfrm>
+        </p:spPr>
+      </p:pic>
+    </p:spTree>
+    <p:extLst>
+      <p:ext uri="{BB962C8B-B14F-4D97-AF65-F5344CB8AC3E}">
+        <p14:creationId xmlns:p14="http://schemas.microsoft.com/office/powerpoint/2010/main" val="460318456"/>
+      </p:ext>
+    </p:extLst>
+  </p:cSld>
+  <p:clrMapOvr>
+    <a:masterClrMapping/>
+  </p:clrMapOvr>
+</p:sld>
+</file>
+
+<file path=ppt/slides/slide27.xml><?xml version="1.0" encoding="utf-8"?>
+<p:sld xmlns:a="http://schemas.openxmlformats.org/drawingml/2006/main" xmlns:r="http://schemas.openxmlformats.org/officeDocument/2006/relationships" xmlns:p="http://schemas.openxmlformats.org/presentationml/2006/main">
+  <p:cSld>
+    <p:spTree>
+      <p:nvGrpSpPr>
+        <p:cNvPr id="1" name=""/>
+        <p:cNvGrpSpPr/>
+        <p:nvPr/>
+      </p:nvGrpSpPr>
+      <p:grpSpPr>
+        <a:xfrm>
+          <a:off x="0" y="0"/>
+          <a:ext cx="0" cy="0"/>
+          <a:chOff x="0" y="0"/>
+          <a:chExt cx="0" cy="0"/>
+        </a:xfrm>
+      </p:grpSpPr>
+      <p:sp>
+        <p:nvSpPr>
+          <p:cNvPr id="2" name="Title 1">
+            <a:extLst>
+              <a:ext uri="{FF2B5EF4-FFF2-40B4-BE49-F238E27FC236}">
+                <a16:creationId xmlns:a16="http://schemas.microsoft.com/office/drawing/2014/main" id="{6440B373-1F1A-97CB-CBEA-0734418A3D5D}"/>
+              </a:ext>
+            </a:extLst>
+          </p:cNvPr>
+          <p:cNvSpPr>
+            <a:spLocks noGrp="1"/>
+          </p:cNvSpPr>
+          <p:nvPr>
+            <p:ph type="title"/>
+          </p:nvPr>
+        </p:nvSpPr>
+        <p:spPr/>
+        <p:txBody>
+          <a:bodyPr>
+            <a:normAutofit/>
+          </a:bodyPr>
+          <a:lstStyle/>
+          <a:p>
+            <a:r>
+              <a:rPr lang="en-US" sz="4000" b="1" dirty="0"/>
+              <a:t>Naïve Bayes</a:t>
+            </a:r>
+          </a:p>
+        </p:txBody>
+      </p:sp>
+      <mc:AlternateContent xmlns:mc="http://schemas.openxmlformats.org/markup-compatibility/2006">
+        <mc:Choice xmlns:a14="http://schemas.microsoft.com/office/drawing/2010/main" Requires="a14">
+          <p:sp>
+            <p:nvSpPr>
+              <p:cNvPr id="3" name="Content Placeholder 2">
+                <a:extLst>
+                  <a:ext uri="{FF2B5EF4-FFF2-40B4-BE49-F238E27FC236}">
+                    <a16:creationId xmlns:a16="http://schemas.microsoft.com/office/drawing/2014/main" id="{8E8C52B3-0B7C-BC66-D29D-5865B2F4E7FC}"/>
+                  </a:ext>
+                </a:extLst>
+              </p:cNvPr>
+              <p:cNvSpPr>
+                <a:spLocks noGrp="1"/>
+              </p:cNvSpPr>
+              <p:nvPr>
+                <p:ph idx="1"/>
+              </p:nvPr>
+            </p:nvSpPr>
+            <p:spPr/>
+            <p:txBody>
+              <a:bodyPr>
+                <a:normAutofit fontScale="77500" lnSpcReduction="20000"/>
+              </a:bodyPr>
+              <a:lstStyle/>
+              <a:p>
+                <a:pPr>
+                  <a:lnSpc>
+                    <a:spcPct val="150000"/>
+                  </a:lnSpc>
+                </a:pPr>
+                <a:r>
+                  <a:rPr lang="en-US" dirty="0"/>
+                  <a:t>The joint probability of a BOW </a:t>
+                </a:r>
+                <a14:m>
+                  <m:oMath xmlns:m="http://schemas.openxmlformats.org/officeDocument/2006/math">
+                    <m:r>
+                      <a:rPr lang="en-US" b="1" i="1" smtClean="0">
+                        <a:latin typeface="Cambria Math" panose="02040503050406030204" pitchFamily="18" charset="0"/>
+                      </a:rPr>
+                      <m:t>𝒙</m:t>
+                    </m:r>
+                  </m:oMath>
+                </a14:m>
+                <a:r>
+                  <a:rPr lang="en-US" dirty="0"/>
+                  <a:t> and the label </a:t>
+                </a:r>
+                <a14:m>
+                  <m:oMath xmlns:m="http://schemas.openxmlformats.org/officeDocument/2006/math">
+                    <m:r>
+                      <a:rPr lang="en-US" b="0" i="1" smtClean="0">
+                        <a:latin typeface="Cambria Math" panose="02040503050406030204" pitchFamily="18" charset="0"/>
+                      </a:rPr>
+                      <m:t>𝑦</m:t>
+                    </m:r>
+                  </m:oMath>
+                </a14:m>
+                <a:r>
+                  <a:rPr lang="en-US" dirty="0"/>
+                  <a:t> is written </a:t>
+                </a:r>
+                <a14:m>
+                  <m:oMath xmlns:m="http://schemas.openxmlformats.org/officeDocument/2006/math">
+                    <m:r>
+                      <a:rPr lang="en-US" b="0" i="1" smtClean="0">
+                        <a:latin typeface="Cambria Math" panose="02040503050406030204" pitchFamily="18" charset="0"/>
+                      </a:rPr>
+                      <m:t>𝑝</m:t>
+                    </m:r>
+                    <m:r>
+                      <a:rPr lang="en-US" b="0" i="1" smtClean="0">
+                        <a:latin typeface="Cambria Math" panose="02040503050406030204" pitchFamily="18" charset="0"/>
+                      </a:rPr>
+                      <m:t>(</m:t>
+                    </m:r>
+                    <m:r>
+                      <a:rPr lang="en-US" b="1" i="1" smtClean="0">
+                        <a:latin typeface="Cambria Math" panose="02040503050406030204" pitchFamily="18" charset="0"/>
+                      </a:rPr>
+                      <m:t>𝒙</m:t>
+                    </m:r>
+                    <m:r>
+                      <a:rPr lang="en-US" b="0" i="1" smtClean="0">
+                        <a:latin typeface="Cambria Math" panose="02040503050406030204" pitchFamily="18" charset="0"/>
+                      </a:rPr>
+                      <m:t>,</m:t>
+                    </m:r>
+                    <m:r>
+                      <a:rPr lang="en-US" b="0" i="1" smtClean="0">
+                        <a:latin typeface="Cambria Math" panose="02040503050406030204" pitchFamily="18" charset="0"/>
+                      </a:rPr>
+                      <m:t>𝑦</m:t>
+                    </m:r>
+                    <m:r>
+                      <a:rPr lang="en-US" b="0" i="1" smtClean="0">
+                        <a:latin typeface="Cambria Math" panose="02040503050406030204" pitchFamily="18" charset="0"/>
+                      </a:rPr>
+                      <m:t>)</m:t>
+                    </m:r>
+                  </m:oMath>
+                </a14:m>
+                <a:endParaRPr lang="en-US" dirty="0"/>
+              </a:p>
+              <a:p>
+                <a:pPr>
+                  <a:lnSpc>
+                    <a:spcPct val="150000"/>
+                  </a:lnSpc>
+                </a:pPr>
+                <a:r>
+                  <a:rPr lang="en-US" dirty="0"/>
+                  <a:t>Suppose we have N instances, which we assume IID, then</a:t>
+                </a:r>
+              </a:p>
+              <a:p>
+                <a:pPr lvl="1">
+                  <a:lnSpc>
+                    <a:spcPct val="150000"/>
+                  </a:lnSpc>
+                </a:pPr>
+                <a14:m>
+                  <m:oMath xmlns:m="http://schemas.openxmlformats.org/officeDocument/2006/math">
+                    <m:r>
+                      <m:rPr>
+                        <m:sty m:val="p"/>
+                      </m:rPr>
+                      <a:rPr lang="en-US" b="0" i="0" smtClean="0">
+                        <a:latin typeface="Cambria Math" panose="02040503050406030204" pitchFamily="18" charset="0"/>
+                      </a:rPr>
+                      <m:t>Pr</m:t>
+                    </m:r>
+                    <m:d>
+                      <m:dPr>
+                        <m:ctrlPr>
+                          <a:rPr lang="en-US" b="0" i="1" smtClean="0">
+                            <a:latin typeface="Cambria Math" panose="02040503050406030204" pitchFamily="18" charset="0"/>
+                          </a:rPr>
+                        </m:ctrlPr>
+                      </m:dPr>
+                      <m:e>
+                        <m:sSup>
+                          <m:sSupPr>
+                            <m:ctrlPr>
+                              <a:rPr lang="en-US" b="0" i="1" smtClean="0">
+                                <a:latin typeface="Cambria Math" panose="02040503050406030204" pitchFamily="18" charset="0"/>
+                              </a:rPr>
+                            </m:ctrlPr>
+                          </m:sSupPr>
+                          <m:e>
+                            <m:r>
+                              <a:rPr lang="en-US" b="1" i="1" smtClean="0">
+                                <a:latin typeface="Cambria Math" panose="02040503050406030204" pitchFamily="18" charset="0"/>
+                              </a:rPr>
+                              <m:t>𝒙</m:t>
+                            </m:r>
+                          </m:e>
+                          <m:sup>
+                            <m:d>
+                              <m:dPr>
+                                <m:ctrlPr>
+                                  <a:rPr lang="en-US" b="0" i="1" smtClean="0">
+                                    <a:latin typeface="Cambria Math" panose="02040503050406030204" pitchFamily="18" charset="0"/>
+                                  </a:rPr>
+                                </m:ctrlPr>
+                              </m:dPr>
+                              <m:e>
+                                <m:r>
+                                  <a:rPr lang="en-US" b="0" i="1" smtClean="0">
+                                    <a:latin typeface="Cambria Math" panose="02040503050406030204" pitchFamily="18" charset="0"/>
+                                  </a:rPr>
+                                  <m:t>1:</m:t>
+                                </m:r>
+                                <m:r>
+                                  <a:rPr lang="en-US" b="0" i="1" smtClean="0">
+                                    <a:latin typeface="Cambria Math" panose="02040503050406030204" pitchFamily="18" charset="0"/>
+                                  </a:rPr>
+                                  <m:t>𝑁</m:t>
+                                </m:r>
+                              </m:e>
+                            </m:d>
+                          </m:sup>
+                        </m:sSup>
+                        <m:r>
+                          <a:rPr lang="en-US" b="0" i="1" smtClean="0">
+                            <a:latin typeface="Cambria Math" panose="02040503050406030204" pitchFamily="18" charset="0"/>
+                          </a:rPr>
+                          <m:t>,</m:t>
+                        </m:r>
+                        <m:sSup>
+                          <m:sSupPr>
+                            <m:ctrlPr>
+                              <a:rPr lang="en-US" b="0" i="1" smtClean="0">
+                                <a:latin typeface="Cambria Math" panose="02040503050406030204" pitchFamily="18" charset="0"/>
+                              </a:rPr>
+                            </m:ctrlPr>
+                          </m:sSupPr>
+                          <m:e>
+                            <m:r>
+                              <a:rPr lang="en-US" b="0" i="1" smtClean="0">
+                                <a:latin typeface="Cambria Math" panose="02040503050406030204" pitchFamily="18" charset="0"/>
+                              </a:rPr>
+                              <m:t>𝑦</m:t>
+                            </m:r>
+                          </m:e>
+                          <m:sup>
+                            <m:d>
+                              <m:dPr>
+                                <m:ctrlPr>
+                                  <a:rPr lang="en-US" b="0" i="1" smtClean="0">
+                                    <a:latin typeface="Cambria Math" panose="02040503050406030204" pitchFamily="18" charset="0"/>
+                                  </a:rPr>
+                                </m:ctrlPr>
+                              </m:dPr>
+                              <m:e>
+                                <m:r>
+                                  <a:rPr lang="en-US" b="0" i="1" smtClean="0">
+                                    <a:latin typeface="Cambria Math" panose="02040503050406030204" pitchFamily="18" charset="0"/>
+                                  </a:rPr>
+                                  <m:t>1:</m:t>
+                                </m:r>
+                                <m:r>
+                                  <a:rPr lang="en-US" b="0" i="1" smtClean="0">
+                                    <a:latin typeface="Cambria Math" panose="02040503050406030204" pitchFamily="18" charset="0"/>
+                                  </a:rPr>
+                                  <m:t>𝑁</m:t>
+                                </m:r>
+                              </m:e>
+                            </m:d>
+                          </m:sup>
+                        </m:sSup>
+                      </m:e>
+                    </m:d>
+                    <m:r>
+                      <a:rPr lang="en-US" b="0" i="1" smtClean="0">
+                        <a:latin typeface="Cambria Math" panose="02040503050406030204" pitchFamily="18" charset="0"/>
+                      </a:rPr>
+                      <m:t>=</m:t>
+                    </m:r>
+                    <m:sSubSup>
+                      <m:sSubSupPr>
+                        <m:ctrlPr>
+                          <a:rPr lang="en-US" b="0" i="1" smtClean="0">
+                            <a:latin typeface="Cambria Math" panose="02040503050406030204" pitchFamily="18" charset="0"/>
+                          </a:rPr>
+                        </m:ctrlPr>
+                      </m:sSubSupPr>
+                      <m:e>
+                        <m:r>
+                          <m:rPr>
+                            <m:sty m:val="p"/>
+                          </m:rPr>
+                          <a:rPr lang="en-US" b="0" i="0" smtClean="0">
+                            <a:latin typeface="Cambria Math" panose="02040503050406030204" pitchFamily="18" charset="0"/>
+                          </a:rPr>
+                          <m:t>Π</m:t>
+                        </m:r>
+                      </m:e>
+                      <m:sub>
+                        <m:r>
+                          <a:rPr lang="en-US" b="0" i="1" smtClean="0">
+                            <a:latin typeface="Cambria Math" panose="02040503050406030204" pitchFamily="18" charset="0"/>
+                          </a:rPr>
+                          <m:t>𝑖</m:t>
+                        </m:r>
+                        <m:r>
+                          <a:rPr lang="en-US" b="0" i="1" smtClean="0">
+                            <a:latin typeface="Cambria Math" panose="02040503050406030204" pitchFamily="18" charset="0"/>
+                          </a:rPr>
+                          <m:t>=1</m:t>
+                        </m:r>
+                      </m:sub>
+                      <m:sup>
+                        <m:r>
+                          <a:rPr lang="en-US" b="0" i="1" smtClean="0">
+                            <a:latin typeface="Cambria Math" panose="02040503050406030204" pitchFamily="18" charset="0"/>
+                          </a:rPr>
+                          <m:t>𝑁</m:t>
+                        </m:r>
+                      </m:sup>
+                    </m:sSubSup>
+                    <m:func>
+                      <m:funcPr>
+                        <m:ctrlPr>
+                          <a:rPr lang="en-US" b="0" i="1" smtClean="0">
+                            <a:latin typeface="Cambria Math" panose="02040503050406030204" pitchFamily="18" charset="0"/>
+                          </a:rPr>
+                        </m:ctrlPr>
+                      </m:funcPr>
+                      <m:fName>
+                        <m:limLow>
+                          <m:limLowPr>
+                            <m:ctrlPr>
+                              <a:rPr lang="en-US" b="0" i="1" smtClean="0">
+                                <a:latin typeface="Cambria Math" panose="02040503050406030204" pitchFamily="18" charset="0"/>
+                              </a:rPr>
+                            </m:ctrlPr>
+                          </m:limLowPr>
+                          <m:e>
+                            <m:r>
+                              <m:rPr>
+                                <m:sty m:val="p"/>
+                              </m:rPr>
+                              <a:rPr lang="en-US" b="0" i="0" smtClean="0">
+                                <a:latin typeface="Cambria Math" panose="02040503050406030204" pitchFamily="18" charset="0"/>
+                              </a:rPr>
+                              <m:t>Pr</m:t>
+                            </m:r>
+                          </m:e>
+                          <m:lim>
+                            <m:r>
+                              <a:rPr lang="en-US" b="0" i="1" smtClean="0">
+                                <a:latin typeface="Cambria Math" panose="02040503050406030204" pitchFamily="18" charset="0"/>
+                              </a:rPr>
+                              <m:t>𝑋</m:t>
+                            </m:r>
+                            <m:r>
+                              <a:rPr lang="en-US" b="0" i="1" smtClean="0">
+                                <a:latin typeface="Cambria Math" panose="02040503050406030204" pitchFamily="18" charset="0"/>
+                              </a:rPr>
+                              <m:t>,</m:t>
+                            </m:r>
+                            <m:r>
+                              <a:rPr lang="en-US" b="0" i="1" smtClean="0">
+                                <a:latin typeface="Cambria Math" panose="02040503050406030204" pitchFamily="18" charset="0"/>
+                              </a:rPr>
+                              <m:t>𝑌</m:t>
+                            </m:r>
+                          </m:lim>
+                        </m:limLow>
+                      </m:fName>
+                      <m:e>
+                        <m:r>
+                          <a:rPr lang="en-US" b="0" i="1" smtClean="0">
+                            <a:latin typeface="Cambria Math" panose="02040503050406030204" pitchFamily="18" charset="0"/>
+                          </a:rPr>
+                          <m:t>(</m:t>
+                        </m:r>
+                        <m:sSup>
+                          <m:sSupPr>
+                            <m:ctrlPr>
+                              <a:rPr lang="en-US" b="0" i="1" smtClean="0">
+                                <a:latin typeface="Cambria Math" panose="02040503050406030204" pitchFamily="18" charset="0"/>
+                              </a:rPr>
+                            </m:ctrlPr>
+                          </m:sSupPr>
+                          <m:e>
+                            <m:r>
+                              <a:rPr lang="en-US" b="1" i="1" smtClean="0">
+                                <a:latin typeface="Cambria Math" panose="02040503050406030204" pitchFamily="18" charset="0"/>
+                              </a:rPr>
+                              <m:t>𝒙</m:t>
+                            </m:r>
+                          </m:e>
+                          <m:sup>
+                            <m:d>
+                              <m:dPr>
+                                <m:ctrlPr>
+                                  <a:rPr lang="en-US" b="0" i="1" smtClean="0">
+                                    <a:latin typeface="Cambria Math" panose="02040503050406030204" pitchFamily="18" charset="0"/>
+                                  </a:rPr>
+                                </m:ctrlPr>
+                              </m:dPr>
+                              <m:e>
+                                <m:r>
+                                  <a:rPr lang="en-US" b="0" i="1" smtClean="0">
+                                    <a:latin typeface="Cambria Math" panose="02040503050406030204" pitchFamily="18" charset="0"/>
+                                  </a:rPr>
+                                  <m:t>𝑖</m:t>
+                                </m:r>
+                              </m:e>
+                            </m:d>
+                          </m:sup>
+                        </m:sSup>
+                        <m:r>
+                          <a:rPr lang="en-US" b="0" i="1" smtClean="0">
+                            <a:latin typeface="Cambria Math" panose="02040503050406030204" pitchFamily="18" charset="0"/>
+                          </a:rPr>
+                          <m:t>,</m:t>
+                        </m:r>
+                        <m:sSup>
+                          <m:sSupPr>
+                            <m:ctrlPr>
+                              <a:rPr lang="en-US" b="0" i="1" smtClean="0">
+                                <a:latin typeface="Cambria Math" panose="02040503050406030204" pitchFamily="18" charset="0"/>
+                              </a:rPr>
+                            </m:ctrlPr>
+                          </m:sSupPr>
+                          <m:e>
+                            <m:r>
+                              <a:rPr lang="en-US" b="0" i="1" smtClean="0">
+                                <a:latin typeface="Cambria Math" panose="02040503050406030204" pitchFamily="18" charset="0"/>
+                              </a:rPr>
+                              <m:t>𝑦</m:t>
+                            </m:r>
+                          </m:e>
+                          <m:sup>
+                            <m:r>
+                              <a:rPr lang="en-US" b="0" i="1" smtClean="0">
+                                <a:latin typeface="Cambria Math" panose="02040503050406030204" pitchFamily="18" charset="0"/>
+                              </a:rPr>
+                              <m:t>(</m:t>
+                            </m:r>
+                            <m:r>
+                              <a:rPr lang="en-US" b="0" i="1" smtClean="0">
+                                <a:latin typeface="Cambria Math" panose="02040503050406030204" pitchFamily="18" charset="0"/>
+                              </a:rPr>
+                              <m:t>𝑖</m:t>
+                            </m:r>
+                            <m:r>
+                              <a:rPr lang="en-US" b="0" i="1" smtClean="0">
+                                <a:latin typeface="Cambria Math" panose="02040503050406030204" pitchFamily="18" charset="0"/>
+                              </a:rPr>
+                              <m:t>)</m:t>
+                            </m:r>
+                          </m:sup>
+                        </m:sSup>
+                        <m:r>
+                          <a:rPr lang="en-US" b="0" i="1" smtClean="0">
+                            <a:latin typeface="Cambria Math" panose="02040503050406030204" pitchFamily="18" charset="0"/>
+                          </a:rPr>
+                          <m:t>)</m:t>
+                        </m:r>
+                      </m:e>
+                    </m:func>
+                  </m:oMath>
+                </a14:m>
+                <a:endParaRPr lang="en-US" dirty="0"/>
+              </a:p>
+              <a:p>
+                <a:pPr>
+                  <a:lnSpc>
+                    <a:spcPct val="150000"/>
+                  </a:lnSpc>
+                </a:pPr>
+                <a:r>
+                  <a:rPr lang="en-US" dirty="0"/>
+                  <a:t>What does this have to do with classification?</a:t>
+                </a:r>
+              </a:p>
+              <a:p>
+                <a:pPr>
+                  <a:lnSpc>
+                    <a:spcPct val="150000"/>
+                  </a:lnSpc>
+                </a:pPr>
+                <a:r>
+                  <a:rPr lang="en-US" dirty="0"/>
+                  <a:t>One approach to classification is to set the weights </a:t>
+                </a:r>
+                <a14:m>
+                  <m:oMath xmlns:m="http://schemas.openxmlformats.org/officeDocument/2006/math">
+                    <m:r>
+                      <a:rPr lang="en-US" b="0" i="1" smtClean="0">
+                        <a:latin typeface="Cambria Math" panose="02040503050406030204" pitchFamily="18" charset="0"/>
+                      </a:rPr>
+                      <m:t>𝜃</m:t>
+                    </m:r>
+                  </m:oMath>
+                </a14:m>
+                <a:r>
+                  <a:rPr lang="en-US" dirty="0"/>
+                  <a:t> to maximize the joint probability of a training set of labeled documents</a:t>
+                </a:r>
+              </a:p>
+              <a:p>
+                <a:pPr lvl="1">
+                  <a:lnSpc>
+                    <a:spcPct val="150000"/>
+                  </a:lnSpc>
+                </a:pPr>
+                <a:r>
+                  <a:rPr lang="en-US" dirty="0"/>
+                  <a:t>Known as maximum likelihood estimation</a:t>
+                </a:r>
+              </a:p>
+              <a:p>
+                <a:pPr lvl="1">
+                  <a:lnSpc>
+                    <a:spcPct val="150000"/>
+                  </a:lnSpc>
+                </a:pPr>
+                <a14:m>
+                  <m:oMath xmlns:m="http://schemas.openxmlformats.org/officeDocument/2006/math">
+                    <m:acc>
+                      <m:accPr>
+                        <m:chr m:val="̂"/>
+                        <m:ctrlPr>
+                          <a:rPr lang="en-US" i="1" smtClean="0">
+                            <a:latin typeface="Cambria Math" panose="02040503050406030204" pitchFamily="18" charset="0"/>
+                          </a:rPr>
+                        </m:ctrlPr>
+                      </m:accPr>
+                      <m:e>
+                        <m:r>
+                          <a:rPr lang="en-US" b="0" i="1" smtClean="0">
+                            <a:latin typeface="Cambria Math" panose="02040503050406030204" pitchFamily="18" charset="0"/>
+                          </a:rPr>
+                          <m:t>𝜃</m:t>
+                        </m:r>
+                      </m:e>
+                    </m:acc>
+                    <m:r>
+                      <a:rPr lang="en-US" b="0" i="1" smtClean="0">
+                        <a:latin typeface="Cambria Math" panose="02040503050406030204" pitchFamily="18" charset="0"/>
+                      </a:rPr>
+                      <m:t>=</m:t>
+                    </m:r>
+                    <m:r>
+                      <a:rPr lang="en-US" b="0" i="1" smtClean="0">
+                        <a:latin typeface="Cambria Math" panose="02040503050406030204" pitchFamily="18" charset="0"/>
+                      </a:rPr>
+                      <m:t>𝑎𝑟𝑔𝑚𝑎</m:t>
+                    </m:r>
+                    <m:sSub>
+                      <m:sSubPr>
+                        <m:ctrlPr>
+                          <a:rPr lang="en-US" b="0" i="1" smtClean="0">
+                            <a:latin typeface="Cambria Math" panose="02040503050406030204" pitchFamily="18" charset="0"/>
+                          </a:rPr>
+                        </m:ctrlPr>
+                      </m:sSubPr>
+                      <m:e>
+                        <m:r>
+                          <a:rPr lang="en-US" b="0" i="1" smtClean="0">
+                            <a:latin typeface="Cambria Math" panose="02040503050406030204" pitchFamily="18" charset="0"/>
+                          </a:rPr>
+                          <m:t>𝑥</m:t>
+                        </m:r>
+                      </m:e>
+                      <m:sub>
+                        <m:r>
+                          <a:rPr lang="en-US" b="0" i="1" smtClean="0">
+                            <a:latin typeface="Cambria Math" panose="02040503050406030204" pitchFamily="18" charset="0"/>
+                          </a:rPr>
+                          <m:t>𝜃</m:t>
+                        </m:r>
+                      </m:sub>
+                    </m:sSub>
+                    <m:sSubSup>
+                      <m:sSubSupPr>
+                        <m:ctrlPr>
+                          <a:rPr lang="en-US" i="1">
+                            <a:latin typeface="Cambria Math" panose="02040503050406030204" pitchFamily="18" charset="0"/>
+                          </a:rPr>
+                        </m:ctrlPr>
+                      </m:sSubSupPr>
+                      <m:e>
+                        <m:r>
+                          <m:rPr>
+                            <m:sty m:val="p"/>
+                          </m:rPr>
+                          <a:rPr lang="en-US">
+                            <a:latin typeface="Cambria Math" panose="02040503050406030204" pitchFamily="18" charset="0"/>
+                          </a:rPr>
+                          <m:t>Π</m:t>
+                        </m:r>
+                      </m:e>
+                      <m:sub>
+                        <m:r>
+                          <a:rPr lang="en-US" i="1">
+                            <a:latin typeface="Cambria Math" panose="02040503050406030204" pitchFamily="18" charset="0"/>
+                          </a:rPr>
+                          <m:t>𝑖</m:t>
+                        </m:r>
+                        <m:r>
+                          <a:rPr lang="en-US" i="1">
+                            <a:latin typeface="Cambria Math" panose="02040503050406030204" pitchFamily="18" charset="0"/>
+                          </a:rPr>
+                          <m:t>=1</m:t>
+                        </m:r>
+                      </m:sub>
+                      <m:sup>
+                        <m:r>
+                          <a:rPr lang="en-US" i="1">
+                            <a:latin typeface="Cambria Math" panose="02040503050406030204" pitchFamily="18" charset="0"/>
+                          </a:rPr>
+                          <m:t>𝑁</m:t>
+                        </m:r>
+                      </m:sup>
+                    </m:sSubSup>
+                    <m:func>
+                      <m:funcPr>
+                        <m:ctrlPr>
+                          <a:rPr lang="en-US" i="1">
+                            <a:latin typeface="Cambria Math" panose="02040503050406030204" pitchFamily="18" charset="0"/>
+                          </a:rPr>
+                        </m:ctrlPr>
+                      </m:funcPr>
+                      <m:fName>
+                        <m:r>
+                          <a:rPr lang="en-US" b="0" i="1" smtClean="0">
+                            <a:latin typeface="Cambria Math" panose="02040503050406030204" pitchFamily="18" charset="0"/>
+                          </a:rPr>
+                          <m:t>𝑃𝑟</m:t>
+                        </m:r>
+                      </m:fName>
+                      <m:e>
+                        <m:r>
+                          <a:rPr lang="en-US" i="1">
+                            <a:latin typeface="Cambria Math" panose="02040503050406030204" pitchFamily="18" charset="0"/>
+                          </a:rPr>
+                          <m:t>(</m:t>
+                        </m:r>
+                        <m:sSup>
+                          <m:sSupPr>
+                            <m:ctrlPr>
+                              <a:rPr lang="en-US" i="1">
+                                <a:latin typeface="Cambria Math" panose="02040503050406030204" pitchFamily="18" charset="0"/>
+                              </a:rPr>
+                            </m:ctrlPr>
+                          </m:sSupPr>
+                          <m:e>
+                            <m:r>
+                              <a:rPr lang="en-US" b="1" i="1">
+                                <a:latin typeface="Cambria Math" panose="02040503050406030204" pitchFamily="18" charset="0"/>
+                              </a:rPr>
+                              <m:t>𝒙</m:t>
+                            </m:r>
+                          </m:e>
+                          <m:sup>
+                            <m:d>
+                              <m:dPr>
+                                <m:ctrlPr>
+                                  <a:rPr lang="en-US" i="1">
+                                    <a:latin typeface="Cambria Math" panose="02040503050406030204" pitchFamily="18" charset="0"/>
+                                  </a:rPr>
+                                </m:ctrlPr>
+                              </m:dPr>
+                              <m:e>
+                                <m:r>
+                                  <a:rPr lang="en-US" i="1">
+                                    <a:latin typeface="Cambria Math" panose="02040503050406030204" pitchFamily="18" charset="0"/>
+                                  </a:rPr>
+                                  <m:t>𝑖</m:t>
+                                </m:r>
+                              </m:e>
+                            </m:d>
+                          </m:sup>
+                        </m:sSup>
+                        <m:r>
+                          <a:rPr lang="en-US" i="1">
+                            <a:latin typeface="Cambria Math" panose="02040503050406030204" pitchFamily="18" charset="0"/>
+                          </a:rPr>
+                          <m:t>,</m:t>
+                        </m:r>
+                        <m:sSup>
+                          <m:sSupPr>
+                            <m:ctrlPr>
+                              <a:rPr lang="en-US" i="1">
+                                <a:latin typeface="Cambria Math" panose="02040503050406030204" pitchFamily="18" charset="0"/>
+                              </a:rPr>
+                            </m:ctrlPr>
+                          </m:sSupPr>
+                          <m:e>
+                            <m:r>
+                              <a:rPr lang="en-US" i="1">
+                                <a:latin typeface="Cambria Math" panose="02040503050406030204" pitchFamily="18" charset="0"/>
+                              </a:rPr>
+                              <m:t>𝑦</m:t>
+                            </m:r>
+                          </m:e>
+                          <m:sup>
+                            <m:d>
+                              <m:dPr>
+                                <m:ctrlPr>
+                                  <a:rPr lang="en-US" i="1">
+                                    <a:latin typeface="Cambria Math" panose="02040503050406030204" pitchFamily="18" charset="0"/>
+                                  </a:rPr>
+                                </m:ctrlPr>
+                              </m:dPr>
+                              <m:e>
+                                <m:r>
+                                  <a:rPr lang="en-US" i="1">
+                                    <a:latin typeface="Cambria Math" panose="02040503050406030204" pitchFamily="18" charset="0"/>
+                                  </a:rPr>
+                                  <m:t>𝑖</m:t>
+                                </m:r>
+                              </m:e>
+                            </m:d>
+                          </m:sup>
+                        </m:sSup>
+                        <m:r>
+                          <a:rPr lang="en-US" b="0" i="1" smtClean="0">
+                            <a:latin typeface="Cambria Math" panose="02040503050406030204" pitchFamily="18" charset="0"/>
+                          </a:rPr>
+                          <m:t>;</m:t>
+                        </m:r>
+                        <m:r>
+                          <a:rPr lang="en-US" b="0" i="1" smtClean="0">
+                            <a:latin typeface="Cambria Math" panose="02040503050406030204" pitchFamily="18" charset="0"/>
+                          </a:rPr>
+                          <m:t>𝜃</m:t>
+                        </m:r>
+                        <m:r>
+                          <a:rPr lang="en-US" i="1">
+                            <a:latin typeface="Cambria Math" panose="02040503050406030204" pitchFamily="18" charset="0"/>
+                          </a:rPr>
+                          <m:t>)</m:t>
+                        </m:r>
+                      </m:e>
+                    </m:func>
+                  </m:oMath>
+                </a14:m>
+                <a:endParaRPr lang="en-US" dirty="0"/>
+              </a:p>
+            </p:txBody>
+          </p:sp>
+        </mc:Choice>
+        <mc:Fallback>
+          <p:sp>
+            <p:nvSpPr>
+              <p:cNvPr id="3" name="Content Placeholder 2">
+                <a:extLst>
+                  <a:ext uri="{FF2B5EF4-FFF2-40B4-BE49-F238E27FC236}">
+                    <a16:creationId xmlns:a16="http://schemas.microsoft.com/office/drawing/2014/main" id="{8E8C52B3-0B7C-BC66-D29D-5865B2F4E7FC}"/>
+                  </a:ext>
+                </a:extLst>
+              </p:cNvPr>
+              <p:cNvSpPr>
+                <a:spLocks noGrp="1" noRot="1" noChangeAspect="1" noMove="1" noResize="1" noEditPoints="1" noAdjustHandles="1" noChangeArrowheads="1" noChangeShapeType="1" noTextEdit="1"/>
+              </p:cNvSpPr>
+              <p:nvPr>
+                <p:ph idx="1"/>
+              </p:nvPr>
+            </p:nvSpPr>
+            <p:spPr>
+              <a:blipFill>
+                <a:blip r:embed="rId2"/>
+                <a:stretch>
+                  <a:fillRect l="-724" r="-362"/>
+                </a:stretch>
+              </a:blipFill>
+            </p:spPr>
+            <p:txBody>
+              <a:bodyPr/>
+              <a:lstStyle/>
+              <a:p>
+                <a:r>
+                  <a:rPr lang="en-US">
+                    <a:noFill/>
+                  </a:rPr>
+                  <a:t> </a:t>
+                </a:r>
+              </a:p>
+            </p:txBody>
+          </p:sp>
+        </mc:Fallback>
+      </mc:AlternateContent>
+    </p:spTree>
+    <p:extLst>
+      <p:ext uri="{BB962C8B-B14F-4D97-AF65-F5344CB8AC3E}">
+        <p14:creationId xmlns:p14="http://schemas.microsoft.com/office/powerpoint/2010/main" val="1474910897"/>
+      </p:ext>
+    </p:extLst>
+  </p:cSld>
+  <p:clrMapOvr>
+    <a:masterClrMapping/>
+  </p:clrMapOvr>
+</p:sld>
+</file>
+
+<file path=ppt/slides/slide28.xml><?xml version="1.0" encoding="utf-8"?>
+<p:sld xmlns:a="http://schemas.openxmlformats.org/drawingml/2006/main" xmlns:r="http://schemas.openxmlformats.org/officeDocument/2006/relationships" xmlns:p="http://schemas.openxmlformats.org/presentationml/2006/main">
+  <p:cSld>
+    <p:spTree>
+      <p:nvGrpSpPr>
+        <p:cNvPr id="1" name=""/>
+        <p:cNvGrpSpPr/>
+        <p:nvPr/>
+      </p:nvGrpSpPr>
+      <p:grpSpPr>
+        <a:xfrm>
+          <a:off x="0" y="0"/>
+          <a:ext cx="0" cy="0"/>
+          <a:chOff x="0" y="0"/>
+          <a:chExt cx="0" cy="0"/>
+        </a:xfrm>
+      </p:grpSpPr>
+      <p:sp>
+        <p:nvSpPr>
+          <p:cNvPr id="2" name="Title 1">
+            <a:extLst>
+              <a:ext uri="{FF2B5EF4-FFF2-40B4-BE49-F238E27FC236}">
+                <a16:creationId xmlns:a16="http://schemas.microsoft.com/office/drawing/2014/main" id="{07E489FA-BD0C-92BC-F3EA-71924C98E01C}"/>
+              </a:ext>
+            </a:extLst>
+          </p:cNvPr>
+          <p:cNvSpPr>
+            <a:spLocks noGrp="1"/>
+          </p:cNvSpPr>
+          <p:nvPr>
+            <p:ph type="title"/>
+          </p:nvPr>
+        </p:nvSpPr>
+        <p:spPr/>
+        <p:txBody>
+          <a:bodyPr>
+            <a:normAutofit/>
+          </a:bodyPr>
+          <a:lstStyle/>
+          <a:p>
+            <a:r>
+              <a:rPr lang="en-US" sz="4000" b="1" dirty="0"/>
+              <a:t>Assumptions in words</a:t>
+            </a:r>
+          </a:p>
+        </p:txBody>
+      </p:sp>
+      <mc:AlternateContent xmlns:mc="http://schemas.openxmlformats.org/markup-compatibility/2006">
+        <mc:Choice xmlns:a14="http://schemas.microsoft.com/office/drawing/2010/main" Requires="a14">
+          <p:sp>
+            <p:nvSpPr>
+              <p:cNvPr id="3" name="Content Placeholder 2">
+                <a:extLst>
+                  <a:ext uri="{FF2B5EF4-FFF2-40B4-BE49-F238E27FC236}">
+                    <a16:creationId xmlns:a16="http://schemas.microsoft.com/office/drawing/2014/main" id="{CCF877C4-FEE0-4889-2B87-19111AB12224}"/>
+                  </a:ext>
+                </a:extLst>
+              </p:cNvPr>
+              <p:cNvSpPr>
+                <a:spLocks noGrp="1"/>
+              </p:cNvSpPr>
+              <p:nvPr>
+                <p:ph idx="1"/>
+              </p:nvPr>
+            </p:nvSpPr>
+            <p:spPr/>
+            <p:txBody>
+              <a:bodyPr>
+                <a:normAutofit fontScale="77500" lnSpcReduction="20000"/>
+              </a:bodyPr>
+              <a:lstStyle/>
+              <a:p>
+                <a:pPr>
+                  <a:lnSpc>
+                    <a:spcPct val="150000"/>
+                  </a:lnSpc>
+                </a:pPr>
+                <a:r>
+                  <a:rPr lang="en-US" dirty="0"/>
+                  <a:t>The instances are mutually independent</a:t>
+                </a:r>
+              </a:p>
+              <a:p>
+                <a:pPr lvl="1">
+                  <a:lnSpc>
+                    <a:spcPct val="150000"/>
+                  </a:lnSpc>
+                </a:pPr>
+                <a:r>
+                  <a:rPr lang="en-US" dirty="0"/>
+                  <a:t>Neither the label nor the text of document </a:t>
+                </a:r>
+                <a14:m>
+                  <m:oMath xmlns:m="http://schemas.openxmlformats.org/officeDocument/2006/math">
+                    <m:r>
+                      <a:rPr lang="en-US" b="0" i="1" smtClean="0">
+                        <a:latin typeface="Cambria Math" panose="02040503050406030204" pitchFamily="18" charset="0"/>
+                      </a:rPr>
+                      <m:t>𝑖</m:t>
+                    </m:r>
+                  </m:oMath>
+                </a14:m>
+                <a:r>
+                  <a:rPr lang="en-US" dirty="0"/>
+                  <a:t> affects the label or text of document </a:t>
+                </a:r>
+                <a14:m>
+                  <m:oMath xmlns:m="http://schemas.openxmlformats.org/officeDocument/2006/math">
+                    <m:r>
+                      <a:rPr lang="en-US" b="0" i="1" smtClean="0">
+                        <a:latin typeface="Cambria Math" panose="02040503050406030204" pitchFamily="18" charset="0"/>
+                      </a:rPr>
+                      <m:t>𝑗</m:t>
+                    </m:r>
+                  </m:oMath>
+                </a14:m>
+                <a:endParaRPr lang="en-US" dirty="0"/>
+              </a:p>
+              <a:p>
+                <a:pPr>
+                  <a:lnSpc>
+                    <a:spcPct val="150000"/>
+                  </a:lnSpc>
+                </a:pPr>
+                <a:r>
+                  <a:rPr lang="en-US" dirty="0"/>
+                  <a:t>The instances are identically distributed</a:t>
+                </a:r>
+              </a:p>
+              <a:p>
+                <a:pPr lvl="1">
+                  <a:lnSpc>
+                    <a:spcPct val="150000"/>
+                  </a:lnSpc>
+                </a:pPr>
+                <a:r>
+                  <a:rPr lang="en-US" dirty="0"/>
+                  <a:t>The distributions over the label </a:t>
+                </a:r>
+                <a14:m>
+                  <m:oMath xmlns:m="http://schemas.openxmlformats.org/officeDocument/2006/math">
+                    <m:sSup>
+                      <m:sSupPr>
+                        <m:ctrlPr>
+                          <a:rPr lang="en-US" b="0" i="1" smtClean="0">
+                            <a:latin typeface="Cambria Math" panose="02040503050406030204" pitchFamily="18" charset="0"/>
+                          </a:rPr>
+                        </m:ctrlPr>
+                      </m:sSupPr>
+                      <m:e>
+                        <m:r>
+                          <a:rPr lang="en-US" b="0" i="1" smtClean="0">
+                            <a:latin typeface="Cambria Math" panose="02040503050406030204" pitchFamily="18" charset="0"/>
+                          </a:rPr>
+                          <m:t>𝑦</m:t>
+                        </m:r>
+                      </m:e>
+                      <m:sup>
+                        <m:r>
+                          <a:rPr lang="en-US" b="0" i="1" smtClean="0">
+                            <a:latin typeface="Cambria Math" panose="02040503050406030204" pitchFamily="18" charset="0"/>
+                          </a:rPr>
+                          <m:t>(</m:t>
+                        </m:r>
+                        <m:r>
+                          <a:rPr lang="en-US" b="0" i="1" smtClean="0">
+                            <a:latin typeface="Cambria Math" panose="02040503050406030204" pitchFamily="18" charset="0"/>
+                          </a:rPr>
+                          <m:t>𝑖</m:t>
+                        </m:r>
+                        <m:r>
+                          <a:rPr lang="en-US" b="0" i="1" smtClean="0">
+                            <a:latin typeface="Cambria Math" panose="02040503050406030204" pitchFamily="18" charset="0"/>
+                          </a:rPr>
+                          <m:t>)</m:t>
+                        </m:r>
+                      </m:sup>
+                    </m:sSup>
+                  </m:oMath>
+                </a14:m>
+                <a:r>
+                  <a:rPr lang="en-US" dirty="0"/>
+                  <a:t> and the text </a:t>
+                </a:r>
+                <a14:m>
+                  <m:oMath xmlns:m="http://schemas.openxmlformats.org/officeDocument/2006/math">
+                    <m:sSup>
+                      <m:sSupPr>
+                        <m:ctrlPr>
+                          <a:rPr lang="en-US" b="0" i="1" smtClean="0">
+                            <a:latin typeface="Cambria Math" panose="02040503050406030204" pitchFamily="18" charset="0"/>
+                          </a:rPr>
+                        </m:ctrlPr>
+                      </m:sSupPr>
+                      <m:e>
+                        <m:r>
+                          <a:rPr lang="en-US" b="1" i="1" smtClean="0">
+                            <a:latin typeface="Cambria Math" panose="02040503050406030204" pitchFamily="18" charset="0"/>
+                          </a:rPr>
+                          <m:t>𝒙</m:t>
+                        </m:r>
+                      </m:e>
+                      <m:sup>
+                        <m:r>
+                          <a:rPr lang="en-US" b="0" i="1" smtClean="0">
+                            <a:latin typeface="Cambria Math" panose="02040503050406030204" pitchFamily="18" charset="0"/>
+                          </a:rPr>
+                          <m:t>(</m:t>
+                        </m:r>
+                        <m:r>
+                          <a:rPr lang="en-US" b="0" i="1" smtClean="0">
+                            <a:latin typeface="Cambria Math" panose="02040503050406030204" pitchFamily="18" charset="0"/>
+                          </a:rPr>
+                          <m:t>𝑖</m:t>
+                        </m:r>
+                        <m:r>
+                          <a:rPr lang="en-US" b="0" i="1" smtClean="0">
+                            <a:latin typeface="Cambria Math" panose="02040503050406030204" pitchFamily="18" charset="0"/>
+                          </a:rPr>
+                          <m:t>)</m:t>
+                        </m:r>
+                      </m:sup>
+                    </m:sSup>
+                  </m:oMath>
+                </a14:m>
+                <a:r>
+                  <a:rPr lang="en-US" dirty="0"/>
+                  <a:t> are the same for all in all instances </a:t>
+                </a:r>
+                <a14:m>
+                  <m:oMath xmlns:m="http://schemas.openxmlformats.org/officeDocument/2006/math">
+                    <m:r>
+                      <a:rPr lang="en-US" b="0" i="1" smtClean="0">
+                        <a:latin typeface="Cambria Math" panose="02040503050406030204" pitchFamily="18" charset="0"/>
+                      </a:rPr>
+                      <m:t>𝑖</m:t>
+                    </m:r>
+                  </m:oMath>
+                </a14:m>
+                <a:endParaRPr lang="en-US" dirty="0"/>
+              </a:p>
+              <a:p>
+                <a:pPr lvl="1">
+                  <a:lnSpc>
+                    <a:spcPct val="150000"/>
+                  </a:lnSpc>
+                </a:pPr>
+                <a:r>
+                  <a:rPr lang="en-US" dirty="0"/>
+                  <a:t>That is, every document has the same distribution over labels, and that each document’s distribution over words depends only on the label, and not on anything else about the document</a:t>
+                </a:r>
+              </a:p>
+              <a:p>
+                <a:pPr>
+                  <a:lnSpc>
+                    <a:spcPct val="150000"/>
+                  </a:lnSpc>
+                </a:pPr>
+                <a:r>
+                  <a:rPr lang="en-US" dirty="0"/>
+                  <a:t>The documents don’t affect each other</a:t>
+                </a:r>
+              </a:p>
+              <a:p>
+                <a:pPr>
+                  <a:lnSpc>
+                    <a:spcPct val="150000"/>
+                  </a:lnSpc>
+                </a:pPr>
+                <a:r>
+                  <a:rPr lang="en-US" dirty="0"/>
+                  <a:t>Now, let’s see the codes</a:t>
+                </a:r>
+              </a:p>
+            </p:txBody>
+          </p:sp>
+        </mc:Choice>
+        <mc:Fallback>
+          <p:sp>
+            <p:nvSpPr>
+              <p:cNvPr id="3" name="Content Placeholder 2">
+                <a:extLst>
+                  <a:ext uri="{FF2B5EF4-FFF2-40B4-BE49-F238E27FC236}">
+                    <a16:creationId xmlns:a16="http://schemas.microsoft.com/office/drawing/2014/main" id="{CCF877C4-FEE0-4889-2B87-19111AB12224}"/>
+                  </a:ext>
+                </a:extLst>
+              </p:cNvPr>
+              <p:cNvSpPr>
+                <a:spLocks noGrp="1" noRot="1" noChangeAspect="1" noMove="1" noResize="1" noEditPoints="1" noAdjustHandles="1" noChangeArrowheads="1" noChangeShapeType="1" noTextEdit="1"/>
+              </p:cNvSpPr>
+              <p:nvPr>
+                <p:ph idx="1"/>
+              </p:nvPr>
+            </p:nvSpPr>
+            <p:spPr>
+              <a:blipFill>
+                <a:blip r:embed="rId2"/>
+                <a:stretch>
+                  <a:fillRect l="-724"/>
+                </a:stretch>
+              </a:blipFill>
+            </p:spPr>
+            <p:txBody>
+              <a:bodyPr/>
+              <a:lstStyle/>
+              <a:p>
+                <a:r>
+                  <a:rPr lang="en-US">
+                    <a:noFill/>
+                  </a:rPr>
+                  <a:t> </a:t>
+                </a:r>
+              </a:p>
+            </p:txBody>
+          </p:sp>
+        </mc:Fallback>
+      </mc:AlternateContent>
+    </p:spTree>
+    <p:extLst>
+      <p:ext uri="{BB962C8B-B14F-4D97-AF65-F5344CB8AC3E}">
+        <p14:creationId xmlns:p14="http://schemas.microsoft.com/office/powerpoint/2010/main" val="3013879860"/>
+      </p:ext>
+    </p:extLst>
+  </p:cSld>
+  <p:clrMapOvr>
+    <a:masterClrMapping/>
+  </p:clrMapOvr>
+</p:sld>
+</file>
+
+<file path=ppt/slides/slide29.xml><?xml version="1.0" encoding="utf-8"?>
+<p:sld xmlns:a="http://schemas.openxmlformats.org/drawingml/2006/main" xmlns:r="http://schemas.openxmlformats.org/officeDocument/2006/relationships" xmlns:p="http://schemas.openxmlformats.org/presentationml/2006/main">
+  <p:cSld>
+    <p:spTree>
+      <p:nvGrpSpPr>
+        <p:cNvPr id="1" name=""/>
+        <p:cNvGrpSpPr/>
+        <p:nvPr/>
+      </p:nvGrpSpPr>
+      <p:grpSpPr>
+        <a:xfrm>
+          <a:off x="0" y="0"/>
+          <a:ext cx="0" cy="0"/>
+          <a:chOff x="0" y="0"/>
+          <a:chExt cx="0" cy="0"/>
+        </a:xfrm>
+      </p:grpSpPr>
+      <p:sp>
+        <p:nvSpPr>
+          <p:cNvPr id="2" name="Title 1">
+            <a:extLst>
+              <a:ext uri="{FF2B5EF4-FFF2-40B4-BE49-F238E27FC236}">
+                <a16:creationId xmlns:a16="http://schemas.microsoft.com/office/drawing/2014/main" id="{84996B6A-B8F5-0C25-57BB-8D90D33EBC23}"/>
+              </a:ext>
+            </a:extLst>
+          </p:cNvPr>
+          <p:cNvSpPr>
+            <a:spLocks noGrp="1"/>
+          </p:cNvSpPr>
+          <p:nvPr>
+            <p:ph type="title"/>
+          </p:nvPr>
+        </p:nvSpPr>
+        <p:spPr/>
+        <p:txBody>
+          <a:bodyPr>
+            <a:normAutofit/>
+          </a:bodyPr>
+          <a:lstStyle/>
+          <a:p>
+            <a:r>
+              <a:rPr lang="en-US" sz="4000" b="1" dirty="0"/>
+              <a:t>Discussion</a:t>
+            </a:r>
+          </a:p>
+        </p:txBody>
+      </p:sp>
+      <p:sp>
+        <p:nvSpPr>
+          <p:cNvPr id="3" name="Content Placeholder 2">
+            <a:extLst>
+              <a:ext uri="{FF2B5EF4-FFF2-40B4-BE49-F238E27FC236}">
+                <a16:creationId xmlns:a16="http://schemas.microsoft.com/office/drawing/2014/main" id="{0322DB20-DB71-18F7-B7BD-330A6922DDDA}"/>
+              </a:ext>
+            </a:extLst>
+          </p:cNvPr>
+          <p:cNvSpPr>
+            <a:spLocks noGrp="1"/>
+          </p:cNvSpPr>
+          <p:nvPr>
+            <p:ph idx="1"/>
+          </p:nvPr>
+        </p:nvSpPr>
+        <p:spPr/>
+        <p:txBody>
+          <a:bodyPr>
+            <a:normAutofit lnSpcReduction="10000"/>
+          </a:bodyPr>
+          <a:lstStyle/>
+          <a:p>
+            <a:pPr>
+              <a:lnSpc>
+                <a:spcPct val="150000"/>
+              </a:lnSpc>
+            </a:pPr>
+            <a:r>
+              <a:rPr lang="en-US" dirty="0"/>
+              <a:t>The bag-of-words model is a good fit for sentiment analysis at the document level</a:t>
+            </a:r>
+          </a:p>
+          <a:p>
+            <a:pPr lvl="1">
+              <a:lnSpc>
+                <a:spcPct val="150000"/>
+              </a:lnSpc>
+            </a:pPr>
+            <a:r>
+              <a:rPr lang="en-US" dirty="0"/>
+              <a:t>If the document is long enough, we would expect the words associated with its true sentiment to overwhelm the others</a:t>
+            </a:r>
+          </a:p>
+          <a:p>
+            <a:pPr>
+              <a:lnSpc>
+                <a:spcPct val="150000"/>
+              </a:lnSpc>
+            </a:pPr>
+            <a:r>
+              <a:rPr lang="en-US" dirty="0"/>
+              <a:t>But it is less effective for short documents, such as single-sentence reviews or social media posts</a:t>
+            </a:r>
+          </a:p>
+          <a:p>
+            <a:pPr lvl="1">
+              <a:lnSpc>
+                <a:spcPct val="150000"/>
+              </a:lnSpc>
+            </a:pPr>
+            <a:r>
+              <a:rPr lang="en-US" dirty="0"/>
+              <a:t>Linguistic issues like negation are inevitable</a:t>
+            </a:r>
           </a:p>
         </p:txBody>
       </p:sp>
@@ -6733,6 +8727,282 @@
     <p:extLst>
       <p:ext uri="{BB962C8B-B14F-4D97-AF65-F5344CB8AC3E}">
         <p14:creationId xmlns:p14="http://schemas.microsoft.com/office/powerpoint/2010/main" val="2552900327"/>
+      </p:ext>
+    </p:extLst>
+  </p:cSld>
+  <p:clrMapOvr>
+    <a:masterClrMapping/>
+  </p:clrMapOvr>
+</p:sld>
+</file>
+
+<file path=ppt/slides/slide30.xml><?xml version="1.0" encoding="utf-8"?>
+<p:sld xmlns:a="http://schemas.openxmlformats.org/drawingml/2006/main" xmlns:r="http://schemas.openxmlformats.org/officeDocument/2006/relationships" xmlns:p="http://schemas.openxmlformats.org/presentationml/2006/main">
+  <p:cSld>
+    <p:spTree>
+      <p:nvGrpSpPr>
+        <p:cNvPr id="1" name=""/>
+        <p:cNvGrpSpPr/>
+        <p:nvPr/>
+      </p:nvGrpSpPr>
+      <p:grpSpPr>
+        <a:xfrm>
+          <a:off x="0" y="0"/>
+          <a:ext cx="0" cy="0"/>
+          <a:chOff x="0" y="0"/>
+          <a:chExt cx="0" cy="0"/>
+        </a:xfrm>
+      </p:grpSpPr>
+      <p:sp>
+        <p:nvSpPr>
+          <p:cNvPr id="2" name="Title 1">
+            <a:extLst>
+              <a:ext uri="{FF2B5EF4-FFF2-40B4-BE49-F238E27FC236}">
+                <a16:creationId xmlns:a16="http://schemas.microsoft.com/office/drawing/2014/main" id="{3C2D8621-D0E8-EAAE-D32A-7E05BB0E9A20}"/>
+              </a:ext>
+            </a:extLst>
+          </p:cNvPr>
+          <p:cNvSpPr>
+            <a:spLocks noGrp="1"/>
+          </p:cNvSpPr>
+          <p:nvPr>
+            <p:ph type="title"/>
+          </p:nvPr>
+        </p:nvSpPr>
+        <p:spPr/>
+        <p:txBody>
+          <a:bodyPr>
+            <a:normAutofit/>
+          </a:bodyPr>
+          <a:lstStyle/>
+          <a:p>
+            <a:r>
+              <a:rPr lang="en-US" sz="4000" b="1" dirty="0"/>
+              <a:t>Guess sentiment</a:t>
+            </a:r>
+          </a:p>
+        </p:txBody>
+      </p:sp>
+      <p:sp>
+        <p:nvSpPr>
+          <p:cNvPr id="3" name="Content Placeholder 2">
+            <a:extLst>
+              <a:ext uri="{FF2B5EF4-FFF2-40B4-BE49-F238E27FC236}">
+                <a16:creationId xmlns:a16="http://schemas.microsoft.com/office/drawing/2014/main" id="{CD8ACB92-2D47-E6CF-7323-06F6BF8A052E}"/>
+              </a:ext>
+            </a:extLst>
+          </p:cNvPr>
+          <p:cNvSpPr>
+            <a:spLocks noGrp="1"/>
+          </p:cNvSpPr>
+          <p:nvPr>
+            <p:ph idx="1"/>
+          </p:nvPr>
+        </p:nvSpPr>
+        <p:spPr/>
+        <p:txBody>
+          <a:bodyPr>
+            <a:normAutofit fontScale="92500" lnSpcReduction="10000"/>
+          </a:bodyPr>
+          <a:lstStyle/>
+          <a:p>
+            <a:pPr>
+              <a:lnSpc>
+                <a:spcPct val="200000"/>
+              </a:lnSpc>
+            </a:pPr>
+            <a:r>
+              <a:rPr lang="en-US" dirty="0"/>
+              <a:t>That’s not bad for the first day</a:t>
+            </a:r>
+          </a:p>
+          <a:p>
+            <a:pPr>
+              <a:lnSpc>
+                <a:spcPct val="200000"/>
+              </a:lnSpc>
+            </a:pPr>
+            <a:r>
+              <a:rPr lang="en-US" dirty="0"/>
+              <a:t>This is not the worst thing that can happen</a:t>
+            </a:r>
+          </a:p>
+          <a:p>
+            <a:pPr>
+              <a:lnSpc>
+                <a:spcPct val="200000"/>
+              </a:lnSpc>
+            </a:pPr>
+            <a:r>
+              <a:rPr lang="en-US" dirty="0"/>
+              <a:t>It would be nice if you acted like you understood</a:t>
+            </a:r>
+          </a:p>
+          <a:p>
+            <a:pPr>
+              <a:lnSpc>
+                <a:spcPct val="200000"/>
+              </a:lnSpc>
+            </a:pPr>
+            <a:r>
+              <a:rPr lang="en-US" dirty="0"/>
+              <a:t>This film should be brilliant. The actors are first grade. It should like a great plot, however, the film is a failure. (Pang et al., 2002)</a:t>
+            </a:r>
+          </a:p>
+          <a:p>
+            <a:pPr marL="0" indent="0">
+              <a:lnSpc>
+                <a:spcPct val="200000"/>
+              </a:lnSpc>
+              <a:buNone/>
+            </a:pPr>
+            <a:endParaRPr lang="en-US" dirty="0"/>
+          </a:p>
+        </p:txBody>
+      </p:sp>
+    </p:spTree>
+    <p:extLst>
+      <p:ext uri="{BB962C8B-B14F-4D97-AF65-F5344CB8AC3E}">
+        <p14:creationId xmlns:p14="http://schemas.microsoft.com/office/powerpoint/2010/main" val="3135240599"/>
+      </p:ext>
+    </p:extLst>
+  </p:cSld>
+  <p:clrMapOvr>
+    <a:masterClrMapping/>
+  </p:clrMapOvr>
+</p:sld>
+</file>
+
+<file path=ppt/slides/slide31.xml><?xml version="1.0" encoding="utf-8"?>
+<p:sld xmlns:a="http://schemas.openxmlformats.org/drawingml/2006/main" xmlns:r="http://schemas.openxmlformats.org/officeDocument/2006/relationships" xmlns:p="http://schemas.openxmlformats.org/presentationml/2006/main">
+  <p:cSld>
+    <p:spTree>
+      <p:nvGrpSpPr>
+        <p:cNvPr id="1" name=""/>
+        <p:cNvGrpSpPr/>
+        <p:nvPr/>
+      </p:nvGrpSpPr>
+      <p:grpSpPr>
+        <a:xfrm>
+          <a:off x="0" y="0"/>
+          <a:ext cx="0" cy="0"/>
+          <a:chOff x="0" y="0"/>
+          <a:chExt cx="0" cy="0"/>
+        </a:xfrm>
+      </p:grpSpPr>
+      <p:sp>
+        <p:nvSpPr>
+          <p:cNvPr id="2" name="Title 1">
+            <a:extLst>
+              <a:ext uri="{FF2B5EF4-FFF2-40B4-BE49-F238E27FC236}">
+                <a16:creationId xmlns:a16="http://schemas.microsoft.com/office/drawing/2014/main" id="{2650EBE4-9046-241C-6800-BE7A94B4B8F6}"/>
+              </a:ext>
+            </a:extLst>
+          </p:cNvPr>
+          <p:cNvSpPr>
+            <a:spLocks noGrp="1"/>
+          </p:cNvSpPr>
+          <p:nvPr>
+            <p:ph type="title"/>
+          </p:nvPr>
+        </p:nvSpPr>
+        <p:spPr/>
+        <p:txBody>
+          <a:bodyPr>
+            <a:normAutofit/>
+          </a:bodyPr>
+          <a:lstStyle/>
+          <a:p>
+            <a:r>
+              <a:rPr lang="en-US" sz="4000" b="1" dirty="0"/>
+              <a:t>Discussion</a:t>
+            </a:r>
+          </a:p>
+        </p:txBody>
+      </p:sp>
+      <p:sp>
+        <p:nvSpPr>
+          <p:cNvPr id="3" name="Content Placeholder 2">
+            <a:extLst>
+              <a:ext uri="{FF2B5EF4-FFF2-40B4-BE49-F238E27FC236}">
+                <a16:creationId xmlns:a16="http://schemas.microsoft.com/office/drawing/2014/main" id="{8DFC5610-DA16-5650-EC9D-64836EFB7E93}"/>
+              </a:ext>
+            </a:extLst>
+          </p:cNvPr>
+          <p:cNvSpPr>
+            <a:spLocks noGrp="1"/>
+          </p:cNvSpPr>
+          <p:nvPr>
+            <p:ph idx="1"/>
+          </p:nvPr>
+        </p:nvSpPr>
+        <p:spPr/>
+        <p:txBody>
+          <a:bodyPr/>
+          <a:lstStyle/>
+          <a:p>
+            <a:r>
+              <a:rPr lang="en-US" dirty="0"/>
+              <a:t>A minimal solution is to move from a bag-of-words model to a bag-of-bigrams model, where each base feature is a pair of adjacent words</a:t>
+            </a:r>
+          </a:p>
+          <a:p>
+            <a:pPr lvl="1"/>
+            <a:r>
+              <a:rPr lang="en-US" dirty="0"/>
+              <a:t>(that’s, not), (not, bad), (bad, for),…</a:t>
+            </a:r>
+          </a:p>
+          <a:p>
+            <a:r>
+              <a:rPr lang="en-US" dirty="0"/>
+              <a:t>Bigrams can handle relatively straightforward cases, such as when an adjective is immediately negated</a:t>
+            </a:r>
+          </a:p>
+          <a:p>
+            <a:pPr lvl="1"/>
+            <a:r>
+              <a:rPr lang="en-US" dirty="0"/>
+              <a:t>But this approach will not scale to more complex examples</a:t>
+            </a:r>
+          </a:p>
+          <a:p>
+            <a:r>
+              <a:rPr lang="en-US" dirty="0"/>
+              <a:t>Smoothing would be another option</a:t>
+            </a:r>
+          </a:p>
+          <a:p>
+            <a:pPr lvl="1"/>
+            <a:r>
+              <a:rPr lang="en-US" dirty="0"/>
+              <a:t>Naïve Bayes use Laplace smoothing</a:t>
+            </a:r>
+          </a:p>
+          <a:p>
+            <a:pPr lvl="1"/>
+            <a:r>
+              <a:rPr lang="en-US" dirty="0"/>
+              <a:t>What’s the reasoning behind smoothing in ML?</a:t>
+            </a:r>
+          </a:p>
+          <a:p>
+            <a:pPr lvl="1"/>
+            <a:r>
+              <a:rPr lang="en-US"/>
+              <a:t>Let’s see the code</a:t>
+            </a:r>
+            <a:endParaRPr lang="en-US" dirty="0"/>
+          </a:p>
+          <a:p>
+            <a:endParaRPr lang="en-US" dirty="0"/>
+          </a:p>
+        </p:txBody>
+      </p:sp>
+    </p:spTree>
+    <p:extLst>
+      <p:ext uri="{BB962C8B-B14F-4D97-AF65-F5344CB8AC3E}">
+        <p14:creationId xmlns:p14="http://schemas.microsoft.com/office/powerpoint/2010/main" val="382683760"/>
       </p:ext>
     </p:extLst>
   </p:cSld>

--- a/BUS243_NLP/lecture_notes/Lecture2.pptx
+++ b/BUS243_NLP/lecture_notes/Lecture2.pptx
@@ -227,7 +227,7 @@
           <a:p>
             <a:fld id="{6C062D5C-E428-DA43-AA54-C279CF805B17}" type="datetimeFigureOut">
               <a:rPr lang="en-US" smtClean="0"/>
-              <a:t>3/10/23</a:t>
+              <a:t>3/22/23</a:t>
             </a:fld>
             <a:endParaRPr lang="en-US"/>
           </a:p>
@@ -643,7 +643,7 @@
             <a:fld id="{3F9AFA87-1417-4992-ABD9-27C3BC8CC883}" type="datetimeFigureOut">
               <a:rPr lang="en-US" smtClean="0"/>
               <a:pPr algn="r"/>
-              <a:t>3/10/23</a:t>
+              <a:t>3/22/23</a:t>
             </a:fld>
             <a:endParaRPr lang="en-US" dirty="0"/>
           </a:p>
@@ -842,7 +842,7 @@
           <a:p>
             <a:fld id="{3F9AFA87-1417-4992-ABD9-27C3BC8CC883}" type="datetimeFigureOut">
               <a:rPr lang="en-US" smtClean="0"/>
-              <a:t>3/10/23</a:t>
+              <a:t>3/22/23</a:t>
             </a:fld>
             <a:endParaRPr lang="en-US"/>
           </a:p>
@@ -1050,7 +1050,7 @@
           <a:p>
             <a:fld id="{3F9AFA87-1417-4992-ABD9-27C3BC8CC883}" type="datetimeFigureOut">
               <a:rPr lang="en-US" smtClean="0"/>
-              <a:t>3/10/23</a:t>
+              <a:t>3/22/23</a:t>
             </a:fld>
             <a:endParaRPr lang="en-US"/>
           </a:p>
@@ -1248,7 +1248,7 @@
           <a:p>
             <a:fld id="{3F9AFA87-1417-4992-ABD9-27C3BC8CC883}" type="datetimeFigureOut">
               <a:rPr lang="en-US" smtClean="0"/>
-              <a:t>3/10/23</a:t>
+              <a:t>3/22/23</a:t>
             </a:fld>
             <a:endParaRPr lang="en-US"/>
           </a:p>
@@ -1523,7 +1523,7 @@
           <a:p>
             <a:fld id="{3F9AFA87-1417-4992-ABD9-27C3BC8CC883}" type="datetimeFigureOut">
               <a:rPr lang="en-US" smtClean="0"/>
-              <a:t>3/10/23</a:t>
+              <a:t>3/22/23</a:t>
             </a:fld>
             <a:endParaRPr lang="en-US"/>
           </a:p>
@@ -1788,7 +1788,7 @@
           <a:p>
             <a:fld id="{3F9AFA87-1417-4992-ABD9-27C3BC8CC883}" type="datetimeFigureOut">
               <a:rPr lang="en-US" smtClean="0"/>
-              <a:t>3/10/23</a:t>
+              <a:t>3/22/23</a:t>
             </a:fld>
             <a:endParaRPr lang="en-US" dirty="0"/>
           </a:p>
@@ -2202,7 +2202,7 @@
             <a:fld id="{3F9AFA87-1417-4992-ABD9-27C3BC8CC883}" type="datetimeFigureOut">
               <a:rPr lang="en-US" smtClean="0"/>
               <a:pPr algn="r"/>
-              <a:t>3/10/23</a:t>
+              <a:t>3/22/23</a:t>
             </a:fld>
             <a:endParaRPr lang="en-US" dirty="0"/>
           </a:p>
@@ -2344,7 +2344,7 @@
           <a:p>
             <a:fld id="{3F9AFA87-1417-4992-ABD9-27C3BC8CC883}" type="datetimeFigureOut">
               <a:rPr lang="en-US" smtClean="0"/>
-              <a:t>3/10/23</a:t>
+              <a:t>3/22/23</a:t>
             </a:fld>
             <a:endParaRPr lang="en-US"/>
           </a:p>
@@ -2457,7 +2457,7 @@
           <a:p>
             <a:fld id="{3F9AFA87-1417-4992-ABD9-27C3BC8CC883}" type="datetimeFigureOut">
               <a:rPr lang="en-US" smtClean="0"/>
-              <a:t>3/10/23</a:t>
+              <a:t>3/22/23</a:t>
             </a:fld>
             <a:endParaRPr lang="en-US"/>
           </a:p>
@@ -2768,7 +2768,7 @@
           <a:p>
             <a:fld id="{3F9AFA87-1417-4992-ABD9-27C3BC8CC883}" type="datetimeFigureOut">
               <a:rPr lang="en-US" smtClean="0"/>
-              <a:t>3/10/23</a:t>
+              <a:t>3/22/23</a:t>
             </a:fld>
             <a:endParaRPr lang="en-US"/>
           </a:p>
@@ -3056,7 +3056,7 @@
           <a:p>
             <a:fld id="{3F9AFA87-1417-4992-ABD9-27C3BC8CC883}" type="datetimeFigureOut">
               <a:rPr lang="en-US" smtClean="0"/>
-              <a:t>3/10/23</a:t>
+              <a:t>3/22/23</a:t>
             </a:fld>
             <a:endParaRPr lang="en-US"/>
           </a:p>
@@ -3299,7 +3299,7 @@
             <a:fld id="{3F9AFA87-1417-4992-ABD9-27C3BC8CC883}" type="datetimeFigureOut">
               <a:rPr lang="en-US" smtClean="0"/>
               <a:pPr algn="r"/>
-              <a:t>3/10/23</a:t>
+              <a:t>3/22/23</a:t>
             </a:fld>
             <a:endParaRPr lang="en-US" dirty="0"/>
           </a:p>
@@ -7243,7 +7243,15 @@
             </a:pPr>
             <a:r>
               <a:rPr lang="en-US" dirty="0"/>
-              <a:t>When your target variable is the sentiment you are trying to predict, the model will find words that predict that sentiment</a:t>
+              <a:t>When your target variable is </a:t>
+            </a:r>
+            <a:r>
+              <a:rPr lang="en-US"/>
+              <a:t>the sentiment, </a:t>
+            </a:r>
+            <a:r>
+              <a:rPr lang="en-US" dirty="0"/>
+              <a:t>the model will find words that predict that sentiment</a:t>
             </a:r>
           </a:p>
           <a:p>
@@ -7408,8 +7416,8 @@
           </a:p>
         </p:txBody>
       </p:sp>
-      <mc:AlternateContent xmlns:mc="http://schemas.openxmlformats.org/markup-compatibility/2006">
-        <mc:Choice xmlns:a14="http://schemas.microsoft.com/office/drawing/2010/main" Requires="a14">
+      <mc:AlternateContent xmlns:mc="http://schemas.openxmlformats.org/markup-compatibility/2006" xmlns:a14="http://schemas.microsoft.com/office/drawing/2010/main">
+        <mc:Choice Requires="a14">
           <p:sp>
             <p:nvSpPr>
               <p:cNvPr id="3" name="Content Placeholder 2">
@@ -8117,7 +8125,7 @@
             </p:txBody>
           </p:sp>
         </mc:Choice>
-        <mc:Fallback>
+        <mc:Fallback xmlns="">
           <p:sp>
             <p:nvSpPr>
               <p:cNvPr id="3" name="Content Placeholder 2">
@@ -8217,8 +8225,8 @@
           </a:p>
         </p:txBody>
       </p:sp>
-      <mc:AlternateContent xmlns:mc="http://schemas.openxmlformats.org/markup-compatibility/2006">
-        <mc:Choice xmlns:a14="http://schemas.microsoft.com/office/drawing/2010/main" Requires="a14">
+      <mc:AlternateContent xmlns:mc="http://schemas.openxmlformats.org/markup-compatibility/2006" xmlns:a14="http://schemas.microsoft.com/office/drawing/2010/main">
+        <mc:Choice Requires="a14">
           <p:sp>
             <p:nvSpPr>
               <p:cNvPr id="3" name="Content Placeholder 2">
@@ -8447,7 +8455,7 @@
             </p:txBody>
           </p:sp>
         </mc:Choice>
-        <mc:Fallback>
+        <mc:Fallback xmlns="">
           <p:sp>
             <p:nvSpPr>
               <p:cNvPr id="3" name="Content Placeholder 2">
@@ -9054,7 +9062,7 @@
           <a:p>
             <a:r>
               <a:rPr lang="en-US" sz="4000" b="1" dirty="0"/>
-              <a:t>Some keywords</a:t>
+              <a:t>Some Keywords</a:t>
             </a:r>
           </a:p>
         </p:txBody>
@@ -9077,7 +9085,9 @@
         </p:nvSpPr>
         <p:spPr/>
         <p:txBody>
-          <a:bodyPr/>
+          <a:bodyPr>
+            <a:normAutofit lnSpcReduction="10000"/>
+          </a:bodyPr>
           <a:lstStyle/>
           <a:p>
             <a:r>
@@ -9128,7 +9138,13 @@
           <a:p>
             <a:r>
               <a:rPr lang="en-US" dirty="0"/>
-              <a:t>They also used in a ml pipeline as features</a:t>
+              <a:t>They also used in a ML pipeline as features</a:t>
+            </a:r>
+          </a:p>
+          <a:p>
+            <a:r>
+              <a:rPr lang="en-US" dirty="0"/>
+              <a:t>Let’s see the code</a:t>
             </a:r>
           </a:p>
           <a:p>
@@ -9259,7 +9275,7 @@
             </a:pPr>
             <a:r>
               <a:rPr lang="en-US" sz="3200" dirty="0"/>
-              <a:t>What tokenizer used in the example?</a:t>
+              <a:t>Let’s see the code</a:t>
             </a:r>
           </a:p>
           <a:p>
@@ -9354,7 +9370,7 @@
         <p:spPr/>
         <p:txBody>
           <a:bodyPr>
-            <a:normAutofit fontScale="92500" lnSpcReduction="20000"/>
+            <a:normAutofit fontScale="77500" lnSpcReduction="20000"/>
           </a:bodyPr>
           <a:lstStyle/>
           <a:p>
@@ -9422,7 +9438,7 @@
                   <a:srgbClr val="000000"/>
                 </a:solidFill>
               </a:rPr>
-              <a:t>We will revisit this representation later </a:t>
+              <a:t>We will revisit this representation later (sentence-base analysis)</a:t>
             </a:r>
           </a:p>
           <a:p>
@@ -9439,6 +9455,33 @@
               </a:rPr>
               <a:t>Essential input for CNN (Convolution Neural net)</a:t>
             </a:r>
+          </a:p>
+          <a:p>
+            <a:pPr>
+              <a:lnSpc>
+                <a:spcPct val="150000"/>
+              </a:lnSpc>
+            </a:pPr>
+            <a:r>
+              <a:rPr lang="en-US" dirty="0">
+                <a:solidFill>
+                  <a:srgbClr val="000000"/>
+                </a:solidFill>
+              </a:rPr>
+              <a:t>Let’s go back to the code</a:t>
+            </a:r>
+          </a:p>
+          <a:p>
+            <a:pPr>
+              <a:lnSpc>
+                <a:spcPct val="150000"/>
+              </a:lnSpc>
+            </a:pPr>
+            <a:endParaRPr lang="en-US" dirty="0">
+              <a:solidFill>
+                <a:srgbClr val="000000"/>
+              </a:solidFill>
+            </a:endParaRPr>
           </a:p>
           <a:p>
             <a:pPr>
@@ -9918,7 +9961,7 @@
             </a:pPr>
             <a:r>
               <a:rPr lang="en-US" dirty="0"/>
-              <a:t>Let’s see the code example </a:t>
+              <a:t>We need to discuss some steps here</a:t>
             </a:r>
           </a:p>
         </p:txBody>

--- a/BUS243_NLP/lecture_notes/Lecture2.pptx
+++ b/BUS243_NLP/lecture_notes/Lecture2.pptx
@@ -7243,15 +7243,7 @@
             </a:pPr>
             <a:r>
               <a:rPr lang="en-US" dirty="0"/>
-              <a:t>When your target variable is </a:t>
-            </a:r>
-            <a:r>
-              <a:rPr lang="en-US"/>
-              <a:t>the sentiment, </a:t>
-            </a:r>
-            <a:r>
-              <a:rPr lang="en-US" dirty="0"/>
-              <a:t>the model will find words that predict that sentiment</a:t>
+              <a:t>When your target variable is the sentiment, the model will find words that predict that sentiment</a:t>
             </a:r>
           </a:p>
           <a:p>
@@ -8701,30 +8693,92 @@
         </p:nvSpPr>
         <p:spPr/>
         <p:txBody>
-          <a:bodyPr/>
+          <a:bodyPr>
+            <a:normAutofit fontScale="92500" lnSpcReduction="10000"/>
+          </a:bodyPr>
           <a:lstStyle/>
           <a:p>
+            <a:pPr>
+              <a:lnSpc>
+                <a:spcPct val="150000"/>
+              </a:lnSpc>
+            </a:pPr>
             <a:r>
               <a:rPr lang="en-US" dirty="0"/>
               <a:t>Understand a numerical representation of text</a:t>
             </a:r>
           </a:p>
           <a:p>
-            <a:pPr lvl="1"/>
+            <a:pPr lvl="1">
+              <a:lnSpc>
+                <a:spcPct val="150000"/>
+              </a:lnSpc>
+            </a:pPr>
             <a:r>
               <a:rPr lang="en-US" dirty="0"/>
               <a:t>One-hot vectors</a:t>
             </a:r>
           </a:p>
           <a:p>
-            <a:pPr lvl="1"/>
+            <a:pPr lvl="1">
+              <a:lnSpc>
+                <a:spcPct val="150000"/>
+              </a:lnSpc>
+            </a:pPr>
             <a:r>
               <a:rPr lang="en-US" dirty="0"/>
               <a:t>Bag-of-words representation</a:t>
             </a:r>
           </a:p>
           <a:p>
+            <a:pPr>
+              <a:lnSpc>
+                <a:spcPct val="150000"/>
+              </a:lnSpc>
+            </a:pPr>
+            <a:r>
+              <a:rPr lang="en-US" dirty="0"/>
+              <a:t>How to recognize a word?</a:t>
+            </a:r>
+          </a:p>
+          <a:p>
+            <a:pPr lvl="1">
+              <a:lnSpc>
+                <a:spcPct val="150000"/>
+              </a:lnSpc>
+            </a:pPr>
+            <a:r>
+              <a:rPr lang="en-US" dirty="0"/>
+              <a:t>Tokenization</a:t>
+            </a:r>
+          </a:p>
+          <a:p>
+            <a:pPr>
+              <a:lnSpc>
+                <a:spcPct val="150000"/>
+              </a:lnSpc>
+            </a:pPr>
+            <a:r>
+              <a:rPr lang="en-US" dirty="0"/>
+              <a:t>Understanding Normalization </a:t>
+            </a:r>
+          </a:p>
+          <a:p>
+            <a:pPr>
+              <a:lnSpc>
+                <a:spcPct val="150000"/>
+              </a:lnSpc>
+            </a:pPr>
+            <a:r>
+              <a:rPr lang="en-US" dirty="0"/>
+              <a:t>Exercise: Naïve Bayes</a:t>
+            </a:r>
+          </a:p>
+          <a:p>
             <a:pPr marL="0" indent="0">
+              <a:lnSpc>
+                <a:spcPct val="150000"/>
+              </a:lnSpc>
               <a:buNone/>
             </a:pPr>
             <a:endParaRPr lang="en-US" dirty="0"/>
@@ -8997,10 +9051,9 @@
           <a:p>
             <a:pPr lvl="1"/>
             <a:r>
-              <a:rPr lang="en-US"/>
+              <a:rPr lang="en-US" dirty="0"/>
               <a:t>Let’s see the code</a:t>
             </a:r>
-            <a:endParaRPr lang="en-US" dirty="0"/>
           </a:p>
           <a:p>
             <a:endParaRPr lang="en-US" dirty="0"/>
